--- a/GTM-Bookings-Analysis.pptx
+++ b/GTM-Bookings-Analysis.pptx
@@ -14,9 +14,10 @@
     <p:sldId id="262" r:id="rId8"/>
     <p:sldId id="263" r:id="rId9"/>
     <p:sldId id="264" r:id="rId10"/>
+    <p:sldId id="265" r:id="rId11"/>
   </p:sldIdLst>
   <p:notesMasterIdLst>
-    <p:notesMasterId r:id="rId11"/>
+    <p:notesMasterId r:id="rId12"/>
   </p:notesMasterIdLst>
   <p:sldSz cx="12192000" cy="6858000"/>
   <p:notesSz cx="6858000" cy="12192000"/>
@@ -534,6 +535,94 @@
             <a:fld id="{F7021451-1387-4CA6-816F-3879F97B5CBC}" type="slidenum">
               <a:rPr lang="en-US"/>
               <a:t>1</a:t>
+            </a:fld>
+            <a:endParaRPr lang="en-US"/>
+          </a:p>
+        </p:txBody>
+      </p:sp>
+    </p:spTree>
+    <p:extLst>
+      <p:ext uri="{BB962C8B-B14F-4D97-AF65-F5344CB8AC3E}">
+        <p14:creationId xmlns:p14="http://schemas.microsoft.com/office/powerpoint/2010/main" val="1024086991"/>
+      </p:ext>
+    </p:extLst>
+  </p:cSld>
+  <p:clrMapOvr>
+    <a:masterClrMapping/>
+  </p:clrMapOvr>
+</p:notes>
+</file>
+
+<file path=ppt/notesSlides/notesSlide10.xml><?xml version="1.0" encoding="utf-8"?>
+<p:notes xmlns:a="http://schemas.openxmlformats.org/drawingml/2006/main" xmlns:r="http://schemas.openxmlformats.org/officeDocument/2006/relationships" xmlns:p="http://schemas.openxmlformats.org/presentationml/2006/main">
+  <p:cSld>
+    <p:spTree>
+      <p:nvGrpSpPr>
+        <p:cNvPr id="1" name=""/>
+        <p:cNvGrpSpPr/>
+        <p:nvPr/>
+      </p:nvGrpSpPr>
+      <p:grpSpPr>
+        <a:xfrm>
+          <a:off x="0" y="0"/>
+          <a:ext cx="0" cy="0"/>
+          <a:chOff x="0" y="0"/>
+          <a:chExt cx="0" cy="0"/>
+        </a:xfrm>
+      </p:grpSpPr>
+      <p:sp>
+        <p:nvSpPr>
+          <p:cNvPr id="2" name="Slide Image Placeholder 1"/>
+          <p:cNvSpPr>
+            <a:spLocks noGrp="1" noRot="1" noChangeAspect="1"/>
+          </p:cNvSpPr>
+          <p:nvPr>
+            <p:ph type="sldImg"/>
+          </p:nvPr>
+        </p:nvSpPr>
+        <p:spPr/>
+      </p:sp>
+      <p:sp>
+        <p:nvSpPr>
+          <p:cNvPr id="3" name="Notes Placeholder 2"/>
+          <p:cNvSpPr>
+            <a:spLocks noGrp="1"/>
+          </p:cNvSpPr>
+          <p:nvPr>
+            <p:ph type="body" idx="1"/>
+          </p:nvPr>
+        </p:nvSpPr>
+        <p:spPr/>
+        <p:txBody>
+          <a:bodyPr/>
+          <a:lstStyle/>
+          <a:p>
+            <a:r>
+              <a:rPr lang="en-US" dirty="0"/>
+              <a:t/>
+            </a:r>
+            <a:endParaRPr lang="en-US" dirty="0"/>
+          </a:p>
+        </p:txBody>
+      </p:sp>
+      <p:sp>
+        <p:nvSpPr>
+          <p:cNvPr id="4" name="Slide Number Placeholder 3"/>
+          <p:cNvSpPr>
+            <a:spLocks noGrp="1"/>
+          </p:cNvSpPr>
+          <p:nvPr>
+            <p:ph type="sldNum" sz="quarter" idx="10"/>
+          </p:nvPr>
+        </p:nvSpPr>
+        <p:spPr/>
+        <p:txBody>
+          <a:bodyPr/>
+          <a:lstStyle/>
+          <a:p>
+            <a:fld id="{F7021451-1387-4CA6-816F-3879F97B5CBC}" type="slidenum">
+              <a:rPr lang="en-US"/>
+              <a:t>10</a:t>
             </a:fld>
             <a:endParaRPr lang="en-US"/>
           </a:p>
@@ -2097,6 +2186,2056 @@
 </p:sld>
 </file>
 
+<file path=ppt/slides/slide10.xml><?xml version="1.0" encoding="utf-8"?>
+<p:sld xmlns:a="http://schemas.openxmlformats.org/drawingml/2006/main" xmlns:r="http://schemas.openxmlformats.org/officeDocument/2006/relationships" xmlns:p="http://schemas.openxmlformats.org/presentationml/2006/main">
+  <p:cSld name="Slide 10">
+    <p:spTree>
+      <p:nvGrpSpPr>
+        <p:cNvPr id="1" name=""/>
+        <p:cNvGrpSpPr/>
+        <p:nvPr/>
+      </p:nvGrpSpPr>
+      <p:grpSpPr>
+        <a:xfrm>
+          <a:off x="0" y="0"/>
+          <a:ext cx="0" cy="0"/>
+          <a:chOff x="0" y="0"/>
+          <a:chExt cx="0" cy="0"/>
+        </a:xfrm>
+      </p:grpSpPr>
+      <p:sp>
+        <p:nvSpPr>
+          <p:cNvPr id="2" name="Shape 0"/>
+          <p:cNvSpPr/>
+          <p:nvPr/>
+        </p:nvSpPr>
+        <p:spPr>
+          <a:xfrm>
+            <a:off x="0" y="0"/>
+            <a:ext cx="12192000" cy="6858000"/>
+          </a:xfrm>
+          <a:prstGeom prst="rect">
+            <a:avLst/>
+          </a:prstGeom>
+          <a:solidFill>
+            <a:srgbClr val="F0F3F7"/>
+          </a:solidFill>
+          <a:ln/>
+        </p:spPr>
+      </p:sp>
+      <p:sp>
+        <p:nvSpPr>
+          <p:cNvPr id="3" name="Shape 1"/>
+          <p:cNvSpPr/>
+          <p:nvPr/>
+        </p:nvSpPr>
+        <p:spPr>
+          <a:xfrm>
+            <a:off x="0" y="0"/>
+            <a:ext cx="73152" cy="6858000"/>
+          </a:xfrm>
+          <a:prstGeom prst="rect">
+            <a:avLst/>
+          </a:prstGeom>
+          <a:solidFill>
+            <a:srgbClr val="0F2540"/>
+          </a:solidFill>
+          <a:ln/>
+        </p:spPr>
+      </p:sp>
+      <p:sp>
+        <p:nvSpPr>
+          <p:cNvPr id="4" name="Text 2"/>
+          <p:cNvSpPr/>
+          <p:nvPr/>
+        </p:nvSpPr>
+        <p:spPr>
+          <a:xfrm>
+            <a:off x="274320" y="201168"/>
+            <a:ext cx="10972800" cy="256032"/>
+          </a:xfrm>
+          <a:prstGeom prst="rect">
+            <a:avLst/>
+          </a:prstGeom>
+          <a:noFill/>
+          <a:ln/>
+        </p:spPr>
+        <p:txBody>
+          <a:bodyPr wrap="square" rtlCol="0" anchor="ctr"/>
+          <a:lstStyle/>
+          <a:p>
+            <a:pPr indent="0" marL="0">
+              <a:buNone/>
+            </a:pPr>
+            <a:r>
+              <a:rPr lang="en-US" sz="900" b="1" spc="200" kern="0" dirty="0">
+                <a:solidFill>
+                  <a:srgbClr val="E8463A"/>
+                </a:solidFill>
+              </a:rPr>
+              <a:t>RECOMMENDATIONS</a:t>
+            </a:r>
+            <a:endParaRPr lang="en-US" sz="900" dirty="0"/>
+          </a:p>
+        </p:txBody>
+      </p:sp>
+      <p:sp>
+        <p:nvSpPr>
+          <p:cNvPr id="5" name="Text 3"/>
+          <p:cNvSpPr/>
+          <p:nvPr/>
+        </p:nvSpPr>
+        <p:spPr>
+          <a:xfrm>
+            <a:off x="274320" y="411480"/>
+            <a:ext cx="11704320" cy="658368"/>
+          </a:xfrm>
+          <a:prstGeom prst="rect">
+            <a:avLst/>
+          </a:prstGeom>
+          <a:noFill/>
+          <a:ln/>
+        </p:spPr>
+        <p:txBody>
+          <a:bodyPr wrap="square" rtlCol="0" anchor="ctr"/>
+          <a:lstStyle/>
+          <a:p>
+            <a:pPr indent="0" marL="0">
+              <a:buNone/>
+            </a:pPr>
+            <a:r>
+              <a:rPr lang="en-US" sz="2200" b="1" dirty="0">
+                <a:solidFill>
+                  <a:srgbClr val="0F2540"/>
+                </a:solidFill>
+              </a:rPr>
+              <a:t>10 Actions, Prioritized by Speed-to-Impact</a:t>
+            </a:r>
+            <a:endParaRPr lang="en-US" sz="2200" dirty="0"/>
+          </a:p>
+        </p:txBody>
+      </p:sp>
+      <p:sp>
+        <p:nvSpPr>
+          <p:cNvPr id="6" name="Shape 4"/>
+          <p:cNvSpPr/>
+          <p:nvPr/>
+        </p:nvSpPr>
+        <p:spPr>
+          <a:xfrm>
+            <a:off x="274320" y="1005840"/>
+            <a:ext cx="11704320" cy="0"/>
+          </a:xfrm>
+          <a:prstGeom prst="line">
+            <a:avLst/>
+          </a:prstGeom>
+          <a:noFill/>
+          <a:ln w="12700">
+            <a:solidFill>
+              <a:srgbClr val="DDE3EB"/>
+            </a:solidFill>
+            <a:prstDash val="solid"/>
+          </a:ln>
+        </p:spPr>
+      </p:sp>
+      <p:sp>
+        <p:nvSpPr>
+          <p:cNvPr id="7" name="Shape 5"/>
+          <p:cNvSpPr/>
+          <p:nvPr/>
+        </p:nvSpPr>
+        <p:spPr>
+          <a:xfrm>
+            <a:off x="274320" y="1115568"/>
+            <a:ext cx="5669280" cy="603504"/>
+          </a:xfrm>
+          <a:prstGeom prst="rect">
+            <a:avLst/>
+          </a:prstGeom>
+          <a:solidFill>
+            <a:srgbClr val="FFFFFF"/>
+          </a:solidFill>
+          <a:ln w="12700">
+            <a:solidFill>
+              <a:srgbClr val="DDE3EB"/>
+            </a:solidFill>
+            <a:prstDash val="solid"/>
+          </a:ln>
+        </p:spPr>
+      </p:sp>
+      <p:sp>
+        <p:nvSpPr>
+          <p:cNvPr id="8" name="Shape 6"/>
+          <p:cNvSpPr/>
+          <p:nvPr/>
+        </p:nvSpPr>
+        <p:spPr>
+          <a:xfrm>
+            <a:off x="274320" y="1115568"/>
+            <a:ext cx="329184" cy="603504"/>
+          </a:xfrm>
+          <a:prstGeom prst="rect">
+            <a:avLst/>
+          </a:prstGeom>
+          <a:solidFill>
+            <a:srgbClr val="0F2540"/>
+          </a:solidFill>
+          <a:ln/>
+        </p:spPr>
+      </p:sp>
+      <p:sp>
+        <p:nvSpPr>
+          <p:cNvPr id="9" name="Text 7"/>
+          <p:cNvSpPr/>
+          <p:nvPr/>
+        </p:nvSpPr>
+        <p:spPr>
+          <a:xfrm>
+            <a:off x="274320" y="1261872"/>
+            <a:ext cx="329184" cy="310896"/>
+          </a:xfrm>
+          <a:prstGeom prst="rect">
+            <a:avLst/>
+          </a:prstGeom>
+          <a:noFill/>
+          <a:ln/>
+        </p:spPr>
+        <p:txBody>
+          <a:bodyPr wrap="square" rtlCol="0" anchor="ctr"/>
+          <a:lstStyle/>
+          <a:p>
+            <a:pPr algn="ctr" indent="0" marL="0">
+              <a:buNone/>
+            </a:pPr>
+            <a:r>
+              <a:rPr lang="en-US" sz="1100" b="1" dirty="0">
+                <a:solidFill>
+                  <a:srgbClr val="FFFFFF"/>
+                </a:solidFill>
+              </a:rPr>
+              <a:t>1</a:t>
+            </a:r>
+            <a:endParaRPr lang="en-US" sz="1100" dirty="0"/>
+          </a:p>
+        </p:txBody>
+      </p:sp>
+      <p:sp>
+        <p:nvSpPr>
+          <p:cNvPr id="10" name="Text 8"/>
+          <p:cNvSpPr/>
+          <p:nvPr/>
+        </p:nvSpPr>
+        <p:spPr>
+          <a:xfrm>
+            <a:off x="676656" y="1161288"/>
+            <a:ext cx="4389120" cy="201168"/>
+          </a:xfrm>
+          <a:prstGeom prst="rect">
+            <a:avLst/>
+          </a:prstGeom>
+          <a:noFill/>
+          <a:ln/>
+        </p:spPr>
+        <p:txBody>
+          <a:bodyPr wrap="square" rtlCol="0" anchor="ctr"/>
+          <a:lstStyle/>
+          <a:p>
+            <a:pPr indent="0" marL="0">
+              <a:buNone/>
+            </a:pPr>
+            <a:r>
+              <a:rPr lang="en-US" sz="900" b="1" dirty="0">
+                <a:solidFill>
+                  <a:srgbClr val="0F2540"/>
+                </a:solidFill>
+              </a:rPr>
+              <a:t>Interview Dahlstrom</a:t>
+            </a:r>
+            <a:endParaRPr lang="en-US" sz="900" dirty="0"/>
+          </a:p>
+        </p:txBody>
+      </p:sp>
+      <p:sp>
+        <p:nvSpPr>
+          <p:cNvPr id="11" name="Text 9"/>
+          <p:cNvSpPr/>
+          <p:nvPr/>
+        </p:nvSpPr>
+        <p:spPr>
+          <a:xfrm>
+            <a:off x="676656" y="1353312"/>
+            <a:ext cx="4389120" cy="201168"/>
+          </a:xfrm>
+          <a:prstGeom prst="rect">
+            <a:avLst/>
+          </a:prstGeom>
+          <a:noFill/>
+          <a:ln/>
+        </p:spPr>
+        <p:txBody>
+          <a:bodyPr wrap="square" rtlCol="0" anchor="ctr"/>
+          <a:lstStyle/>
+          <a:p>
+            <a:pPr indent="0" marL="0">
+              <a:buNone/>
+            </a:pPr>
+            <a:r>
+              <a:rPr lang="en-US" sz="750" dirty="0">
+                <a:solidFill>
+                  <a:srgbClr val="3A4F63"/>
+                </a:solidFill>
+              </a:rPr>
+              <a:t>2.6% no-show vs. 35% team avg. Extract his confirmation/qualification playbook. Deploy team-wide in 30 days.</a:t>
+            </a:r>
+            <a:endParaRPr lang="en-US" sz="750" dirty="0"/>
+          </a:p>
+        </p:txBody>
+      </p:sp>
+      <p:sp>
+        <p:nvSpPr>
+          <p:cNvPr id="12" name="Text 10"/>
+          <p:cNvSpPr/>
+          <p:nvPr/>
+        </p:nvSpPr>
+        <p:spPr>
+          <a:xfrm>
+            <a:off x="676656" y="1554480"/>
+            <a:ext cx="5212080" cy="146304"/>
+          </a:xfrm>
+          <a:prstGeom prst="rect">
+            <a:avLst/>
+          </a:prstGeom>
+          <a:noFill/>
+          <a:ln/>
+        </p:spPr>
+        <p:txBody>
+          <a:bodyPr wrap="square" rtlCol="0" anchor="ctr"/>
+          <a:lstStyle/>
+          <a:p>
+            <a:pPr indent="0" marL="0">
+              <a:buNone/>
+            </a:pPr>
+            <a:r>
+              <a:rPr lang="en-US" sz="700" b="1" dirty="0">
+                <a:solidFill>
+                  <a:srgbClr val="27AE60"/>
+                </a:solidFill>
+              </a:rPr>
+              <a:t>Sales Mgmt — This Week  |  +$3–5K/mo immediately</a:t>
+            </a:r>
+            <a:endParaRPr lang="en-US" sz="700" dirty="0"/>
+          </a:p>
+        </p:txBody>
+      </p:sp>
+      <p:sp>
+        <p:nvSpPr>
+          <p:cNvPr id="13" name="Shape 11"/>
+          <p:cNvSpPr/>
+          <p:nvPr/>
+        </p:nvSpPr>
+        <p:spPr>
+          <a:xfrm>
+            <a:off x="274320" y="1783080"/>
+            <a:ext cx="5669280" cy="603504"/>
+          </a:xfrm>
+          <a:prstGeom prst="rect">
+            <a:avLst/>
+          </a:prstGeom>
+          <a:solidFill>
+            <a:srgbClr val="FFFFFF"/>
+          </a:solidFill>
+          <a:ln w="12700">
+            <a:solidFill>
+              <a:srgbClr val="DDE3EB"/>
+            </a:solidFill>
+            <a:prstDash val="solid"/>
+          </a:ln>
+        </p:spPr>
+      </p:sp>
+      <p:sp>
+        <p:nvSpPr>
+          <p:cNvPr id="14" name="Shape 12"/>
+          <p:cNvSpPr/>
+          <p:nvPr/>
+        </p:nvSpPr>
+        <p:spPr>
+          <a:xfrm>
+            <a:off x="274320" y="1783080"/>
+            <a:ext cx="329184" cy="603504"/>
+          </a:xfrm>
+          <a:prstGeom prst="rect">
+            <a:avLst/>
+          </a:prstGeom>
+          <a:solidFill>
+            <a:srgbClr val="0F2540"/>
+          </a:solidFill>
+          <a:ln/>
+        </p:spPr>
+      </p:sp>
+      <p:sp>
+        <p:nvSpPr>
+          <p:cNvPr id="15" name="Text 13"/>
+          <p:cNvSpPr/>
+          <p:nvPr/>
+        </p:nvSpPr>
+        <p:spPr>
+          <a:xfrm>
+            <a:off x="274320" y="1929384"/>
+            <a:ext cx="329184" cy="310896"/>
+          </a:xfrm>
+          <a:prstGeom prst="rect">
+            <a:avLst/>
+          </a:prstGeom>
+          <a:noFill/>
+          <a:ln/>
+        </p:spPr>
+        <p:txBody>
+          <a:bodyPr wrap="square" rtlCol="0" anchor="ctr"/>
+          <a:lstStyle/>
+          <a:p>
+            <a:pPr algn="ctr" indent="0" marL="0">
+              <a:buNone/>
+            </a:pPr>
+            <a:r>
+              <a:rPr lang="en-US" sz="1100" b="1" dirty="0">
+                <a:solidFill>
+                  <a:srgbClr val="FFFFFF"/>
+                </a:solidFill>
+              </a:rPr>
+              <a:t>2</a:t>
+            </a:r>
+            <a:endParaRPr lang="en-US" sz="1100" dirty="0"/>
+          </a:p>
+        </p:txBody>
+      </p:sp>
+      <p:sp>
+        <p:nvSpPr>
+          <p:cNvPr id="16" name="Text 14"/>
+          <p:cNvSpPr/>
+          <p:nvPr/>
+        </p:nvSpPr>
+        <p:spPr>
+          <a:xfrm>
+            <a:off x="676656" y="1828800"/>
+            <a:ext cx="4389120" cy="201168"/>
+          </a:xfrm>
+          <a:prstGeom prst="rect">
+            <a:avLst/>
+          </a:prstGeom>
+          <a:noFill/>
+          <a:ln/>
+        </p:spPr>
+        <p:txBody>
+          <a:bodyPr wrap="square" rtlCol="0" anchor="ctr"/>
+          <a:lstStyle/>
+          <a:p>
+            <a:pPr indent="0" marL="0">
+              <a:buNone/>
+            </a:pPr>
+            <a:r>
+              <a:rPr lang="en-US" sz="900" b="1" dirty="0">
+                <a:solidFill>
+                  <a:srgbClr val="0F2540"/>
+                </a:solidFill>
+              </a:rPr>
+              <a:t>Work Billing Pipeline with Mgmt</a:t>
+            </a:r>
+            <a:endParaRPr lang="en-US" sz="900" dirty="0"/>
+          </a:p>
+        </p:txBody>
+      </p:sp>
+      <p:sp>
+        <p:nvSpPr>
+          <p:cNvPr id="17" name="Text 15"/>
+          <p:cNvSpPr/>
+          <p:nvPr/>
+        </p:nvSpPr>
+        <p:spPr>
+          <a:xfrm>
+            <a:off x="676656" y="2020824"/>
+            <a:ext cx="4389120" cy="201168"/>
+          </a:xfrm>
+          <a:prstGeom prst="rect">
+            <a:avLst/>
+          </a:prstGeom>
+          <a:noFill/>
+          <a:ln/>
+        </p:spPr>
+        <p:txBody>
+          <a:bodyPr wrap="square" rtlCol="0" anchor="ctr"/>
+          <a:lstStyle/>
+          <a:p>
+            <a:pPr indent="0" marL="0">
+              <a:buNone/>
+            </a:pPr>
+            <a:r>
+              <a:rPr lang="en-US" sz="750" dirty="0">
+                <a:solidFill>
+                  <a:srgbClr val="3A4F63"/>
+                </a:solidFill>
+              </a:rPr>
+              <a:t>Losh Network (Stage 5) + Vision CTS (CW renewal April). 30% close rate = 3–4 closes from 11 deals.</a:t>
+            </a:r>
+            <a:endParaRPr lang="en-US" sz="750" dirty="0"/>
+          </a:p>
+        </p:txBody>
+      </p:sp>
+      <p:sp>
+        <p:nvSpPr>
+          <p:cNvPr id="18" name="Text 16"/>
+          <p:cNvSpPr/>
+          <p:nvPr/>
+        </p:nvSpPr>
+        <p:spPr>
+          <a:xfrm>
+            <a:off x="676656" y="2221992"/>
+            <a:ext cx="5212080" cy="146304"/>
+          </a:xfrm>
+          <a:prstGeom prst="rect">
+            <a:avLst/>
+          </a:prstGeom>
+          <a:noFill/>
+          <a:ln/>
+        </p:spPr>
+        <p:txBody>
+          <a:bodyPr wrap="square" rtlCol="0" anchor="ctr"/>
+          <a:lstStyle/>
+          <a:p>
+            <a:pPr indent="0" marL="0">
+              <a:buNone/>
+            </a:pPr>
+            <a:r>
+              <a:rPr lang="en-US" sz="700" b="1" dirty="0">
+                <a:solidFill>
+                  <a:srgbClr val="27AE60"/>
+                </a:solidFill>
+              </a:rPr>
+              <a:t>Ryan Koontz — This Week  |  ~$3K MRR fast</a:t>
+            </a:r>
+            <a:endParaRPr lang="en-US" sz="700" dirty="0"/>
+          </a:p>
+        </p:txBody>
+      </p:sp>
+      <p:sp>
+        <p:nvSpPr>
+          <p:cNvPr id="19" name="Shape 17"/>
+          <p:cNvSpPr/>
+          <p:nvPr/>
+        </p:nvSpPr>
+        <p:spPr>
+          <a:xfrm>
+            <a:off x="274320" y="2450592"/>
+            <a:ext cx="5669280" cy="603504"/>
+          </a:xfrm>
+          <a:prstGeom prst="rect">
+            <a:avLst/>
+          </a:prstGeom>
+          <a:solidFill>
+            <a:srgbClr val="FFFFFF"/>
+          </a:solidFill>
+          <a:ln w="12700">
+            <a:solidFill>
+              <a:srgbClr val="DDE3EB"/>
+            </a:solidFill>
+            <a:prstDash val="solid"/>
+          </a:ln>
+        </p:spPr>
+      </p:sp>
+      <p:sp>
+        <p:nvSpPr>
+          <p:cNvPr id="20" name="Shape 18"/>
+          <p:cNvSpPr/>
+          <p:nvPr/>
+        </p:nvSpPr>
+        <p:spPr>
+          <a:xfrm>
+            <a:off x="274320" y="2450592"/>
+            <a:ext cx="329184" cy="603504"/>
+          </a:xfrm>
+          <a:prstGeom prst="rect">
+            <a:avLst/>
+          </a:prstGeom>
+          <a:solidFill>
+            <a:srgbClr val="0F2540"/>
+          </a:solidFill>
+          <a:ln/>
+        </p:spPr>
+      </p:sp>
+      <p:sp>
+        <p:nvSpPr>
+          <p:cNvPr id="21" name="Text 19"/>
+          <p:cNvSpPr/>
+          <p:nvPr/>
+        </p:nvSpPr>
+        <p:spPr>
+          <a:xfrm>
+            <a:off x="274320" y="2596896"/>
+            <a:ext cx="329184" cy="310896"/>
+          </a:xfrm>
+          <a:prstGeom prst="rect">
+            <a:avLst/>
+          </a:prstGeom>
+          <a:noFill/>
+          <a:ln/>
+        </p:spPr>
+        <p:txBody>
+          <a:bodyPr wrap="square" rtlCol="0" anchor="ctr"/>
+          <a:lstStyle/>
+          <a:p>
+            <a:pPr algn="ctr" indent="0" marL="0">
+              <a:buNone/>
+            </a:pPr>
+            <a:r>
+              <a:rPr lang="en-US" sz="1100" b="1" dirty="0">
+                <a:solidFill>
+                  <a:srgbClr val="FFFFFF"/>
+                </a:solidFill>
+              </a:rPr>
+              <a:t>3</a:t>
+            </a:r>
+            <a:endParaRPr lang="en-US" sz="1100" dirty="0"/>
+          </a:p>
+        </p:txBody>
+      </p:sp>
+      <p:sp>
+        <p:nvSpPr>
+          <p:cNvPr id="22" name="Text 20"/>
+          <p:cNvSpPr/>
+          <p:nvPr/>
+        </p:nvSpPr>
+        <p:spPr>
+          <a:xfrm>
+            <a:off x="676656" y="2496312"/>
+            <a:ext cx="4389120" cy="201168"/>
+          </a:xfrm>
+          <a:prstGeom prst="rect">
+            <a:avLst/>
+          </a:prstGeom>
+          <a:noFill/>
+          <a:ln/>
+        </p:spPr>
+        <p:txBody>
+          <a:bodyPr wrap="square" rtlCol="0" anchor="ctr"/>
+          <a:lstStyle/>
+          <a:p>
+            <a:pPr indent="0" marL="0">
+              <a:buNone/>
+            </a:pPr>
+            <a:r>
+              <a:rPr lang="en-US" sz="900" b="1" dirty="0">
+                <a:solidFill>
+                  <a:srgbClr val="0F2540"/>
+                </a:solidFill>
+              </a:rPr>
+              <a:t>Launch Apollo 2 Re-Engagement (March)</a:t>
+            </a:r>
+            <a:endParaRPr lang="en-US" sz="900" dirty="0"/>
+          </a:p>
+        </p:txBody>
+      </p:sp>
+      <p:sp>
+        <p:nvSpPr>
+          <p:cNvPr id="23" name="Text 21"/>
+          <p:cNvSpPr/>
+          <p:nvPr/>
+        </p:nvSpPr>
+        <p:spPr>
+          <a:xfrm>
+            <a:off x="676656" y="2688336"/>
+            <a:ext cx="4389120" cy="201168"/>
+          </a:xfrm>
+          <a:prstGeom prst="rect">
+            <a:avLst/>
+          </a:prstGeom>
+          <a:noFill/>
+          <a:ln/>
+        </p:spPr>
+        <p:txBody>
+          <a:bodyPr wrap="square" rtlCol="0" anchor="ctr"/>
+          <a:lstStyle/>
+          <a:p>
+            <a:pPr indent="0" marL="0">
+              <a:buNone/>
+            </a:pPr>
+            <a:r>
+              <a:rPr lang="en-US" sz="750" dirty="0">
+                <a:solidFill>
+                  <a:srgbClr val="3A4F63"/>
+                </a:solidFill>
+              </a:rPr>
+              <a:t>"The feature you needed ships next month." 98 unlocked deals / $101,759 MRR. Work top-down by value.</a:t>
+            </a:r>
+            <a:endParaRPr lang="en-US" sz="750" dirty="0"/>
+          </a:p>
+        </p:txBody>
+      </p:sp>
+      <p:sp>
+        <p:nvSpPr>
+          <p:cNvPr id="24" name="Text 22"/>
+          <p:cNvSpPr/>
+          <p:nvPr/>
+        </p:nvSpPr>
+        <p:spPr>
+          <a:xfrm>
+            <a:off x="676656" y="2889504"/>
+            <a:ext cx="5212080" cy="146304"/>
+          </a:xfrm>
+          <a:prstGeom prst="rect">
+            <a:avLst/>
+          </a:prstGeom>
+          <a:noFill/>
+          <a:ln/>
+        </p:spPr>
+        <p:txBody>
+          <a:bodyPr wrap="square" rtlCol="0" anchor="ctr"/>
+          <a:lstStyle/>
+          <a:p>
+            <a:pPr indent="0" marL="0">
+              <a:buNone/>
+            </a:pPr>
+            <a:r>
+              <a:rPr lang="en-US" sz="700" b="1" dirty="0">
+                <a:solidFill>
+                  <a:srgbClr val="27AE60"/>
+                </a:solidFill>
+              </a:rPr>
+              <a:t>Sales + Marketing — March  |  $10–25K MRR / 90 days</a:t>
+            </a:r>
+            <a:endParaRPr lang="en-US" sz="700" dirty="0"/>
+          </a:p>
+        </p:txBody>
+      </p:sp>
+      <p:sp>
+        <p:nvSpPr>
+          <p:cNvPr id="25" name="Shape 23"/>
+          <p:cNvSpPr/>
+          <p:nvPr/>
+        </p:nvSpPr>
+        <p:spPr>
+          <a:xfrm>
+            <a:off x="274320" y="3118104"/>
+            <a:ext cx="5669280" cy="603504"/>
+          </a:xfrm>
+          <a:prstGeom prst="rect">
+            <a:avLst/>
+          </a:prstGeom>
+          <a:solidFill>
+            <a:srgbClr val="FFFFFF"/>
+          </a:solidFill>
+          <a:ln w="12700">
+            <a:solidFill>
+              <a:srgbClr val="DDE3EB"/>
+            </a:solidFill>
+            <a:prstDash val="solid"/>
+          </a:ln>
+        </p:spPr>
+      </p:sp>
+      <p:sp>
+        <p:nvSpPr>
+          <p:cNvPr id="26" name="Shape 24"/>
+          <p:cNvSpPr/>
+          <p:nvPr/>
+        </p:nvSpPr>
+        <p:spPr>
+          <a:xfrm>
+            <a:off x="274320" y="3118104"/>
+            <a:ext cx="329184" cy="603504"/>
+          </a:xfrm>
+          <a:prstGeom prst="rect">
+            <a:avLst/>
+          </a:prstGeom>
+          <a:solidFill>
+            <a:srgbClr val="0F2540"/>
+          </a:solidFill>
+          <a:ln/>
+        </p:spPr>
+      </p:sp>
+      <p:sp>
+        <p:nvSpPr>
+          <p:cNvPr id="27" name="Text 25"/>
+          <p:cNvSpPr/>
+          <p:nvPr/>
+        </p:nvSpPr>
+        <p:spPr>
+          <a:xfrm>
+            <a:off x="274320" y="3264408"/>
+            <a:ext cx="329184" cy="310896"/>
+          </a:xfrm>
+          <a:prstGeom prst="rect">
+            <a:avLst/>
+          </a:prstGeom>
+          <a:noFill/>
+          <a:ln/>
+        </p:spPr>
+        <p:txBody>
+          <a:bodyPr wrap="square" rtlCol="0" anchor="ctr"/>
+          <a:lstStyle/>
+          <a:p>
+            <a:pPr algn="ctr" indent="0" marL="0">
+              <a:buNone/>
+            </a:pPr>
+            <a:r>
+              <a:rPr lang="en-US" sz="1100" b="1" dirty="0">
+                <a:solidFill>
+                  <a:srgbClr val="FFFFFF"/>
+                </a:solidFill>
+              </a:rPr>
+              <a:t>4</a:t>
+            </a:r>
+            <a:endParaRPr lang="en-US" sz="1100" dirty="0"/>
+          </a:p>
+        </p:txBody>
+      </p:sp>
+      <p:sp>
+        <p:nvSpPr>
+          <p:cNvPr id="28" name="Text 26"/>
+          <p:cNvSpPr/>
+          <p:nvPr/>
+        </p:nvSpPr>
+        <p:spPr>
+          <a:xfrm>
+            <a:off x="676656" y="3163824"/>
+            <a:ext cx="4389120" cy="201168"/>
+          </a:xfrm>
+          <a:prstGeom prst="rect">
+            <a:avLst/>
+          </a:prstGeom>
+          <a:noFill/>
+          <a:ln/>
+        </p:spPr>
+        <p:txBody>
+          <a:bodyPr wrap="square" rtlCol="0" anchor="ctr"/>
+          <a:lstStyle/>
+          <a:p>
+            <a:pPr indent="0" marL="0">
+              <a:buNone/>
+            </a:pPr>
+            <a:r>
+              <a:rPr lang="en-US" sz="900" b="1" dirty="0">
+                <a:solidFill>
+                  <a:srgbClr val="0F2540"/>
+                </a:solidFill>
+              </a:rPr>
+              <a:t>Tigerpaw Migration — Retention Priority</a:t>
+            </a:r>
+            <a:endParaRPr lang="en-US" sz="900" dirty="0"/>
+          </a:p>
+        </p:txBody>
+      </p:sp>
+      <p:sp>
+        <p:nvSpPr>
+          <p:cNvPr id="29" name="Text 27"/>
+          <p:cNvSpPr/>
+          <p:nvPr/>
+        </p:nvSpPr>
+        <p:spPr>
+          <a:xfrm>
+            <a:off x="676656" y="3355848"/>
+            <a:ext cx="4389120" cy="201168"/>
+          </a:xfrm>
+          <a:prstGeom prst="rect">
+            <a:avLst/>
+          </a:prstGeom>
+          <a:noFill/>
+          <a:ln/>
+        </p:spPr>
+        <p:txBody>
+          <a:bodyPr wrap="square" rtlCol="0" anchor="ctr"/>
+          <a:lstStyle/>
+          <a:p>
+            <a:pPr indent="0" marL="0">
+              <a:buNone/>
+            </a:pPr>
+            <a:r>
+              <a:rPr lang="en-US" sz="750" dirty="0">
+                <a:solidFill>
+                  <a:srgbClr val="3A4F63"/>
+                </a:solidFill>
+              </a:rPr>
+              <a:t>80–100 migration-intent accounts. Existing customers = retention play, NOT new MRR. Protect the base; value = churn prevention + long-term ARPU lift.</a:t>
+            </a:r>
+            <a:endParaRPr lang="en-US" sz="750" dirty="0"/>
+          </a:p>
+        </p:txBody>
+      </p:sp>
+      <p:sp>
+        <p:nvSpPr>
+          <p:cNvPr id="30" name="Text 28"/>
+          <p:cNvSpPr/>
+          <p:nvPr/>
+        </p:nvSpPr>
+        <p:spPr>
+          <a:xfrm>
+            <a:off x="676656" y="3557016"/>
+            <a:ext cx="5212080" cy="146304"/>
+          </a:xfrm>
+          <a:prstGeom prst="rect">
+            <a:avLst/>
+          </a:prstGeom>
+          <a:noFill/>
+          <a:ln/>
+        </p:spPr>
+        <p:txBody>
+          <a:bodyPr wrap="square" rtlCol="0" anchor="ctr"/>
+          <a:lstStyle/>
+          <a:p>
+            <a:pPr indent="0" marL="0">
+              <a:buNone/>
+            </a:pPr>
+            <a:r>
+              <a:rPr lang="en-US" sz="700" b="1" dirty="0">
+                <a:solidFill>
+                  <a:srgbClr val="27AE60"/>
+                </a:solidFill>
+              </a:rPr>
+              <a:t>Evan + Ryan — Q1–Q2  |  Churn prevention + ARPU lift</a:t>
+            </a:r>
+            <a:endParaRPr lang="en-US" sz="700" dirty="0"/>
+          </a:p>
+        </p:txBody>
+      </p:sp>
+      <p:sp>
+        <p:nvSpPr>
+          <p:cNvPr id="31" name="Shape 29"/>
+          <p:cNvSpPr/>
+          <p:nvPr/>
+        </p:nvSpPr>
+        <p:spPr>
+          <a:xfrm>
+            <a:off x="274320" y="3785616"/>
+            <a:ext cx="5669280" cy="603504"/>
+          </a:xfrm>
+          <a:prstGeom prst="rect">
+            <a:avLst/>
+          </a:prstGeom>
+          <a:solidFill>
+            <a:srgbClr val="FFFFFF"/>
+          </a:solidFill>
+          <a:ln w="12700">
+            <a:solidFill>
+              <a:srgbClr val="DDE3EB"/>
+            </a:solidFill>
+            <a:prstDash val="solid"/>
+          </a:ln>
+        </p:spPr>
+      </p:sp>
+      <p:sp>
+        <p:nvSpPr>
+          <p:cNvPr id="32" name="Shape 30"/>
+          <p:cNvSpPr/>
+          <p:nvPr/>
+        </p:nvSpPr>
+        <p:spPr>
+          <a:xfrm>
+            <a:off x="274320" y="3785616"/>
+            <a:ext cx="329184" cy="603504"/>
+          </a:xfrm>
+          <a:prstGeom prst="rect">
+            <a:avLst/>
+          </a:prstGeom>
+          <a:solidFill>
+            <a:srgbClr val="0F2540"/>
+          </a:solidFill>
+          <a:ln/>
+        </p:spPr>
+      </p:sp>
+      <p:sp>
+        <p:nvSpPr>
+          <p:cNvPr id="33" name="Text 31"/>
+          <p:cNvSpPr/>
+          <p:nvPr/>
+        </p:nvSpPr>
+        <p:spPr>
+          <a:xfrm>
+            <a:off x="274320" y="3931920"/>
+            <a:ext cx="329184" cy="310896"/>
+          </a:xfrm>
+          <a:prstGeom prst="rect">
+            <a:avLst/>
+          </a:prstGeom>
+          <a:noFill/>
+          <a:ln/>
+        </p:spPr>
+        <p:txBody>
+          <a:bodyPr wrap="square" rtlCol="0" anchor="ctr"/>
+          <a:lstStyle/>
+          <a:p>
+            <a:pPr algn="ctr" indent="0" marL="0">
+              <a:buNone/>
+            </a:pPr>
+            <a:r>
+              <a:rPr lang="en-US" sz="1100" b="1" dirty="0">
+                <a:solidFill>
+                  <a:srgbClr val="FFFFFF"/>
+                </a:solidFill>
+              </a:rPr>
+              <a:t>5</a:t>
+            </a:r>
+            <a:endParaRPr lang="en-US" sz="1100" dirty="0"/>
+          </a:p>
+        </p:txBody>
+      </p:sp>
+      <p:sp>
+        <p:nvSpPr>
+          <p:cNvPr id="34" name="Text 32"/>
+          <p:cNvSpPr/>
+          <p:nvPr/>
+        </p:nvSpPr>
+        <p:spPr>
+          <a:xfrm>
+            <a:off x="676656" y="3831336"/>
+            <a:ext cx="4389120" cy="201168"/>
+          </a:xfrm>
+          <a:prstGeom prst="rect">
+            <a:avLst/>
+          </a:prstGeom>
+          <a:noFill/>
+          <a:ln/>
+        </p:spPr>
+        <p:txBody>
+          <a:bodyPr wrap="square" rtlCol="0" anchor="ctr"/>
+          <a:lstStyle/>
+          <a:p>
+            <a:pPr indent="0" marL="0">
+              <a:buNone/>
+            </a:pPr>
+            <a:r>
+              <a:rPr lang="en-US" sz="900" b="1" dirty="0">
+                <a:solidFill>
+                  <a:srgbClr val="0F2540"/>
+                </a:solidFill>
+              </a:rPr>
+              <a:t>Coach Davies: Pipeline Leaking</a:t>
+            </a:r>
+            <a:endParaRPr lang="en-US" sz="900" dirty="0"/>
+          </a:p>
+        </p:txBody>
+      </p:sp>
+      <p:sp>
+        <p:nvSpPr>
+          <p:cNvPr id="35" name="Text 33"/>
+          <p:cNvSpPr/>
+          <p:nvPr/>
+        </p:nvSpPr>
+        <p:spPr>
+          <a:xfrm>
+            <a:off x="676656" y="4023360"/>
+            <a:ext cx="4389120" cy="201168"/>
+          </a:xfrm>
+          <a:prstGeom prst="rect">
+            <a:avLst/>
+          </a:prstGeom>
+          <a:noFill/>
+          <a:ln/>
+        </p:spPr>
+        <p:txBody>
+          <a:bodyPr wrap="square" rtlCol="0" anchor="ctr"/>
+          <a:lstStyle/>
+          <a:p>
+            <a:pPr indent="0" marL="0">
+              <a:buNone/>
+            </a:pPr>
+            <a:r>
+              <a:rPr lang="en-US" sz="750" dirty="0">
+                <a:solidFill>
+                  <a:srgbClr val="3A4F63"/>
+                </a:solidFill>
+              </a:rPr>
+              <a:t>$11,630 open pipeline, 6.3% win rate. Manager-assisted deal reviews. If at median: +$5K MRR.</a:t>
+            </a:r>
+            <a:endParaRPr lang="en-US" sz="750" dirty="0"/>
+          </a:p>
+        </p:txBody>
+      </p:sp>
+      <p:sp>
+        <p:nvSpPr>
+          <p:cNvPr id="36" name="Text 34"/>
+          <p:cNvSpPr/>
+          <p:nvPr/>
+        </p:nvSpPr>
+        <p:spPr>
+          <a:xfrm>
+            <a:off x="676656" y="4224528"/>
+            <a:ext cx="5212080" cy="146304"/>
+          </a:xfrm>
+          <a:prstGeom prst="rect">
+            <a:avLst/>
+          </a:prstGeom>
+          <a:noFill/>
+          <a:ln/>
+        </p:spPr>
+        <p:txBody>
+          <a:bodyPr wrap="square" rtlCol="0" anchor="ctr"/>
+          <a:lstStyle/>
+          <a:p>
+            <a:pPr indent="0" marL="0">
+              <a:buNone/>
+            </a:pPr>
+            <a:r>
+              <a:rPr lang="en-US" sz="700" b="1" dirty="0">
+                <a:solidFill>
+                  <a:srgbClr val="27AE60"/>
+                </a:solidFill>
+              </a:rPr>
+              <a:t>Sales Mgmt — Immediate  |  +$3–5K MRR</a:t>
+            </a:r>
+            <a:endParaRPr lang="en-US" sz="700" dirty="0"/>
+          </a:p>
+        </p:txBody>
+      </p:sp>
+      <p:sp>
+        <p:nvSpPr>
+          <p:cNvPr id="37" name="Shape 35"/>
+          <p:cNvSpPr/>
+          <p:nvPr/>
+        </p:nvSpPr>
+        <p:spPr>
+          <a:xfrm>
+            <a:off x="6172200" y="1115568"/>
+            <a:ext cx="5669280" cy="603504"/>
+          </a:xfrm>
+          <a:prstGeom prst="rect">
+            <a:avLst/>
+          </a:prstGeom>
+          <a:solidFill>
+            <a:srgbClr val="FFFFFF"/>
+          </a:solidFill>
+          <a:ln w="12700">
+            <a:solidFill>
+              <a:srgbClr val="DDE3EB"/>
+            </a:solidFill>
+            <a:prstDash val="solid"/>
+          </a:ln>
+        </p:spPr>
+      </p:sp>
+      <p:sp>
+        <p:nvSpPr>
+          <p:cNvPr id="38" name="Shape 36"/>
+          <p:cNvSpPr/>
+          <p:nvPr/>
+        </p:nvSpPr>
+        <p:spPr>
+          <a:xfrm>
+            <a:off x="6172200" y="1115568"/>
+            <a:ext cx="329184" cy="603504"/>
+          </a:xfrm>
+          <a:prstGeom prst="rect">
+            <a:avLst/>
+          </a:prstGeom>
+          <a:solidFill>
+            <a:srgbClr val="0F2540"/>
+          </a:solidFill>
+          <a:ln/>
+        </p:spPr>
+      </p:sp>
+      <p:sp>
+        <p:nvSpPr>
+          <p:cNvPr id="39" name="Text 37"/>
+          <p:cNvSpPr/>
+          <p:nvPr/>
+        </p:nvSpPr>
+        <p:spPr>
+          <a:xfrm>
+            <a:off x="6172200" y="1261872"/>
+            <a:ext cx="329184" cy="310896"/>
+          </a:xfrm>
+          <a:prstGeom prst="rect">
+            <a:avLst/>
+          </a:prstGeom>
+          <a:noFill/>
+          <a:ln/>
+        </p:spPr>
+        <p:txBody>
+          <a:bodyPr wrap="square" rtlCol="0" anchor="ctr"/>
+          <a:lstStyle/>
+          <a:p>
+            <a:pPr algn="ctr" indent="0" marL="0">
+              <a:buNone/>
+            </a:pPr>
+            <a:r>
+              <a:rPr lang="en-US" sz="1100" b="1" dirty="0">
+                <a:solidFill>
+                  <a:srgbClr val="FFFFFF"/>
+                </a:solidFill>
+              </a:rPr>
+              <a:t>6</a:t>
+            </a:r>
+            <a:endParaRPr lang="en-US" sz="1100" dirty="0"/>
+          </a:p>
+        </p:txBody>
+      </p:sp>
+      <p:sp>
+        <p:nvSpPr>
+          <p:cNvPr id="40" name="Text 38"/>
+          <p:cNvSpPr/>
+          <p:nvPr/>
+        </p:nvSpPr>
+        <p:spPr>
+          <a:xfrm>
+            <a:off x="6574536" y="1161288"/>
+            <a:ext cx="4389120" cy="201168"/>
+          </a:xfrm>
+          <a:prstGeom prst="rect">
+            <a:avLst/>
+          </a:prstGeom>
+          <a:noFill/>
+          <a:ln/>
+        </p:spPr>
+        <p:txBody>
+          <a:bodyPr wrap="square" rtlCol="0" anchor="ctr"/>
+          <a:lstStyle/>
+          <a:p>
+            <a:pPr indent="0" marL="0">
+              <a:buNone/>
+            </a:pPr>
+            <a:r>
+              <a:rPr lang="en-US" sz="900" b="1" dirty="0">
+                <a:solidFill>
+                  <a:srgbClr val="0F2540"/>
+                </a:solidFill>
+              </a:rPr>
+              <a:t>Audit Paid Media — Likely Negative ROI</a:t>
+            </a:r>
+            <a:endParaRPr lang="en-US" sz="900" dirty="0"/>
+          </a:p>
+        </p:txBody>
+      </p:sp>
+      <p:sp>
+        <p:nvSpPr>
+          <p:cNvPr id="41" name="Text 39"/>
+          <p:cNvSpPr/>
+          <p:nvPr/>
+        </p:nvSpPr>
+        <p:spPr>
+          <a:xfrm>
+            <a:off x="6574536" y="1353312"/>
+            <a:ext cx="4389120" cy="201168"/>
+          </a:xfrm>
+          <a:prstGeom prst="rect">
+            <a:avLst/>
+          </a:prstGeom>
+          <a:noFill/>
+          <a:ln/>
+        </p:spPr>
+        <p:txBody>
+          <a:bodyPr wrap="square" rtlCol="0" anchor="ctr"/>
+          <a:lstStyle/>
+          <a:p>
+            <a:pPr indent="0" marL="0">
+              <a:buNone/>
+            </a:pPr>
+            <a:r>
+              <a:rPr lang="en-US" sz="750" dirty="0">
+                <a:solidFill>
+                  <a:srgbClr val="3A4F63"/>
+                </a:solidFill>
+              </a:rPr>
+              <a:t>3.3% win rate on 120 opps = $1,770 MRR. At any real CPL, this is negative ROI. Pull spend, compute cost-per-win, reallocate to SEO/content.</a:t>
+            </a:r>
+            <a:endParaRPr lang="en-US" sz="750" dirty="0"/>
+          </a:p>
+        </p:txBody>
+      </p:sp>
+      <p:sp>
+        <p:nvSpPr>
+          <p:cNvPr id="42" name="Text 40"/>
+          <p:cNvSpPr/>
+          <p:nvPr/>
+        </p:nvSpPr>
+        <p:spPr>
+          <a:xfrm>
+            <a:off x="6574536" y="1554480"/>
+            <a:ext cx="5212080" cy="146304"/>
+          </a:xfrm>
+          <a:prstGeom prst="rect">
+            <a:avLst/>
+          </a:prstGeom>
+          <a:noFill/>
+          <a:ln/>
+        </p:spPr>
+        <p:txBody>
+          <a:bodyPr wrap="square" rtlCol="0" anchor="ctr"/>
+          <a:lstStyle/>
+          <a:p>
+            <a:pPr indent="0" marL="0">
+              <a:buNone/>
+            </a:pPr>
+            <a:r>
+              <a:rPr lang="en-US" sz="700" b="1" dirty="0">
+                <a:solidFill>
+                  <a:srgbClr val="27AE60"/>
+                </a:solidFill>
+              </a:rPr>
+              <a:t>Jennifer Hopkins — Q1  |  Budget reallocation to 32% channels</a:t>
+            </a:r>
+            <a:endParaRPr lang="en-US" sz="700" dirty="0"/>
+          </a:p>
+        </p:txBody>
+      </p:sp>
+      <p:sp>
+        <p:nvSpPr>
+          <p:cNvPr id="43" name="Shape 41"/>
+          <p:cNvSpPr/>
+          <p:nvPr/>
+        </p:nvSpPr>
+        <p:spPr>
+          <a:xfrm>
+            <a:off x="6172200" y="1783080"/>
+            <a:ext cx="5669280" cy="603504"/>
+          </a:xfrm>
+          <a:prstGeom prst="rect">
+            <a:avLst/>
+          </a:prstGeom>
+          <a:solidFill>
+            <a:srgbClr val="FFFFFF"/>
+          </a:solidFill>
+          <a:ln w="12700">
+            <a:solidFill>
+              <a:srgbClr val="DDE3EB"/>
+            </a:solidFill>
+            <a:prstDash val="solid"/>
+          </a:ln>
+        </p:spPr>
+      </p:sp>
+      <p:sp>
+        <p:nvSpPr>
+          <p:cNvPr id="44" name="Shape 42"/>
+          <p:cNvSpPr/>
+          <p:nvPr/>
+        </p:nvSpPr>
+        <p:spPr>
+          <a:xfrm>
+            <a:off x="6172200" y="1783080"/>
+            <a:ext cx="329184" cy="603504"/>
+          </a:xfrm>
+          <a:prstGeom prst="rect">
+            <a:avLst/>
+          </a:prstGeom>
+          <a:solidFill>
+            <a:srgbClr val="0F2540"/>
+          </a:solidFill>
+          <a:ln/>
+        </p:spPr>
+      </p:sp>
+      <p:sp>
+        <p:nvSpPr>
+          <p:cNvPr id="45" name="Text 43"/>
+          <p:cNvSpPr/>
+          <p:nvPr/>
+        </p:nvSpPr>
+        <p:spPr>
+          <a:xfrm>
+            <a:off x="6172200" y="1929384"/>
+            <a:ext cx="329184" cy="310896"/>
+          </a:xfrm>
+          <a:prstGeom prst="rect">
+            <a:avLst/>
+          </a:prstGeom>
+          <a:noFill/>
+          <a:ln/>
+        </p:spPr>
+        <p:txBody>
+          <a:bodyPr wrap="square" rtlCol="0" anchor="ctr"/>
+          <a:lstStyle/>
+          <a:p>
+            <a:pPr algn="ctr" indent="0" marL="0">
+              <a:buNone/>
+            </a:pPr>
+            <a:r>
+              <a:rPr lang="en-US" sz="1100" b="1" dirty="0">
+                <a:solidFill>
+                  <a:srgbClr val="FFFFFF"/>
+                </a:solidFill>
+              </a:rPr>
+              <a:t>7</a:t>
+            </a:r>
+            <a:endParaRPr lang="en-US" sz="1100" dirty="0"/>
+          </a:p>
+        </p:txBody>
+      </p:sp>
+      <p:sp>
+        <p:nvSpPr>
+          <p:cNvPr id="46" name="Text 44"/>
+          <p:cNvSpPr/>
+          <p:nvPr/>
+        </p:nvSpPr>
+        <p:spPr>
+          <a:xfrm>
+            <a:off x="6574536" y="1828800"/>
+            <a:ext cx="4389120" cy="201168"/>
+          </a:xfrm>
+          <a:prstGeom prst="rect">
+            <a:avLst/>
+          </a:prstGeom>
+          <a:noFill/>
+          <a:ln/>
+        </p:spPr>
+        <p:txBody>
+          <a:bodyPr wrap="square" rtlCol="0" anchor="ctr"/>
+          <a:lstStyle/>
+          <a:p>
+            <a:pPr indent="0" marL="0">
+              <a:buNone/>
+            </a:pPr>
+            <a:r>
+              <a:rPr lang="en-US" sz="900" b="1" dirty="0">
+                <a:solidFill>
+                  <a:srgbClr val="0F2540"/>
+                </a:solidFill>
+              </a:rPr>
+              <a:t>Overhaul SDR Lead Quality</a:t>
+            </a:r>
+            <a:endParaRPr lang="en-US" sz="900" dirty="0"/>
+          </a:p>
+        </p:txBody>
+      </p:sp>
+      <p:sp>
+        <p:nvSpPr>
+          <p:cNvPr id="47" name="Text 45"/>
+          <p:cNvSpPr/>
+          <p:nvPr/>
+        </p:nvSpPr>
+        <p:spPr>
+          <a:xfrm>
+            <a:off x="6574536" y="2020824"/>
+            <a:ext cx="4389120" cy="201168"/>
+          </a:xfrm>
+          <a:prstGeom prst="rect">
+            <a:avLst/>
+          </a:prstGeom>
+          <a:noFill/>
+          <a:ln/>
+        </p:spPr>
+        <p:txBody>
+          <a:bodyPr wrap="square" rtlCol="0" anchor="ctr"/>
+          <a:lstStyle/>
+          <a:p>
+            <a:pPr indent="0" marL="0">
+              <a:buNone/>
+            </a:pPr>
+            <a:r>
+              <a:rPr lang="en-US" sz="750" dirty="0">
+                <a:solidFill>
+                  <a:srgbClr val="3A4F63"/>
+                </a:solidFill>
+              </a:rPr>
+              <a:t>SDR opps close at ~5% vs 11.5% for no-SDR. 4 SDRs have zero wins combined. Implement ICP scoring before booking. Quality &gt; volume.</a:t>
+            </a:r>
+            <a:endParaRPr lang="en-US" sz="750" dirty="0"/>
+          </a:p>
+        </p:txBody>
+      </p:sp>
+      <p:sp>
+        <p:nvSpPr>
+          <p:cNvPr id="48" name="Text 46"/>
+          <p:cNvSpPr/>
+          <p:nvPr/>
+        </p:nvSpPr>
+        <p:spPr>
+          <a:xfrm>
+            <a:off x="6574536" y="2221992"/>
+            <a:ext cx="5212080" cy="146304"/>
+          </a:xfrm>
+          <a:prstGeom prst="rect">
+            <a:avLst/>
+          </a:prstGeom>
+          <a:noFill/>
+          <a:ln/>
+        </p:spPr>
+        <p:txBody>
+          <a:bodyPr wrap="square" rtlCol="0" anchor="ctr"/>
+          <a:lstStyle/>
+          <a:p>
+            <a:pPr indent="0" marL="0">
+              <a:buNone/>
+            </a:pPr>
+            <a:r>
+              <a:rPr lang="en-US" sz="700" b="1" dirty="0">
+                <a:solidFill>
+                  <a:srgbClr val="27AE60"/>
+                </a:solidFill>
+              </a:rPr>
+              <a:t>Sales Mgmt — Q1  |  Win rate lift from SDR pipeline</a:t>
+            </a:r>
+            <a:endParaRPr lang="en-US" sz="700" dirty="0"/>
+          </a:p>
+        </p:txBody>
+      </p:sp>
+      <p:sp>
+        <p:nvSpPr>
+          <p:cNvPr id="49" name="Shape 47"/>
+          <p:cNvSpPr/>
+          <p:nvPr/>
+        </p:nvSpPr>
+        <p:spPr>
+          <a:xfrm>
+            <a:off x="6172200" y="2450592"/>
+            <a:ext cx="5669280" cy="603504"/>
+          </a:xfrm>
+          <a:prstGeom prst="rect">
+            <a:avLst/>
+          </a:prstGeom>
+          <a:solidFill>
+            <a:srgbClr val="FFFFFF"/>
+          </a:solidFill>
+          <a:ln w="12700">
+            <a:solidFill>
+              <a:srgbClr val="DDE3EB"/>
+            </a:solidFill>
+            <a:prstDash val="solid"/>
+          </a:ln>
+        </p:spPr>
+      </p:sp>
+      <p:sp>
+        <p:nvSpPr>
+          <p:cNvPr id="50" name="Shape 48"/>
+          <p:cNvSpPr/>
+          <p:nvPr/>
+        </p:nvSpPr>
+        <p:spPr>
+          <a:xfrm>
+            <a:off x="6172200" y="2450592"/>
+            <a:ext cx="329184" cy="603504"/>
+          </a:xfrm>
+          <a:prstGeom prst="rect">
+            <a:avLst/>
+          </a:prstGeom>
+          <a:solidFill>
+            <a:srgbClr val="0F2540"/>
+          </a:solidFill>
+          <a:ln/>
+        </p:spPr>
+      </p:sp>
+      <p:sp>
+        <p:nvSpPr>
+          <p:cNvPr id="51" name="Text 49"/>
+          <p:cNvSpPr/>
+          <p:nvPr/>
+        </p:nvSpPr>
+        <p:spPr>
+          <a:xfrm>
+            <a:off x="6172200" y="2596896"/>
+            <a:ext cx="329184" cy="310896"/>
+          </a:xfrm>
+          <a:prstGeom prst="rect">
+            <a:avLst/>
+          </a:prstGeom>
+          <a:noFill/>
+          <a:ln/>
+        </p:spPr>
+        <p:txBody>
+          <a:bodyPr wrap="square" rtlCol="0" anchor="ctr"/>
+          <a:lstStyle/>
+          <a:p>
+            <a:pPr algn="ctr" indent="0" marL="0">
+              <a:buNone/>
+            </a:pPr>
+            <a:r>
+              <a:rPr lang="en-US" sz="1100" b="1" dirty="0">
+                <a:solidFill>
+                  <a:srgbClr val="FFFFFF"/>
+                </a:solidFill>
+              </a:rPr>
+              <a:t>8</a:t>
+            </a:r>
+            <a:endParaRPr lang="en-US" sz="1100" dirty="0"/>
+          </a:p>
+        </p:txBody>
+      </p:sp>
+      <p:sp>
+        <p:nvSpPr>
+          <p:cNvPr id="52" name="Text 50"/>
+          <p:cNvSpPr/>
+          <p:nvPr/>
+        </p:nvSpPr>
+        <p:spPr>
+          <a:xfrm>
+            <a:off x="6574536" y="2496312"/>
+            <a:ext cx="4389120" cy="201168"/>
+          </a:xfrm>
+          <a:prstGeom prst="rect">
+            <a:avLst/>
+          </a:prstGeom>
+          <a:noFill/>
+          <a:ln/>
+        </p:spPr>
+        <p:txBody>
+          <a:bodyPr wrap="square" rtlCol="0" anchor="ctr"/>
+          <a:lstStyle/>
+          <a:p>
+            <a:pPr indent="0" marL="0">
+              <a:buNone/>
+            </a:pPr>
+            <a:r>
+              <a:rPr lang="en-US" sz="900" b="1" dirty="0">
+                <a:solidFill>
+                  <a:srgbClr val="0F2540"/>
+                </a:solidFill>
+              </a:rPr>
+              <a:t>Build IT MSP Displacement Motion</a:t>
+            </a:r>
+            <a:endParaRPr lang="en-US" sz="900" dirty="0"/>
+          </a:p>
+        </p:txBody>
+      </p:sp>
+      <p:sp>
+        <p:nvSpPr>
+          <p:cNvPr id="53" name="Text 51"/>
+          <p:cNvSpPr/>
+          <p:nvPr/>
+        </p:nvSpPr>
+        <p:spPr>
+          <a:xfrm>
+            <a:off x="6574536" y="2688336"/>
+            <a:ext cx="4389120" cy="201168"/>
+          </a:xfrm>
+          <a:prstGeom prst="rect">
+            <a:avLst/>
+          </a:prstGeom>
+          <a:noFill/>
+          <a:ln/>
+        </p:spPr>
+        <p:txBody>
+          <a:bodyPr wrap="square" rtlCol="0" anchor="ctr"/>
+          <a:lstStyle/>
+          <a:p>
+            <a:pPr indent="0" marL="0">
+              <a:buNone/>
+            </a:pPr>
+            <a:r>
+              <a:rPr lang="en-US" sz="750" dirty="0">
+                <a:solidFill>
+                  <a:srgbClr val="3A4F63"/>
+                </a:solidFill>
+              </a:rPr>
+              <a:t>CW/Kaseya/Halo targets. Currently 0 competitive wins. Needs battlecards, reference cases, targeted outreach.</a:t>
+            </a:r>
+            <a:endParaRPr lang="en-US" sz="750" dirty="0"/>
+          </a:p>
+        </p:txBody>
+      </p:sp>
+      <p:sp>
+        <p:nvSpPr>
+          <p:cNvPr id="54" name="Text 52"/>
+          <p:cNvSpPr/>
+          <p:nvPr/>
+        </p:nvSpPr>
+        <p:spPr>
+          <a:xfrm>
+            <a:off x="6574536" y="2889504"/>
+            <a:ext cx="5212080" cy="146304"/>
+          </a:xfrm>
+          <a:prstGeom prst="rect">
+            <a:avLst/>
+          </a:prstGeom>
+          <a:noFill/>
+          <a:ln/>
+        </p:spPr>
+        <p:txBody>
+          <a:bodyPr wrap="square" rtlCol="0" anchor="ctr"/>
+          <a:lstStyle/>
+          <a:p>
+            <a:pPr indent="0" marL="0">
+              <a:buNone/>
+            </a:pPr>
+            <a:r>
+              <a:rPr lang="en-US" sz="700" b="1" dirty="0">
+                <a:solidFill>
+                  <a:srgbClr val="27AE60"/>
+                </a:solidFill>
+              </a:rPr>
+              <a:t>Marketing + Sales — Q2–Q3  |  3–5× at scale</a:t>
+            </a:r>
+            <a:endParaRPr lang="en-US" sz="700" dirty="0"/>
+          </a:p>
+        </p:txBody>
+      </p:sp>
+      <p:sp>
+        <p:nvSpPr>
+          <p:cNvPr id="55" name="Shape 53"/>
+          <p:cNvSpPr/>
+          <p:nvPr/>
+        </p:nvSpPr>
+        <p:spPr>
+          <a:xfrm>
+            <a:off x="6172200" y="3118104"/>
+            <a:ext cx="5669280" cy="603504"/>
+          </a:xfrm>
+          <a:prstGeom prst="rect">
+            <a:avLst/>
+          </a:prstGeom>
+          <a:solidFill>
+            <a:srgbClr val="FFFFFF"/>
+          </a:solidFill>
+          <a:ln w="12700">
+            <a:solidFill>
+              <a:srgbClr val="DDE3EB"/>
+            </a:solidFill>
+            <a:prstDash val="solid"/>
+          </a:ln>
+        </p:spPr>
+      </p:sp>
+      <p:sp>
+        <p:nvSpPr>
+          <p:cNvPr id="56" name="Shape 54"/>
+          <p:cNvSpPr/>
+          <p:nvPr/>
+        </p:nvSpPr>
+        <p:spPr>
+          <a:xfrm>
+            <a:off x="6172200" y="3118104"/>
+            <a:ext cx="329184" cy="603504"/>
+          </a:xfrm>
+          <a:prstGeom prst="rect">
+            <a:avLst/>
+          </a:prstGeom>
+          <a:solidFill>
+            <a:srgbClr val="0F2540"/>
+          </a:solidFill>
+          <a:ln/>
+        </p:spPr>
+      </p:sp>
+      <p:sp>
+        <p:nvSpPr>
+          <p:cNvPr id="57" name="Text 55"/>
+          <p:cNvSpPr/>
+          <p:nvPr/>
+        </p:nvSpPr>
+        <p:spPr>
+          <a:xfrm>
+            <a:off x="6172200" y="3264408"/>
+            <a:ext cx="329184" cy="310896"/>
+          </a:xfrm>
+          <a:prstGeom prst="rect">
+            <a:avLst/>
+          </a:prstGeom>
+          <a:noFill/>
+          <a:ln/>
+        </p:spPr>
+        <p:txBody>
+          <a:bodyPr wrap="square" rtlCol="0" anchor="ctr"/>
+          <a:lstStyle/>
+          <a:p>
+            <a:pPr algn="ctr" indent="0" marL="0">
+              <a:buNone/>
+            </a:pPr>
+            <a:r>
+              <a:rPr lang="en-US" sz="1100" b="1" dirty="0">
+                <a:solidFill>
+                  <a:srgbClr val="FFFFFF"/>
+                </a:solidFill>
+              </a:rPr>
+              <a:t>9</a:t>
+            </a:r>
+            <a:endParaRPr lang="en-US" sz="1100" dirty="0"/>
+          </a:p>
+        </p:txBody>
+      </p:sp>
+      <p:sp>
+        <p:nvSpPr>
+          <p:cNvPr id="58" name="Text 56"/>
+          <p:cNvSpPr/>
+          <p:nvPr/>
+        </p:nvSpPr>
+        <p:spPr>
+          <a:xfrm>
+            <a:off x="6574536" y="3163824"/>
+            <a:ext cx="4389120" cy="201168"/>
+          </a:xfrm>
+          <a:prstGeom prst="rect">
+            <a:avLst/>
+          </a:prstGeom>
+          <a:noFill/>
+          <a:ln/>
+        </p:spPr>
+        <p:txBody>
+          <a:bodyPr wrap="square" rtlCol="0" anchor="ctr"/>
+          <a:lstStyle/>
+          <a:p>
+            <a:pPr indent="0" marL="0">
+              <a:buNone/>
+            </a:pPr>
+            <a:r>
+              <a:rPr lang="en-US" sz="900" b="1" dirty="0">
+                <a:solidFill>
+                  <a:srgbClr val="0F2540"/>
+                </a:solidFill>
+              </a:rPr>
+              <a:t>Study Herndon's Buyer Profile</a:t>
+            </a:r>
+            <a:endParaRPr lang="en-US" sz="900" dirty="0"/>
+          </a:p>
+        </p:txBody>
+      </p:sp>
+      <p:sp>
+        <p:nvSpPr>
+          <p:cNvPr id="59" name="Text 57"/>
+          <p:cNvSpPr/>
+          <p:nvPr/>
+        </p:nvSpPr>
+        <p:spPr>
+          <a:xfrm>
+            <a:off x="6574536" y="3355848"/>
+            <a:ext cx="4389120" cy="201168"/>
+          </a:xfrm>
+          <a:prstGeom prst="rect">
+            <a:avLst/>
+          </a:prstGeom>
+          <a:noFill/>
+          <a:ln/>
+        </p:spPr>
+        <p:txBody>
+          <a:bodyPr wrap="square" rtlCol="0" anchor="ctr"/>
+          <a:lstStyle/>
+          <a:p>
+            <a:pPr indent="0" marL="0">
+              <a:buNone/>
+            </a:pPr>
+            <a:r>
+              <a:rPr lang="en-US" sz="750" dirty="0">
+                <a:solidFill>
+                  <a:srgbClr val="3A4F63"/>
+                </a:solidFill>
+              </a:rPr>
+              <a:t>$1,153 avg deal (2× team). What industries/sizes/personas? This is the high-value ICP template for the future.</a:t>
+            </a:r>
+            <a:endParaRPr lang="en-US" sz="750" dirty="0"/>
+          </a:p>
+        </p:txBody>
+      </p:sp>
+      <p:sp>
+        <p:nvSpPr>
+          <p:cNvPr id="60" name="Text 58"/>
+          <p:cNvSpPr/>
+          <p:nvPr/>
+        </p:nvSpPr>
+        <p:spPr>
+          <a:xfrm>
+            <a:off x="6574536" y="3557016"/>
+            <a:ext cx="5212080" cy="146304"/>
+          </a:xfrm>
+          <a:prstGeom prst="rect">
+            <a:avLst/>
+          </a:prstGeom>
+          <a:noFill/>
+          <a:ln/>
+        </p:spPr>
+        <p:txBody>
+          <a:bodyPr wrap="square" rtlCol="0" anchor="ctr"/>
+          <a:lstStyle/>
+          <a:p>
+            <a:pPr indent="0" marL="0">
+              <a:buNone/>
+            </a:pPr>
+            <a:r>
+              <a:rPr lang="en-US" sz="700" b="1" dirty="0">
+                <a:solidFill>
+                  <a:srgbClr val="27AE60"/>
+                </a:solidFill>
+              </a:rPr>
+              <a:t>Sales Ops / Revay — Q1  |  Strategic ICP shift</a:t>
+            </a:r>
+            <a:endParaRPr lang="en-US" sz="700" dirty="0"/>
+          </a:p>
+        </p:txBody>
+      </p:sp>
+      <p:sp>
+        <p:nvSpPr>
+          <p:cNvPr id="61" name="Shape 59"/>
+          <p:cNvSpPr/>
+          <p:nvPr/>
+        </p:nvSpPr>
+        <p:spPr>
+          <a:xfrm>
+            <a:off x="6172200" y="3785616"/>
+            <a:ext cx="5669280" cy="603504"/>
+          </a:xfrm>
+          <a:prstGeom prst="rect">
+            <a:avLst/>
+          </a:prstGeom>
+          <a:solidFill>
+            <a:srgbClr val="FFFFFF"/>
+          </a:solidFill>
+          <a:ln w="12700">
+            <a:solidFill>
+              <a:srgbClr val="DDE3EB"/>
+            </a:solidFill>
+            <a:prstDash val="solid"/>
+          </a:ln>
+        </p:spPr>
+      </p:sp>
+      <p:sp>
+        <p:nvSpPr>
+          <p:cNvPr id="62" name="Shape 60"/>
+          <p:cNvSpPr/>
+          <p:nvPr/>
+        </p:nvSpPr>
+        <p:spPr>
+          <a:xfrm>
+            <a:off x="6172200" y="3785616"/>
+            <a:ext cx="329184" cy="603504"/>
+          </a:xfrm>
+          <a:prstGeom prst="rect">
+            <a:avLst/>
+          </a:prstGeom>
+          <a:solidFill>
+            <a:srgbClr val="0F2540"/>
+          </a:solidFill>
+          <a:ln/>
+        </p:spPr>
+      </p:sp>
+      <p:sp>
+        <p:nvSpPr>
+          <p:cNvPr id="63" name="Text 61"/>
+          <p:cNvSpPr/>
+          <p:nvPr/>
+        </p:nvSpPr>
+        <p:spPr>
+          <a:xfrm>
+            <a:off x="6172200" y="3931920"/>
+            <a:ext cx="329184" cy="310896"/>
+          </a:xfrm>
+          <a:prstGeom prst="rect">
+            <a:avLst/>
+          </a:prstGeom>
+          <a:noFill/>
+          <a:ln/>
+        </p:spPr>
+        <p:txBody>
+          <a:bodyPr wrap="square" rtlCol="0" anchor="ctr"/>
+          <a:lstStyle/>
+          <a:p>
+            <a:pPr algn="ctr" indent="0" marL="0">
+              <a:buNone/>
+            </a:pPr>
+            <a:r>
+              <a:rPr lang="en-US" sz="1100" b="1" dirty="0">
+                <a:solidFill>
+                  <a:srgbClr val="FFFFFF"/>
+                </a:solidFill>
+              </a:rPr>
+              <a:t>10</a:t>
+            </a:r>
+            <a:endParaRPr lang="en-US" sz="1100" dirty="0"/>
+          </a:p>
+        </p:txBody>
+      </p:sp>
+      <p:sp>
+        <p:nvSpPr>
+          <p:cNvPr id="64" name="Text 62"/>
+          <p:cNvSpPr/>
+          <p:nvPr/>
+        </p:nvSpPr>
+        <p:spPr>
+          <a:xfrm>
+            <a:off x="6574536" y="3831336"/>
+            <a:ext cx="4389120" cy="201168"/>
+          </a:xfrm>
+          <a:prstGeom prst="rect">
+            <a:avLst/>
+          </a:prstGeom>
+          <a:noFill/>
+          <a:ln/>
+        </p:spPr>
+        <p:txBody>
+          <a:bodyPr wrap="square" rtlCol="0" anchor="ctr"/>
+          <a:lstStyle/>
+          <a:p>
+            <a:pPr indent="0" marL="0">
+              <a:buNone/>
+            </a:pPr>
+            <a:r>
+              <a:rPr lang="en-US" sz="900" b="1" dirty="0">
+                <a:solidFill>
+                  <a:srgbClr val="0F2540"/>
+                </a:solidFill>
+              </a:rPr>
+              <a:t>Diagnose November Collapse</a:t>
+            </a:r>
+            <a:endParaRPr lang="en-US" sz="900" dirty="0"/>
+          </a:p>
+        </p:txBody>
+      </p:sp>
+      <p:sp>
+        <p:nvSpPr>
+          <p:cNvPr id="65" name="Text 63"/>
+          <p:cNvSpPr/>
+          <p:nvPr/>
+        </p:nvSpPr>
+        <p:spPr>
+          <a:xfrm>
+            <a:off x="6574536" y="4023360"/>
+            <a:ext cx="4389120" cy="201168"/>
+          </a:xfrm>
+          <a:prstGeom prst="rect">
+            <a:avLst/>
+          </a:prstGeom>
+          <a:noFill/>
+          <a:ln/>
+        </p:spPr>
+        <p:txBody>
+          <a:bodyPr wrap="square" rtlCol="0" anchor="ctr"/>
+          <a:lstStyle/>
+          <a:p>
+            <a:pPr indent="0" marL="0">
+              <a:buNone/>
+            </a:pPr>
+            <a:r>
+              <a:rPr lang="en-US" sz="750" dirty="0">
+                <a:solidFill>
+                  <a:srgbClr val="3A4F63"/>
+                </a:solidFill>
+              </a:rPr>
+              <a:t>Same volume as September, half the win rate. What changed? Answers prevent January from becoming the new normal.</a:t>
+            </a:r>
+            <a:endParaRPr lang="en-US" sz="750" dirty="0"/>
+          </a:p>
+        </p:txBody>
+      </p:sp>
+      <p:sp>
+        <p:nvSpPr>
+          <p:cNvPr id="66" name="Text 64"/>
+          <p:cNvSpPr/>
+          <p:nvPr/>
+        </p:nvSpPr>
+        <p:spPr>
+          <a:xfrm>
+            <a:off x="6574536" y="4224528"/>
+            <a:ext cx="5212080" cy="146304"/>
+          </a:xfrm>
+          <a:prstGeom prst="rect">
+            <a:avLst/>
+          </a:prstGeom>
+          <a:noFill/>
+          <a:ln/>
+        </p:spPr>
+        <p:txBody>
+          <a:bodyPr wrap="square" rtlCol="0" anchor="ctr"/>
+          <a:lstStyle/>
+          <a:p>
+            <a:pPr indent="0" marL="0">
+              <a:buNone/>
+            </a:pPr>
+            <a:r>
+              <a:rPr lang="en-US" sz="700" b="1" dirty="0">
+                <a:solidFill>
+                  <a:srgbClr val="27AE60"/>
+                </a:solidFill>
+              </a:rPr>
+              <a:t>Sales Ops — Q1  |  Prevents further deceleration</a:t>
+            </a:r>
+            <a:endParaRPr lang="en-US" sz="700" dirty="0"/>
+          </a:p>
+        </p:txBody>
+      </p:sp>
+    </p:spTree>
+  </p:cSld>
+  <p:clrMapOvr>
+    <a:masterClrMapping/>
+  </p:clrMapOvr>
+</p:sld>
+</file>
+
 <file path=ppt/slides/slide2.xml><?xml version="1.0" encoding="utf-8"?>
 <p:sld xmlns:a="http://schemas.openxmlformats.org/drawingml/2006/main" xmlns:r="http://schemas.openxmlformats.org/officeDocument/2006/relationships" xmlns:p="http://schemas.openxmlformats.org/presentationml/2006/main">
   <p:cSld name="Slide 2">
@@ -2622,7 +4761,7 @@
                   <a:srgbClr val="3A4F63"/>
                 </a:solidFill>
               </a:rPr>
-              <a:t>3. Tigerpaw activation — 80–100 hot-intent accounts identified</a:t>
+              <a:t>3. Rebalance marketing — SEO/website at 32%/21% win rate vs paid media at 3.3%</a:t>
             </a:r>
             <a:endParaRPr lang="en-US" sz="900" dirty="0"/>
           </a:p>
@@ -11056,7 +13195,7 @@
                   <a:srgbClr val="0F2540"/>
                 </a:solidFill>
               </a:rPr>
-              <a:t>📊 Tigerpaw Context (Evan Rice, Feb 24)</a:t>
+              <a:t>📊 Tigerpaw Base — A Retention Story, Not a Bookings Story</a:t>
             </a:r>
             <a:endParaRPr lang="en-US" sz="1000" dirty="0"/>
           </a:p>
@@ -11092,7 +13231,7 @@
                   <a:srgbClr val="3A4F63"/>
                 </a:solidFill>
               </a:rPr>
-              <a:t>~650 Tigerpaw clients not yet migrated. ~110 are "zombie accounts" (historical data only). ~540 real migration candidates. 80–100 have known migration intent. At $700/deal avg: $324K–$378K MRR potential in the migration base alone.</a:t>
+              <a:t>~650 Tigerpaw clients not yet migrated. ~110 zombie accounts. ~540 real candidates, 80–100 confirmed intent. IMPORTANT: These are existing paying customers — migration is net retention + long-term price lift, NOT new bookings MRR. Protect the base; do not count toward 5× target.</a:t>
             </a:r>
             <a:endParaRPr lang="en-US" sz="900" dirty="0"/>
           </a:p>
@@ -11229,7 +13368,7 @@
                   <a:srgbClr val="0F2540"/>
                 </a:solidFill>
               </a:rPr>
-              <a:t>$200K+ in Identified MRR Ready to Work — No New Market Required</a:t>
+              <a:t>$110K+ in Near-Term Bookings Pipeline Identified — Plus a Retention Priority</a:t>
             </a:r>
             <a:endParaRPr lang="en-US" sz="2200" dirty="0"/>
           </a:p>
@@ -11632,7 +13771,7 @@
                   <a:srgbClr val="F39C12"/>
                 </a:solidFill>
               </a:rPr>
-              <a:t>$56K–$70K</a:t>
+              <a:t>80–100</a:t>
             </a:r>
             <a:endParaRPr lang="en-US" sz="2200" dirty="0"/>
           </a:p>
@@ -11668,7 +13807,7 @@
                   <a:srgbClr val="6B7F93"/>
                 </a:solidFill>
               </a:rPr>
-              <a:t>Tigerpaw Hot-Intent MRR</a:t>
+              <a:t>Tigerpaw Migration-Intent (Retention)</a:t>
             </a:r>
             <a:endParaRPr lang="en-US" sz="850" dirty="0"/>
           </a:p>
@@ -11983,7 +14122,7 @@
                   <a:srgbClr val="0F2540"/>
                 </a:solidFill>
               </a:rPr>
-              <a:t>⚡ Quick Win #3: Tigerpaw Hot-Intent</a:t>
+              <a:t>🛡️ Retention: Tigerpaw Migration</a:t>
             </a:r>
             <a:endParaRPr lang="en-US" sz="1000" dirty="0"/>
           </a:p>
@@ -12019,7 +14158,7 @@
                   <a:srgbClr val="3A4F63"/>
                 </a:solidFill>
               </a:rPr>
-              <a:t>80–100 known migration intent accounts. Assign personally by Evan or Ryan. Goal: 30–40 closed by end Q2. $700 avg × 35 = $24,500 MRR wave. Also: NinjaOne 9 accounts / $6,900 MRR — integration ships Apollo 2.</a:t>
+              <a:t>Existing customers — migration is NOT new MRR. Value = preventing churn + long-term price lift on PSA Web. Prioritize 80–100 hot-intent accounts. Also: NinjaOne 9 accounts / $6,900 MRR — integration ships Apollo 2.</a:t>
             </a:r>
             <a:endParaRPr lang="en-US" sz="900" dirty="0"/>
           </a:p>
@@ -14225,7 +16364,7 @@
                   <a:srgbClr val="6B7F93"/>
                 </a:solidFill>
               </a:rPr>
-              <a:t>Billing cross-sell + Tigerpaw activated</a:t>
+              <a:t>Billing cross-sell + Apollo 2 re-engagements</a:t>
             </a:r>
             <a:endParaRPr lang="en-US" sz="800" dirty="0"/>
           </a:p>
@@ -14239,7 +16378,7 @@
                   <a:srgbClr val="6B7F93"/>
                 </a:solidFill>
               </a:rPr>
-              <a:t>Some early IT MSP wins</a:t>
+              <a:t>Marketing rebalanced · Early IT MSP wins</a:t>
             </a:r>
             <a:endParaRPr lang="en-US" sz="800" dirty="0"/>
           </a:p>
@@ -14542,7 +16681,7 @@
                   <a:srgbClr val="B8D4EA"/>
                 </a:solidFill>
               </a:rPr>
-              <a:t>→  Q1 2026: Fix show rates · Close Billing pipeline · Apollo 2 re-engagements (March) · Tigerpaw hot-intent activation</a:t>
+              <a:t>→  Q1 2026: Fix show rates · Close Billing pipeline · Apollo 2 re-engagements (March) · Audit paid media · SDR ICP qualification overhaul</a:t>
             </a:r>
             <a:endParaRPr lang="en-US" sz="900" dirty="0"/>
           </a:p>
@@ -14715,7 +16854,7 @@
                   <a:srgbClr val="E8463A"/>
                 </a:solidFill>
               </a:rPr>
-              <a:t>RECOMMENDATIONS</a:t>
+              <a:t>PHASE 7 — MARKETING &amp; SDR ATTRIBUTION</a:t>
             </a:r>
             <a:endParaRPr lang="en-US" sz="900" dirty="0"/>
           </a:p>
@@ -14751,7 +16890,7 @@
                   <a:srgbClr val="0F2540"/>
                 </a:solidFill>
               </a:rPr>
-              <a:t>8 Actions, Prioritized by Speed-to-Impact</a:t>
+              <a:t>Inbound Converts 3–5× Better. SDRs Are Booking the Wrong Meetings.</a:t>
             </a:r>
             <a:endParaRPr lang="en-US" sz="2200" dirty="0"/>
           </a:p>
@@ -14782,14 +16921,622 @@
       </p:sp>
       <p:sp>
         <p:nvSpPr>
-          <p:cNvPr id="7" name="Shape 5"/>
+          <p:cNvPr id="7" name="Text 5"/>
           <p:cNvSpPr/>
           <p:nvPr/>
         </p:nvSpPr>
         <p:spPr>
           <a:xfrm>
             <a:off x="274320" y="1115568"/>
-            <a:ext cx="5669280" cy="731520"/>
+            <a:ext cx="5669280" cy="237744"/>
+          </a:xfrm>
+          <a:prstGeom prst="rect">
+            <a:avLst/>
+          </a:prstGeom>
+          <a:noFill/>
+          <a:ln/>
+        </p:spPr>
+        <p:txBody>
+          <a:bodyPr wrap="square" rtlCol="0" anchor="ctr"/>
+          <a:lstStyle/>
+          <a:p>
+            <a:pPr indent="0" marL="0">
+              <a:buNone/>
+            </a:pPr>
+            <a:r>
+              <a:rPr lang="en-US" sz="900" b="1" spc="100" kern="0" dirty="0">
+                <a:solidFill>
+                  <a:srgbClr val="0F2540"/>
+                </a:solidFill>
+              </a:rPr>
+              <a:t>WIN RATE BY MARKETING SOURCE</a:t>
+            </a:r>
+            <a:endParaRPr lang="en-US" sz="900" dirty="0"/>
+          </a:p>
+        </p:txBody>
+      </p:sp>
+      <p:sp>
+        <p:nvSpPr>
+          <p:cNvPr id="8" name="Text 6"/>
+          <p:cNvSpPr/>
+          <p:nvPr/>
+        </p:nvSpPr>
+        <p:spPr>
+          <a:xfrm>
+            <a:off x="274320" y="1408176"/>
+            <a:ext cx="2011680" cy="256032"/>
+          </a:xfrm>
+          <a:prstGeom prst="rect">
+            <a:avLst/>
+          </a:prstGeom>
+          <a:noFill/>
+          <a:ln/>
+        </p:spPr>
+        <p:txBody>
+          <a:bodyPr wrap="square" rtlCol="0" anchor="ctr"/>
+          <a:lstStyle/>
+          <a:p>
+            <a:pPr algn="r" indent="0" marL="0">
+              <a:buNone/>
+            </a:pPr>
+            <a:r>
+              <a:rPr lang="en-US" sz="850" b="1" dirty="0">
+                <a:solidFill>
+                  <a:srgbClr val="27AE60"/>
+                </a:solidFill>
+              </a:rPr>
+              <a:t>SEO 🏆</a:t>
+            </a:r>
+            <a:endParaRPr lang="en-US" sz="850" dirty="0"/>
+          </a:p>
+        </p:txBody>
+      </p:sp>
+      <p:sp>
+        <p:nvSpPr>
+          <p:cNvPr id="9" name="Shape 7"/>
+          <p:cNvSpPr/>
+          <p:nvPr/>
+        </p:nvSpPr>
+        <p:spPr>
+          <a:xfrm>
+            <a:off x="2377440" y="1444752"/>
+            <a:ext cx="3200400" cy="201168"/>
+          </a:xfrm>
+          <a:prstGeom prst="rect">
+            <a:avLst/>
+          </a:prstGeom>
+          <a:solidFill>
+            <a:srgbClr val="27AE60"/>
+          </a:solidFill>
+          <a:ln/>
+        </p:spPr>
+      </p:sp>
+      <p:sp>
+        <p:nvSpPr>
+          <p:cNvPr id="10" name="Text 8"/>
+          <p:cNvSpPr/>
+          <p:nvPr/>
+        </p:nvSpPr>
+        <p:spPr>
+          <a:xfrm>
+            <a:off x="5669280" y="1408176"/>
+            <a:ext cx="1097280" cy="256032"/>
+          </a:xfrm>
+          <a:prstGeom prst="rect">
+            <a:avLst/>
+          </a:prstGeom>
+          <a:noFill/>
+          <a:ln/>
+        </p:spPr>
+        <p:txBody>
+          <a:bodyPr wrap="square" rtlCol="0" anchor="ctr"/>
+          <a:lstStyle/>
+          <a:p>
+            <a:pPr indent="0" marL="0">
+              <a:buNone/>
+            </a:pPr>
+            <a:r>
+              <a:rPr lang="en-US" sz="850" b="1" dirty="0">
+                <a:solidFill>
+                  <a:srgbClr val="27AE60"/>
+                </a:solidFill>
+              </a:rPr>
+              <a:t>32.1%</a:t>
+            </a:r>
+            <a:endParaRPr lang="en-US" sz="850" dirty="0"/>
+          </a:p>
+        </p:txBody>
+      </p:sp>
+      <p:sp>
+        <p:nvSpPr>
+          <p:cNvPr id="11" name="Text 9"/>
+          <p:cNvSpPr/>
+          <p:nvPr/>
+        </p:nvSpPr>
+        <p:spPr>
+          <a:xfrm>
+            <a:off x="274320" y="1755648"/>
+            <a:ext cx="2011680" cy="256032"/>
+          </a:xfrm>
+          <a:prstGeom prst="rect">
+            <a:avLst/>
+          </a:prstGeom>
+          <a:noFill/>
+          <a:ln/>
+        </p:spPr>
+        <p:txBody>
+          <a:bodyPr wrap="square" rtlCol="0" anchor="ctr"/>
+          <a:lstStyle/>
+          <a:p>
+            <a:pPr algn="r" indent="0" marL="0">
+              <a:buNone/>
+            </a:pPr>
+            <a:r>
+              <a:rPr lang="en-US" sz="850" dirty="0">
+                <a:solidFill>
+                  <a:srgbClr val="3A4F63"/>
+                </a:solidFill>
+              </a:rPr>
+              <a:t>Rev.io Summit</a:t>
+            </a:r>
+            <a:endParaRPr lang="en-US" sz="850" dirty="0"/>
+          </a:p>
+        </p:txBody>
+      </p:sp>
+      <p:sp>
+        <p:nvSpPr>
+          <p:cNvPr id="12" name="Shape 10"/>
+          <p:cNvSpPr/>
+          <p:nvPr/>
+        </p:nvSpPr>
+        <p:spPr>
+          <a:xfrm>
+            <a:off x="2377440" y="1792224"/>
+            <a:ext cx="2976372" cy="201168"/>
+          </a:xfrm>
+          <a:prstGeom prst="rect">
+            <a:avLst/>
+          </a:prstGeom>
+          <a:solidFill>
+            <a:srgbClr val="2ECC71"/>
+          </a:solidFill>
+          <a:ln/>
+        </p:spPr>
+      </p:sp>
+      <p:sp>
+        <p:nvSpPr>
+          <p:cNvPr id="13" name="Text 11"/>
+          <p:cNvSpPr/>
+          <p:nvPr/>
+        </p:nvSpPr>
+        <p:spPr>
+          <a:xfrm>
+            <a:off x="5445252" y="1755648"/>
+            <a:ext cx="1097280" cy="256032"/>
+          </a:xfrm>
+          <a:prstGeom prst="rect">
+            <a:avLst/>
+          </a:prstGeom>
+          <a:noFill/>
+          <a:ln/>
+        </p:spPr>
+        <p:txBody>
+          <a:bodyPr wrap="square" rtlCol="0" anchor="ctr"/>
+          <a:lstStyle/>
+          <a:p>
+            <a:pPr indent="0" marL="0">
+              <a:buNone/>
+            </a:pPr>
+            <a:r>
+              <a:rPr lang="en-US" sz="850" dirty="0">
+                <a:solidFill>
+                  <a:srgbClr val="6B7F93"/>
+                </a:solidFill>
+              </a:rPr>
+              <a:t>30.0%</a:t>
+            </a:r>
+            <a:endParaRPr lang="en-US" sz="850" dirty="0"/>
+          </a:p>
+        </p:txBody>
+      </p:sp>
+      <p:sp>
+        <p:nvSpPr>
+          <p:cNvPr id="14" name="Text 12"/>
+          <p:cNvSpPr/>
+          <p:nvPr/>
+        </p:nvSpPr>
+        <p:spPr>
+          <a:xfrm>
+            <a:off x="274320" y="2103120"/>
+            <a:ext cx="2011680" cy="256032"/>
+          </a:xfrm>
+          <a:prstGeom prst="rect">
+            <a:avLst/>
+          </a:prstGeom>
+          <a:noFill/>
+          <a:ln/>
+        </p:spPr>
+        <p:txBody>
+          <a:bodyPr wrap="square" rtlCol="0" anchor="ctr"/>
+          <a:lstStyle/>
+          <a:p>
+            <a:pPr algn="r" indent="0" marL="0">
+              <a:buNone/>
+            </a:pPr>
+            <a:r>
+              <a:rPr lang="en-US" sz="850" dirty="0">
+                <a:solidFill>
+                  <a:srgbClr val="3A4F63"/>
+                </a:solidFill>
+              </a:rPr>
+              <a:t>Website</a:t>
+            </a:r>
+            <a:endParaRPr lang="en-US" sz="850" dirty="0"/>
+          </a:p>
+        </p:txBody>
+      </p:sp>
+      <p:sp>
+        <p:nvSpPr>
+          <p:cNvPr id="15" name="Shape 13"/>
+          <p:cNvSpPr/>
+          <p:nvPr/>
+        </p:nvSpPr>
+        <p:spPr>
+          <a:xfrm>
+            <a:off x="2377440" y="2139696"/>
+            <a:ext cx="2112264" cy="201168"/>
+          </a:xfrm>
+          <a:prstGeom prst="rect">
+            <a:avLst/>
+          </a:prstGeom>
+          <a:solidFill>
+            <a:srgbClr val="3498DB"/>
+          </a:solidFill>
+          <a:ln/>
+        </p:spPr>
+      </p:sp>
+      <p:sp>
+        <p:nvSpPr>
+          <p:cNvPr id="16" name="Text 14"/>
+          <p:cNvSpPr/>
+          <p:nvPr/>
+        </p:nvSpPr>
+        <p:spPr>
+          <a:xfrm>
+            <a:off x="4581144" y="2103120"/>
+            <a:ext cx="1097280" cy="256032"/>
+          </a:xfrm>
+          <a:prstGeom prst="rect">
+            <a:avLst/>
+          </a:prstGeom>
+          <a:noFill/>
+          <a:ln/>
+        </p:spPr>
+        <p:txBody>
+          <a:bodyPr wrap="square" rtlCol="0" anchor="ctr"/>
+          <a:lstStyle/>
+          <a:p>
+            <a:pPr indent="0" marL="0">
+              <a:buNone/>
+            </a:pPr>
+            <a:r>
+              <a:rPr lang="en-US" sz="850" dirty="0">
+                <a:solidFill>
+                  <a:srgbClr val="6B7F93"/>
+                </a:solidFill>
+              </a:rPr>
+              <a:t>21.2%</a:t>
+            </a:r>
+            <a:endParaRPr lang="en-US" sz="850" dirty="0"/>
+          </a:p>
+        </p:txBody>
+      </p:sp>
+      <p:sp>
+        <p:nvSpPr>
+          <p:cNvPr id="17" name="Text 15"/>
+          <p:cNvSpPr/>
+          <p:nvPr/>
+        </p:nvSpPr>
+        <p:spPr>
+          <a:xfrm>
+            <a:off x="274320" y="2450592"/>
+            <a:ext cx="2011680" cy="256032"/>
+          </a:xfrm>
+          <a:prstGeom prst="rect">
+            <a:avLst/>
+          </a:prstGeom>
+          <a:noFill/>
+          <a:ln/>
+        </p:spPr>
+        <p:txBody>
+          <a:bodyPr wrap="square" rtlCol="0" anchor="ctr"/>
+          <a:lstStyle/>
+          <a:p>
+            <a:pPr algn="r" indent="0" marL="0">
+              <a:buNone/>
+            </a:pPr>
+            <a:r>
+              <a:rPr lang="en-US" sz="850" dirty="0">
+                <a:solidFill>
+                  <a:srgbClr val="3A4F63"/>
+                </a:solidFill>
+              </a:rPr>
+              <a:t>Tradeshow</a:t>
+            </a:r>
+            <a:endParaRPr lang="en-US" sz="850" dirty="0"/>
+          </a:p>
+        </p:txBody>
+      </p:sp>
+      <p:sp>
+        <p:nvSpPr>
+          <p:cNvPr id="18" name="Shape 16"/>
+          <p:cNvSpPr/>
+          <p:nvPr/>
+        </p:nvSpPr>
+        <p:spPr>
+          <a:xfrm>
+            <a:off x="2377440" y="2487168"/>
+            <a:ext cx="1184148" cy="201168"/>
+          </a:xfrm>
+          <a:prstGeom prst="rect">
+            <a:avLst/>
+          </a:prstGeom>
+          <a:solidFill>
+            <a:srgbClr val="5DADE2"/>
+          </a:solidFill>
+          <a:ln/>
+        </p:spPr>
+      </p:sp>
+      <p:sp>
+        <p:nvSpPr>
+          <p:cNvPr id="19" name="Text 17"/>
+          <p:cNvSpPr/>
+          <p:nvPr/>
+        </p:nvSpPr>
+        <p:spPr>
+          <a:xfrm>
+            <a:off x="3653028" y="2450592"/>
+            <a:ext cx="1097280" cy="256032"/>
+          </a:xfrm>
+          <a:prstGeom prst="rect">
+            <a:avLst/>
+          </a:prstGeom>
+          <a:noFill/>
+          <a:ln/>
+        </p:spPr>
+        <p:txBody>
+          <a:bodyPr wrap="square" rtlCol="0" anchor="ctr"/>
+          <a:lstStyle/>
+          <a:p>
+            <a:pPr indent="0" marL="0">
+              <a:buNone/>
+            </a:pPr>
+            <a:r>
+              <a:rPr lang="en-US" sz="850" dirty="0">
+                <a:solidFill>
+                  <a:srgbClr val="6B7F93"/>
+                </a:solidFill>
+              </a:rPr>
+              <a:t>11.9%</a:t>
+            </a:r>
+            <a:endParaRPr lang="en-US" sz="850" dirty="0"/>
+          </a:p>
+        </p:txBody>
+      </p:sp>
+      <p:sp>
+        <p:nvSpPr>
+          <p:cNvPr id="20" name="Text 18"/>
+          <p:cNvSpPr/>
+          <p:nvPr/>
+        </p:nvSpPr>
+        <p:spPr>
+          <a:xfrm>
+            <a:off x="274320" y="2798064"/>
+            <a:ext cx="2011680" cy="256032"/>
+          </a:xfrm>
+          <a:prstGeom prst="rect">
+            <a:avLst/>
+          </a:prstGeom>
+          <a:noFill/>
+          <a:ln/>
+        </p:spPr>
+        <p:txBody>
+          <a:bodyPr wrap="square" rtlCol="0" anchor="ctr"/>
+          <a:lstStyle/>
+          <a:p>
+            <a:pPr algn="r" indent="0" marL="0">
+              <a:buNone/>
+            </a:pPr>
+            <a:r>
+              <a:rPr lang="en-US" sz="850" dirty="0">
+                <a:solidFill>
+                  <a:srgbClr val="3A4F63"/>
+                </a:solidFill>
+              </a:rPr>
+              <a:t>Sales (self-sourced)</a:t>
+            </a:r>
+            <a:endParaRPr lang="en-US" sz="850" dirty="0"/>
+          </a:p>
+        </p:txBody>
+      </p:sp>
+      <p:sp>
+        <p:nvSpPr>
+          <p:cNvPr id="21" name="Shape 19"/>
+          <p:cNvSpPr/>
+          <p:nvPr/>
+        </p:nvSpPr>
+        <p:spPr>
+          <a:xfrm>
+            <a:off x="2377440" y="2834640"/>
+            <a:ext cx="608076" cy="201168"/>
+          </a:xfrm>
+          <a:prstGeom prst="rect">
+            <a:avLst/>
+          </a:prstGeom>
+          <a:solidFill>
+            <a:srgbClr val="E07B31"/>
+          </a:solidFill>
+          <a:ln/>
+        </p:spPr>
+      </p:sp>
+      <p:sp>
+        <p:nvSpPr>
+          <p:cNvPr id="22" name="Text 20"/>
+          <p:cNvSpPr/>
+          <p:nvPr/>
+        </p:nvSpPr>
+        <p:spPr>
+          <a:xfrm>
+            <a:off x="3076956" y="2798064"/>
+            <a:ext cx="1097280" cy="256032"/>
+          </a:xfrm>
+          <a:prstGeom prst="rect">
+            <a:avLst/>
+          </a:prstGeom>
+          <a:noFill/>
+          <a:ln/>
+        </p:spPr>
+        <p:txBody>
+          <a:bodyPr wrap="square" rtlCol="0" anchor="ctr"/>
+          <a:lstStyle/>
+          <a:p>
+            <a:pPr indent="0" marL="0">
+              <a:buNone/>
+            </a:pPr>
+            <a:r>
+              <a:rPr lang="en-US" sz="850" dirty="0">
+                <a:solidFill>
+                  <a:srgbClr val="6B7F93"/>
+                </a:solidFill>
+              </a:rPr>
+              <a:t>6.2%</a:t>
+            </a:r>
+            <a:endParaRPr lang="en-US" sz="850" dirty="0"/>
+          </a:p>
+        </p:txBody>
+      </p:sp>
+      <p:sp>
+        <p:nvSpPr>
+          <p:cNvPr id="23" name="Text 21"/>
+          <p:cNvSpPr/>
+          <p:nvPr/>
+        </p:nvSpPr>
+        <p:spPr>
+          <a:xfrm>
+            <a:off x="274320" y="3145536"/>
+            <a:ext cx="2011680" cy="256032"/>
+          </a:xfrm>
+          <a:prstGeom prst="rect">
+            <a:avLst/>
+          </a:prstGeom>
+          <a:noFill/>
+          <a:ln/>
+        </p:spPr>
+        <p:txBody>
+          <a:bodyPr wrap="square" rtlCol="0" anchor="ctr"/>
+          <a:lstStyle/>
+          <a:p>
+            <a:pPr algn="r" indent="0" marL="0">
+              <a:buNone/>
+            </a:pPr>
+            <a:r>
+              <a:rPr lang="en-US" sz="850" b="1" dirty="0">
+                <a:solidFill>
+                  <a:srgbClr val="E8463A"/>
+                </a:solidFill>
+              </a:rPr>
+              <a:t>Paid Media 🔴</a:t>
+            </a:r>
+            <a:endParaRPr lang="en-US" sz="850" dirty="0"/>
+          </a:p>
+        </p:txBody>
+      </p:sp>
+      <p:sp>
+        <p:nvSpPr>
+          <p:cNvPr id="24" name="Shape 22"/>
+          <p:cNvSpPr/>
+          <p:nvPr/>
+        </p:nvSpPr>
+        <p:spPr>
+          <a:xfrm>
+            <a:off x="2377440" y="3182112"/>
+            <a:ext cx="320040" cy="201168"/>
+          </a:xfrm>
+          <a:prstGeom prst="rect">
+            <a:avLst/>
+          </a:prstGeom>
+          <a:solidFill>
+            <a:srgbClr val="E8463A"/>
+          </a:solidFill>
+          <a:ln/>
+        </p:spPr>
+      </p:sp>
+      <p:sp>
+        <p:nvSpPr>
+          <p:cNvPr id="25" name="Text 23"/>
+          <p:cNvSpPr/>
+          <p:nvPr/>
+        </p:nvSpPr>
+        <p:spPr>
+          <a:xfrm>
+            <a:off x="2788920" y="3145536"/>
+            <a:ext cx="1097280" cy="256032"/>
+          </a:xfrm>
+          <a:prstGeom prst="rect">
+            <a:avLst/>
+          </a:prstGeom>
+          <a:noFill/>
+          <a:ln/>
+        </p:spPr>
+        <p:txBody>
+          <a:bodyPr wrap="square" rtlCol="0" anchor="ctr"/>
+          <a:lstStyle/>
+          <a:p>
+            <a:pPr indent="0" marL="0">
+              <a:buNone/>
+            </a:pPr>
+            <a:r>
+              <a:rPr lang="en-US" sz="850" b="1" dirty="0">
+                <a:solidFill>
+                  <a:srgbClr val="E8463A"/>
+                </a:solidFill>
+              </a:rPr>
+              <a:t>3.3%</a:t>
+            </a:r>
+            <a:endParaRPr lang="en-US" sz="850" dirty="0"/>
+          </a:p>
+        </p:txBody>
+      </p:sp>
+      <p:sp>
+        <p:nvSpPr>
+          <p:cNvPr id="26" name="Shape 24"/>
+          <p:cNvSpPr/>
+          <p:nvPr/>
+        </p:nvSpPr>
+        <p:spPr>
+          <a:xfrm>
+            <a:off x="274320" y="3657600"/>
+            <a:ext cx="5669280" cy="73152"/>
+          </a:xfrm>
+          <a:prstGeom prst="rect">
+            <a:avLst/>
+          </a:prstGeom>
+          <a:solidFill>
+            <a:srgbClr val="E8463A"/>
+          </a:solidFill>
+          <a:ln/>
+        </p:spPr>
+      </p:sp>
+      <p:sp>
+        <p:nvSpPr>
+          <p:cNvPr id="27" name="Shape 25"/>
+          <p:cNvSpPr/>
+          <p:nvPr/>
+        </p:nvSpPr>
+        <p:spPr>
+          <a:xfrm>
+            <a:off x="274320" y="3730752"/>
+            <a:ext cx="5669280" cy="1005840"/>
           </a:xfrm>
           <a:prstGeom prst="rect">
             <a:avLst/>
@@ -14807,185 +17554,91 @@
       </p:sp>
       <p:sp>
         <p:nvSpPr>
-          <p:cNvPr id="8" name="Shape 6"/>
-          <p:cNvSpPr/>
-          <p:nvPr/>
-        </p:nvSpPr>
-        <p:spPr>
-          <a:xfrm>
-            <a:off x="274320" y="1115568"/>
-            <a:ext cx="365760" cy="731520"/>
-          </a:xfrm>
-          <a:prstGeom prst="rect">
-            <a:avLst/>
-          </a:prstGeom>
-          <a:solidFill>
-            <a:srgbClr val="0F2540"/>
-          </a:solidFill>
-          <a:ln/>
-        </p:spPr>
-      </p:sp>
-      <p:sp>
-        <p:nvSpPr>
-          <p:cNvPr id="9" name="Text 7"/>
-          <p:cNvSpPr/>
-          <p:nvPr/>
-        </p:nvSpPr>
-        <p:spPr>
-          <a:xfrm>
-            <a:off x="274320" y="1316736"/>
-            <a:ext cx="365760" cy="329184"/>
-          </a:xfrm>
-          <a:prstGeom prst="rect">
-            <a:avLst/>
-          </a:prstGeom>
-          <a:noFill/>
-          <a:ln/>
-        </p:spPr>
-        <p:txBody>
-          <a:bodyPr wrap="square" rtlCol="0" anchor="ctr"/>
-          <a:lstStyle/>
-          <a:p>
-            <a:pPr algn="ctr" indent="0" marL="0">
-              <a:buNone/>
-            </a:pPr>
-            <a:r>
-              <a:rPr lang="en-US" sz="1200" b="1" dirty="0">
-                <a:solidFill>
-                  <a:srgbClr val="FFFFFF"/>
-                </a:solidFill>
-              </a:rPr>
-              <a:t>1</a:t>
-            </a:r>
-            <a:endParaRPr lang="en-US" sz="1200" dirty="0"/>
-          </a:p>
-        </p:txBody>
-      </p:sp>
-      <p:sp>
-        <p:nvSpPr>
-          <p:cNvPr id="10" name="Text 8"/>
-          <p:cNvSpPr/>
-          <p:nvPr/>
-        </p:nvSpPr>
-        <p:spPr>
-          <a:xfrm>
-            <a:off x="713232" y="1170432"/>
-            <a:ext cx="4206240" cy="219456"/>
-          </a:xfrm>
-          <a:prstGeom prst="rect">
-            <a:avLst/>
-          </a:prstGeom>
-          <a:noFill/>
-          <a:ln/>
-        </p:spPr>
-        <p:txBody>
-          <a:bodyPr wrap="square" rtlCol="0" anchor="ctr"/>
-          <a:lstStyle/>
-          <a:p>
-            <a:pPr indent="0" marL="0">
-              <a:buNone/>
-            </a:pPr>
-            <a:r>
-              <a:rPr lang="en-US" sz="950" b="1" dirty="0">
+          <p:cNvPr id="28" name="Text 26"/>
+          <p:cNvSpPr/>
+          <p:nvPr/>
+        </p:nvSpPr>
+        <p:spPr>
+          <a:xfrm>
+            <a:off x="402336" y="3785616"/>
+            <a:ext cx="5413248" cy="256032"/>
+          </a:xfrm>
+          <a:prstGeom prst="rect">
+            <a:avLst/>
+          </a:prstGeom>
+          <a:noFill/>
+          <a:ln/>
+        </p:spPr>
+        <p:txBody>
+          <a:bodyPr wrap="square" rtlCol="0" anchor="ctr"/>
+          <a:lstStyle/>
+          <a:p>
+            <a:pPr indent="0" marL="0">
+              <a:buNone/>
+            </a:pPr>
+            <a:r>
+              <a:rPr lang="en-US" sz="1000" b="1" dirty="0">
                 <a:solidFill>
                   <a:srgbClr val="0F2540"/>
                 </a:solidFill>
               </a:rPr>
-              <a:t>Interview Dahlstrom</a:t>
-            </a:r>
-            <a:endParaRPr lang="en-US" sz="950" dirty="0"/>
-          </a:p>
-        </p:txBody>
-      </p:sp>
-      <p:sp>
-        <p:nvSpPr>
-          <p:cNvPr id="11" name="Text 9"/>
-          <p:cNvSpPr/>
-          <p:nvPr/>
-        </p:nvSpPr>
-        <p:spPr>
-          <a:xfrm>
-            <a:off x="713232" y="1389888"/>
-            <a:ext cx="4206240" cy="274320"/>
-          </a:xfrm>
-          <a:prstGeom prst="rect">
-            <a:avLst/>
-          </a:prstGeom>
-          <a:noFill/>
-          <a:ln/>
-        </p:spPr>
-        <p:txBody>
-          <a:bodyPr wrap="square" rtlCol="0" anchor="ctr"/>
-          <a:lstStyle/>
-          <a:p>
-            <a:pPr indent="0" marL="0">
-              <a:buNone/>
-            </a:pPr>
-            <a:r>
-              <a:rPr lang="en-US" sz="800" dirty="0">
+              <a:t>⚠️ Paid Media: 120 opps, 4 wins, $1,770 MRR</a:t>
+            </a:r>
+            <a:endParaRPr lang="en-US" sz="1000" dirty="0"/>
+          </a:p>
+        </p:txBody>
+      </p:sp>
+      <p:sp>
+        <p:nvSpPr>
+          <p:cNvPr id="29" name="Text 27"/>
+          <p:cNvSpPr/>
+          <p:nvPr/>
+        </p:nvSpPr>
+        <p:spPr>
+          <a:xfrm>
+            <a:off x="402336" y="4041648"/>
+            <a:ext cx="5413248" cy="658368"/>
+          </a:xfrm>
+          <a:prstGeom prst="rect">
+            <a:avLst/>
+          </a:prstGeom>
+          <a:noFill/>
+          <a:ln/>
+        </p:spPr>
+        <p:txBody>
+          <a:bodyPr wrap="square" rtlCol="0" anchor="ctr"/>
+          <a:lstStyle/>
+          <a:p>
+            <a:pPr indent="0" marL="0">
+              <a:buNone/>
+            </a:pPr>
+            <a:r>
+              <a:rPr lang="en-US" sz="900" dirty="0">
                 <a:solidFill>
                   <a:srgbClr val="3A4F63"/>
                 </a:solidFill>
               </a:rPr>
-              <a:t>2.6% no-show vs. 35% team avg. Extract his confirmation/qualification playbook. Deploy team-wide in 30 days.</a:t>
-            </a:r>
-            <a:endParaRPr lang="en-US" sz="800" dirty="0"/>
-          </a:p>
-        </p:txBody>
-      </p:sp>
-      <p:sp>
-        <p:nvSpPr>
-          <p:cNvPr id="12" name="Text 10"/>
-          <p:cNvSpPr/>
-          <p:nvPr/>
-        </p:nvSpPr>
-        <p:spPr>
-          <a:xfrm>
-            <a:off x="713232" y="1664208"/>
-            <a:ext cx="5120640" cy="164592"/>
-          </a:xfrm>
-          <a:prstGeom prst="rect">
-            <a:avLst/>
-          </a:prstGeom>
-          <a:noFill/>
-          <a:ln/>
-        </p:spPr>
-        <p:txBody>
-          <a:bodyPr wrap="square" rtlCol="0" anchor="ctr"/>
-          <a:lstStyle/>
-          <a:p>
-            <a:pPr indent="0" marL="0">
-              <a:buNone/>
-            </a:pPr>
-            <a:r>
-              <a:rPr lang="en-US" sz="750" b="1" dirty="0">
-                <a:solidFill>
-                  <a:srgbClr val="27AE60"/>
-                </a:solidFill>
-              </a:rPr>
-              <a:t>Sales Mgmt — This Week  |  +$3–5K/mo immediately</a:t>
-            </a:r>
-            <a:endParaRPr lang="en-US" sz="750" dirty="0"/>
-          </a:p>
-        </p:txBody>
-      </p:sp>
-      <p:sp>
-        <p:nvSpPr>
-          <p:cNvPr id="13" name="Shape 11"/>
-          <p:cNvSpPr/>
-          <p:nvPr/>
-        </p:nvSpPr>
-        <p:spPr>
-          <a:xfrm>
-            <a:off x="274320" y="1920240"/>
-            <a:ext cx="5669280" cy="731520"/>
-          </a:xfrm>
-          <a:prstGeom prst="rect">
-            <a:avLst/>
-          </a:prstGeom>
-          <a:solidFill>
-            <a:srgbClr val="FFFFFF"/>
-          </a:solidFill>
+              <a:t>70% of pipeline is Sales (outbound) at 6.2% win rate. Inbound channels at 21–32%. Reallocate budget toward SEO/content. Audit paid media cost-per-win vs. inbound.</a:t>
+            </a:r>
+            <a:endParaRPr lang="en-US" sz="900" dirty="0"/>
+          </a:p>
+        </p:txBody>
+      </p:sp>
+      <p:sp>
+        <p:nvSpPr>
+          <p:cNvPr id="30" name="Shape 28"/>
+          <p:cNvSpPr/>
+          <p:nvPr/>
+        </p:nvSpPr>
+        <p:spPr>
+          <a:xfrm>
+            <a:off x="6126480" y="1115568"/>
+            <a:ext cx="0" cy="3931920"/>
+          </a:xfrm>
+          <a:prstGeom prst="line">
+            <a:avLst/>
+          </a:prstGeom>
+          <a:noFill/>
           <a:ln w="12700">
             <a:solidFill>
               <a:srgbClr val="DDE3EB"/>
@@ -14996,14 +17649,50 @@
       </p:sp>
       <p:sp>
         <p:nvSpPr>
-          <p:cNvPr id="14" name="Shape 12"/>
-          <p:cNvSpPr/>
-          <p:nvPr/>
-        </p:nvSpPr>
-        <p:spPr>
-          <a:xfrm>
-            <a:off x="274320" y="1920240"/>
-            <a:ext cx="365760" cy="731520"/>
+          <p:cNvPr id="31" name="Text 29"/>
+          <p:cNvSpPr/>
+          <p:nvPr/>
+        </p:nvSpPr>
+        <p:spPr>
+          <a:xfrm>
+            <a:off x="6309360" y="1115568"/>
+            <a:ext cx="5486400" cy="237744"/>
+          </a:xfrm>
+          <a:prstGeom prst="rect">
+            <a:avLst/>
+          </a:prstGeom>
+          <a:noFill/>
+          <a:ln/>
+        </p:spPr>
+        <p:txBody>
+          <a:bodyPr wrap="square" rtlCol="0" anchor="ctr"/>
+          <a:lstStyle/>
+          <a:p>
+            <a:pPr indent="0" marL="0">
+              <a:buNone/>
+            </a:pPr>
+            <a:r>
+              <a:rPr lang="en-US" sz="900" b="1" spc="100" kern="0" dirty="0">
+                <a:solidFill>
+                  <a:srgbClr val="0F2540"/>
+                </a:solidFill>
+              </a:rPr>
+              <a:t>SDR PERFORMANCE (WIN RATE BY SDR INFLUENCE)</a:t>
+            </a:r>
+            <a:endParaRPr lang="en-US" sz="900" dirty="0"/>
+          </a:p>
+        </p:txBody>
+      </p:sp>
+      <p:sp>
+        <p:nvSpPr>
+          <p:cNvPr id="32" name="Shape 30"/>
+          <p:cNvSpPr/>
+          <p:nvPr/>
+        </p:nvSpPr>
+        <p:spPr>
+          <a:xfrm>
+            <a:off x="6309360" y="1371600"/>
+            <a:ext cx="5349240" cy="237744"/>
           </a:xfrm>
           <a:prstGeom prst="rect">
             <a:avLst/>
@@ -15016,14 +17705,214 @@
       </p:sp>
       <p:sp>
         <p:nvSpPr>
-          <p:cNvPr id="15" name="Text 13"/>
-          <p:cNvSpPr/>
-          <p:nvPr/>
-        </p:nvSpPr>
-        <p:spPr>
-          <a:xfrm>
-            <a:off x="274320" y="2121408"/>
-            <a:ext cx="365760" cy="329184"/>
+          <p:cNvPr id="33" name="Text 31"/>
+          <p:cNvSpPr/>
+          <p:nvPr/>
+        </p:nvSpPr>
+        <p:spPr>
+          <a:xfrm>
+            <a:off x="6400800" y="1389888"/>
+            <a:ext cx="1828800" cy="201168"/>
+          </a:xfrm>
+          <a:prstGeom prst="rect">
+            <a:avLst/>
+          </a:prstGeom>
+          <a:noFill/>
+          <a:ln/>
+        </p:spPr>
+        <p:txBody>
+          <a:bodyPr wrap="square" rtlCol="0" anchor="ctr"/>
+          <a:lstStyle/>
+          <a:p>
+            <a:pPr indent="0" marL="0">
+              <a:buNone/>
+            </a:pPr>
+            <a:r>
+              <a:rPr lang="en-US" sz="800" b="1" dirty="0">
+                <a:solidFill>
+                  <a:srgbClr val="FFFFFF"/>
+                </a:solidFill>
+              </a:rPr>
+              <a:t>SDR</a:t>
+            </a:r>
+            <a:endParaRPr lang="en-US" sz="800" dirty="0"/>
+          </a:p>
+        </p:txBody>
+      </p:sp>
+      <p:sp>
+        <p:nvSpPr>
+          <p:cNvPr id="34" name="Text 32"/>
+          <p:cNvSpPr/>
+          <p:nvPr/>
+        </p:nvSpPr>
+        <p:spPr>
+          <a:xfrm>
+            <a:off x="9326880" y="1389888"/>
+            <a:ext cx="1828800" cy="201168"/>
+          </a:xfrm>
+          <a:prstGeom prst="rect">
+            <a:avLst/>
+          </a:prstGeom>
+          <a:noFill/>
+          <a:ln/>
+        </p:spPr>
+        <p:txBody>
+          <a:bodyPr wrap="square" rtlCol="0" anchor="ctr"/>
+          <a:lstStyle/>
+          <a:p>
+            <a:pPr indent="0" marL="0">
+              <a:buNone/>
+            </a:pPr>
+            <a:r>
+              <a:rPr lang="en-US" sz="800" b="1" dirty="0">
+                <a:solidFill>
+                  <a:srgbClr val="FFFFFF"/>
+                </a:solidFill>
+              </a:rPr>
+              <a:t>Opps</a:t>
+            </a:r>
+            <a:endParaRPr lang="en-US" sz="800" dirty="0"/>
+          </a:p>
+        </p:txBody>
+      </p:sp>
+      <p:sp>
+        <p:nvSpPr>
+          <p:cNvPr id="35" name="Text 33"/>
+          <p:cNvSpPr/>
+          <p:nvPr/>
+        </p:nvSpPr>
+        <p:spPr>
+          <a:xfrm>
+            <a:off x="10149840" y="1389888"/>
+            <a:ext cx="1828800" cy="201168"/>
+          </a:xfrm>
+          <a:prstGeom prst="rect">
+            <a:avLst/>
+          </a:prstGeom>
+          <a:noFill/>
+          <a:ln/>
+        </p:spPr>
+        <p:txBody>
+          <a:bodyPr wrap="square" rtlCol="0" anchor="ctr"/>
+          <a:lstStyle/>
+          <a:p>
+            <a:pPr indent="0" marL="0">
+              <a:buNone/>
+            </a:pPr>
+            <a:r>
+              <a:rPr lang="en-US" sz="800" b="1" dirty="0">
+                <a:solidFill>
+                  <a:srgbClr val="FFFFFF"/>
+                </a:solidFill>
+              </a:rPr>
+              <a:t>Wins</a:t>
+            </a:r>
+            <a:endParaRPr lang="en-US" sz="800" dirty="0"/>
+          </a:p>
+        </p:txBody>
+      </p:sp>
+      <p:sp>
+        <p:nvSpPr>
+          <p:cNvPr id="36" name="Text 34"/>
+          <p:cNvSpPr/>
+          <p:nvPr/>
+        </p:nvSpPr>
+        <p:spPr>
+          <a:xfrm>
+            <a:off x="10835640" y="1389888"/>
+            <a:ext cx="1828800" cy="201168"/>
+          </a:xfrm>
+          <a:prstGeom prst="rect">
+            <a:avLst/>
+          </a:prstGeom>
+          <a:noFill/>
+          <a:ln/>
+        </p:spPr>
+        <p:txBody>
+          <a:bodyPr wrap="square" rtlCol="0" anchor="ctr"/>
+          <a:lstStyle/>
+          <a:p>
+            <a:pPr indent="0" marL="0">
+              <a:buNone/>
+            </a:pPr>
+            <a:r>
+              <a:rPr lang="en-US" sz="800" b="1" dirty="0">
+                <a:solidFill>
+                  <a:srgbClr val="FFFFFF"/>
+                </a:solidFill>
+              </a:rPr>
+              <a:t>Win Rate</a:t>
+            </a:r>
+            <a:endParaRPr lang="en-US" sz="800" dirty="0"/>
+          </a:p>
+        </p:txBody>
+      </p:sp>
+      <p:sp>
+        <p:nvSpPr>
+          <p:cNvPr id="37" name="Shape 35"/>
+          <p:cNvSpPr/>
+          <p:nvPr/>
+        </p:nvSpPr>
+        <p:spPr>
+          <a:xfrm>
+            <a:off x="6309360" y="1627632"/>
+            <a:ext cx="5349240" cy="228600"/>
+          </a:xfrm>
+          <a:prstGeom prst="rect">
+            <a:avLst/>
+          </a:prstGeom>
+          <a:solidFill>
+            <a:srgbClr val="D4EDDA"/>
+          </a:solidFill>
+          <a:ln/>
+        </p:spPr>
+      </p:sp>
+      <p:sp>
+        <p:nvSpPr>
+          <p:cNvPr id="38" name="Text 36"/>
+          <p:cNvSpPr/>
+          <p:nvPr/>
+        </p:nvSpPr>
+        <p:spPr>
+          <a:xfrm>
+            <a:off x="6400800" y="1655064"/>
+            <a:ext cx="2834640" cy="182880"/>
+          </a:xfrm>
+          <a:prstGeom prst="rect">
+            <a:avLst/>
+          </a:prstGeom>
+          <a:noFill/>
+          <a:ln/>
+        </p:spPr>
+        <p:txBody>
+          <a:bodyPr wrap="square" rtlCol="0" anchor="ctr"/>
+          <a:lstStyle/>
+          <a:p>
+            <a:pPr indent="0" marL="0">
+              <a:buNone/>
+            </a:pPr>
+            <a:r>
+              <a:rPr lang="en-US" sz="800" b="1" dirty="0">
+                <a:solidFill>
+                  <a:srgbClr val="1A7A3A"/>
+                </a:solidFill>
+              </a:rPr>
+              <a:t>No SDR ("None")</a:t>
+            </a:r>
+            <a:endParaRPr lang="en-US" sz="800" dirty="0"/>
+          </a:p>
+        </p:txBody>
+      </p:sp>
+      <p:sp>
+        <p:nvSpPr>
+          <p:cNvPr id="39" name="Text 37"/>
+          <p:cNvSpPr/>
+          <p:nvPr/>
+        </p:nvSpPr>
+        <p:spPr>
+          <a:xfrm>
+            <a:off x="9326880" y="1655064"/>
+            <a:ext cx="731520" cy="182880"/>
           </a:xfrm>
           <a:prstGeom prst="rect">
             <a:avLst/>
@@ -15039,84 +17928,12 @@
               <a:buNone/>
             </a:pPr>
             <a:r>
-              <a:rPr lang="en-US" sz="1200" b="1" dirty="0">
-                <a:solidFill>
-                  <a:srgbClr val="FFFFFF"/>
-                </a:solidFill>
-              </a:rPr>
-              <a:t>2</a:t>
-            </a:r>
-            <a:endParaRPr lang="en-US" sz="1200" dirty="0"/>
-          </a:p>
-        </p:txBody>
-      </p:sp>
-      <p:sp>
-        <p:nvSpPr>
-          <p:cNvPr id="16" name="Text 14"/>
-          <p:cNvSpPr/>
-          <p:nvPr/>
-        </p:nvSpPr>
-        <p:spPr>
-          <a:xfrm>
-            <a:off x="713232" y="1975104"/>
-            <a:ext cx="4206240" cy="219456"/>
-          </a:xfrm>
-          <a:prstGeom prst="rect">
-            <a:avLst/>
-          </a:prstGeom>
-          <a:noFill/>
-          <a:ln/>
-        </p:spPr>
-        <p:txBody>
-          <a:bodyPr wrap="square" rtlCol="0" anchor="ctr"/>
-          <a:lstStyle/>
-          <a:p>
-            <a:pPr indent="0" marL="0">
-              <a:buNone/>
-            </a:pPr>
-            <a:r>
-              <a:rPr lang="en-US" sz="950" b="1" dirty="0">
-                <a:solidFill>
-                  <a:srgbClr val="0F2540"/>
-                </a:solidFill>
-              </a:rPr>
-              <a:t>Work Billing Pipeline with Mgmt</a:t>
-            </a:r>
-            <a:endParaRPr lang="en-US" sz="950" dirty="0"/>
-          </a:p>
-        </p:txBody>
-      </p:sp>
-      <p:sp>
-        <p:nvSpPr>
-          <p:cNvPr id="17" name="Text 15"/>
-          <p:cNvSpPr/>
-          <p:nvPr/>
-        </p:nvSpPr>
-        <p:spPr>
-          <a:xfrm>
-            <a:off x="713232" y="2194560"/>
-            <a:ext cx="4206240" cy="274320"/>
-          </a:xfrm>
-          <a:prstGeom prst="rect">
-            <a:avLst/>
-          </a:prstGeom>
-          <a:noFill/>
-          <a:ln/>
-        </p:spPr>
-        <p:txBody>
-          <a:bodyPr wrap="square" rtlCol="0" anchor="ctr"/>
-          <a:lstStyle/>
-          <a:p>
-            <a:pPr indent="0" marL="0">
-              <a:buNone/>
-            </a:pPr>
-            <a:r>
               <a:rPr lang="en-US" sz="800" dirty="0">
                 <a:solidFill>
                   <a:srgbClr val="3A4F63"/>
                 </a:solidFill>
               </a:rPr>
-              <a:t>Losh Network (Stage 5) + Vision CTS (CW renewal April). 30% close rate = 3–4 closes from 11 deals.</a:t>
+              <a:t>848</a:t>
             </a:r>
             <a:endParaRPr lang="en-US" sz="800" dirty="0"/>
           </a:p>
@@ -15124,50 +17941,86 @@
       </p:sp>
       <p:sp>
         <p:nvSpPr>
-          <p:cNvPr id="18" name="Text 16"/>
-          <p:cNvSpPr/>
-          <p:nvPr/>
-        </p:nvSpPr>
-        <p:spPr>
-          <a:xfrm>
-            <a:off x="713232" y="2468880"/>
-            <a:ext cx="5120640" cy="164592"/>
-          </a:xfrm>
-          <a:prstGeom prst="rect">
-            <a:avLst/>
-          </a:prstGeom>
-          <a:noFill/>
-          <a:ln/>
-        </p:spPr>
-        <p:txBody>
-          <a:bodyPr wrap="square" rtlCol="0" anchor="ctr"/>
-          <a:lstStyle/>
-          <a:p>
-            <a:pPr indent="0" marL="0">
-              <a:buNone/>
-            </a:pPr>
-            <a:r>
-              <a:rPr lang="en-US" sz="750" b="1" dirty="0">
+          <p:cNvPr id="40" name="Text 38"/>
+          <p:cNvSpPr/>
+          <p:nvPr/>
+        </p:nvSpPr>
+        <p:spPr>
+          <a:xfrm>
+            <a:off x="10149840" y="1655064"/>
+            <a:ext cx="640080" cy="182880"/>
+          </a:xfrm>
+          <a:prstGeom prst="rect">
+            <a:avLst/>
+          </a:prstGeom>
+          <a:noFill/>
+          <a:ln/>
+        </p:spPr>
+        <p:txBody>
+          <a:bodyPr wrap="square" rtlCol="0" anchor="ctr"/>
+          <a:lstStyle/>
+          <a:p>
+            <a:pPr algn="ctr" indent="0" marL="0">
+              <a:buNone/>
+            </a:pPr>
+            <a:r>
+              <a:rPr lang="en-US" sz="800" dirty="0">
+                <a:solidFill>
+                  <a:srgbClr val="3A4F63"/>
+                </a:solidFill>
+              </a:rPr>
+              <a:t>98</a:t>
+            </a:r>
+            <a:endParaRPr lang="en-US" sz="800" dirty="0"/>
+          </a:p>
+        </p:txBody>
+      </p:sp>
+      <p:sp>
+        <p:nvSpPr>
+          <p:cNvPr id="41" name="Text 39"/>
+          <p:cNvSpPr/>
+          <p:nvPr/>
+        </p:nvSpPr>
+        <p:spPr>
+          <a:xfrm>
+            <a:off x="10835640" y="1655064"/>
+            <a:ext cx="822960" cy="182880"/>
+          </a:xfrm>
+          <a:prstGeom prst="rect">
+            <a:avLst/>
+          </a:prstGeom>
+          <a:noFill/>
+          <a:ln/>
+        </p:spPr>
+        <p:txBody>
+          <a:bodyPr wrap="square" rtlCol="0" anchor="ctr"/>
+          <a:lstStyle/>
+          <a:p>
+            <a:pPr algn="ctr" indent="0" marL="0">
+              <a:buNone/>
+            </a:pPr>
+            <a:r>
+              <a:rPr lang="en-US" sz="800" b="1" dirty="0">
                 <a:solidFill>
                   <a:srgbClr val="27AE60"/>
                 </a:solidFill>
               </a:rPr>
-              <a:t>Ryan Koontz — This Week  |  ~$3K MRR fast</a:t>
-            </a:r>
-            <a:endParaRPr lang="en-US" sz="750" dirty="0"/>
-          </a:p>
-        </p:txBody>
-      </p:sp>
-      <p:sp>
-        <p:nvSpPr>
-          <p:cNvPr id="19" name="Shape 17"/>
-          <p:cNvSpPr/>
-          <p:nvPr/>
-        </p:nvSpPr>
-        <p:spPr>
-          <a:xfrm>
-            <a:off x="274320" y="2724912"/>
-            <a:ext cx="5669280" cy="731520"/>
+              <a:t>11.5%</a:t>
+            </a:r>
+            <a:endParaRPr lang="en-US" sz="800" dirty="0"/>
+          </a:p>
+        </p:txBody>
+      </p:sp>
+      <p:sp>
+        <p:nvSpPr>
+          <p:cNvPr id="42" name="Shape 40"/>
+          <p:cNvSpPr/>
+          <p:nvPr/>
+        </p:nvSpPr>
+        <p:spPr>
+          <a:xfrm>
+            <a:off x="6309360" y="1874520"/>
+            <a:ext cx="5349240" cy="228600"/>
           </a:xfrm>
           <a:prstGeom prst="rect">
             <a:avLst/>
@@ -15175,44 +18028,55 @@
           <a:solidFill>
             <a:srgbClr val="FFFFFF"/>
           </a:solidFill>
-          <a:ln w="12700">
-            <a:solidFill>
-              <a:srgbClr val="DDE3EB"/>
-            </a:solidFill>
-            <a:prstDash val="solid"/>
-          </a:ln>
-        </p:spPr>
-      </p:sp>
-      <p:sp>
-        <p:nvSpPr>
-          <p:cNvPr id="20" name="Shape 18"/>
-          <p:cNvSpPr/>
-          <p:nvPr/>
-        </p:nvSpPr>
-        <p:spPr>
-          <a:xfrm>
-            <a:off x="274320" y="2724912"/>
-            <a:ext cx="365760" cy="731520"/>
-          </a:xfrm>
-          <a:prstGeom prst="rect">
-            <a:avLst/>
-          </a:prstGeom>
-          <a:solidFill>
-            <a:srgbClr val="0F2540"/>
-          </a:solidFill>
-          <a:ln/>
-        </p:spPr>
-      </p:sp>
-      <p:sp>
-        <p:nvSpPr>
-          <p:cNvPr id="21" name="Text 19"/>
-          <p:cNvSpPr/>
-          <p:nvPr/>
-        </p:nvSpPr>
-        <p:spPr>
-          <a:xfrm>
-            <a:off x="274320" y="2926080"/>
-            <a:ext cx="365760" cy="329184"/>
+          <a:ln/>
+        </p:spPr>
+      </p:sp>
+      <p:sp>
+        <p:nvSpPr>
+          <p:cNvPr id="43" name="Text 41"/>
+          <p:cNvSpPr/>
+          <p:nvPr/>
+        </p:nvSpPr>
+        <p:spPr>
+          <a:xfrm>
+            <a:off x="6400800" y="1901952"/>
+            <a:ext cx="2834640" cy="182880"/>
+          </a:xfrm>
+          <a:prstGeom prst="rect">
+            <a:avLst/>
+          </a:prstGeom>
+          <a:noFill/>
+          <a:ln/>
+        </p:spPr>
+        <p:txBody>
+          <a:bodyPr wrap="square" rtlCol="0" anchor="ctr"/>
+          <a:lstStyle/>
+          <a:p>
+            <a:pPr indent="0" marL="0">
+              <a:buNone/>
+            </a:pPr>
+            <a:r>
+              <a:rPr lang="en-US" sz="800" dirty="0">
+                <a:solidFill>
+                  <a:srgbClr val="3A4F63"/>
+                </a:solidFill>
+              </a:rPr>
+              <a:t>Drew Soupiset</a:t>
+            </a:r>
+            <a:endParaRPr lang="en-US" sz="800" dirty="0"/>
+          </a:p>
+        </p:txBody>
+      </p:sp>
+      <p:sp>
+        <p:nvSpPr>
+          <p:cNvPr id="44" name="Text 42"/>
+          <p:cNvSpPr/>
+          <p:nvPr/>
+        </p:nvSpPr>
+        <p:spPr>
+          <a:xfrm>
+            <a:off x="9326880" y="1901952"/>
+            <a:ext cx="731520" cy="182880"/>
           </a:xfrm>
           <a:prstGeom prst="rect">
             <a:avLst/>
@@ -15228,84 +18092,12 @@
               <a:buNone/>
             </a:pPr>
             <a:r>
-              <a:rPr lang="en-US" sz="1200" b="1" dirty="0">
-                <a:solidFill>
-                  <a:srgbClr val="FFFFFF"/>
-                </a:solidFill>
-              </a:rPr>
-              <a:t>3</a:t>
-            </a:r>
-            <a:endParaRPr lang="en-US" sz="1200" dirty="0"/>
-          </a:p>
-        </p:txBody>
-      </p:sp>
-      <p:sp>
-        <p:nvSpPr>
-          <p:cNvPr id="22" name="Text 20"/>
-          <p:cNvSpPr/>
-          <p:nvPr/>
-        </p:nvSpPr>
-        <p:spPr>
-          <a:xfrm>
-            <a:off x="713232" y="2779776"/>
-            <a:ext cx="4206240" cy="219456"/>
-          </a:xfrm>
-          <a:prstGeom prst="rect">
-            <a:avLst/>
-          </a:prstGeom>
-          <a:noFill/>
-          <a:ln/>
-        </p:spPr>
-        <p:txBody>
-          <a:bodyPr wrap="square" rtlCol="0" anchor="ctr"/>
-          <a:lstStyle/>
-          <a:p>
-            <a:pPr indent="0" marL="0">
-              <a:buNone/>
-            </a:pPr>
-            <a:r>
-              <a:rPr lang="en-US" sz="950" b="1" dirty="0">
-                <a:solidFill>
-                  <a:srgbClr val="0F2540"/>
-                </a:solidFill>
-              </a:rPr>
-              <a:t>Launch Apollo 2 Re-Engagement (March)</a:t>
-            </a:r>
-            <a:endParaRPr lang="en-US" sz="950" dirty="0"/>
-          </a:p>
-        </p:txBody>
-      </p:sp>
-      <p:sp>
-        <p:nvSpPr>
-          <p:cNvPr id="23" name="Text 21"/>
-          <p:cNvSpPr/>
-          <p:nvPr/>
-        </p:nvSpPr>
-        <p:spPr>
-          <a:xfrm>
-            <a:off x="713232" y="2999232"/>
-            <a:ext cx="4206240" cy="274320"/>
-          </a:xfrm>
-          <a:prstGeom prst="rect">
-            <a:avLst/>
-          </a:prstGeom>
-          <a:noFill/>
-          <a:ln/>
-        </p:spPr>
-        <p:txBody>
-          <a:bodyPr wrap="square" rtlCol="0" anchor="ctr"/>
-          <a:lstStyle/>
-          <a:p>
-            <a:pPr indent="0" marL="0">
-              <a:buNone/>
-            </a:pPr>
-            <a:r>
               <a:rPr lang="en-US" sz="800" dirty="0">
                 <a:solidFill>
                   <a:srgbClr val="3A4F63"/>
                 </a:solidFill>
               </a:rPr>
-              <a:t>"The feature you needed ships next month." 98 unlocked deals / $101,759 MRR. Work top-down by value.</a:t>
+              <a:t>6</a:t>
             </a:r>
             <a:endParaRPr lang="en-US" sz="800" dirty="0"/>
           </a:p>
@@ -15313,50 +18105,86 @@
       </p:sp>
       <p:sp>
         <p:nvSpPr>
-          <p:cNvPr id="24" name="Text 22"/>
-          <p:cNvSpPr/>
-          <p:nvPr/>
-        </p:nvSpPr>
-        <p:spPr>
-          <a:xfrm>
-            <a:off x="713232" y="3273552"/>
-            <a:ext cx="5120640" cy="164592"/>
-          </a:xfrm>
-          <a:prstGeom prst="rect">
-            <a:avLst/>
-          </a:prstGeom>
-          <a:noFill/>
-          <a:ln/>
-        </p:spPr>
-        <p:txBody>
-          <a:bodyPr wrap="square" rtlCol="0" anchor="ctr"/>
-          <a:lstStyle/>
-          <a:p>
-            <a:pPr indent="0" marL="0">
-              <a:buNone/>
-            </a:pPr>
-            <a:r>
-              <a:rPr lang="en-US" sz="750" b="1" dirty="0">
-                <a:solidFill>
-                  <a:srgbClr val="27AE60"/>
-                </a:solidFill>
-              </a:rPr>
-              <a:t>Sales + Marketing — March  |  $10–25K MRR / 90 days</a:t>
-            </a:r>
-            <a:endParaRPr lang="en-US" sz="750" dirty="0"/>
-          </a:p>
-        </p:txBody>
-      </p:sp>
-      <p:sp>
-        <p:nvSpPr>
-          <p:cNvPr id="25" name="Shape 23"/>
-          <p:cNvSpPr/>
-          <p:nvPr/>
-        </p:nvSpPr>
-        <p:spPr>
-          <a:xfrm>
-            <a:off x="274320" y="3529584"/>
-            <a:ext cx="5669280" cy="731520"/>
+          <p:cNvPr id="45" name="Text 43"/>
+          <p:cNvSpPr/>
+          <p:nvPr/>
+        </p:nvSpPr>
+        <p:spPr>
+          <a:xfrm>
+            <a:off x="10149840" y="1901952"/>
+            <a:ext cx="640080" cy="182880"/>
+          </a:xfrm>
+          <a:prstGeom prst="rect">
+            <a:avLst/>
+          </a:prstGeom>
+          <a:noFill/>
+          <a:ln/>
+        </p:spPr>
+        <p:txBody>
+          <a:bodyPr wrap="square" rtlCol="0" anchor="ctr"/>
+          <a:lstStyle/>
+          <a:p>
+            <a:pPr algn="ctr" indent="0" marL="0">
+              <a:buNone/>
+            </a:pPr>
+            <a:r>
+              <a:rPr lang="en-US" sz="800" dirty="0">
+                <a:solidFill>
+                  <a:srgbClr val="3A4F63"/>
+                </a:solidFill>
+              </a:rPr>
+              <a:t>1</a:t>
+            </a:r>
+            <a:endParaRPr lang="en-US" sz="800" dirty="0"/>
+          </a:p>
+        </p:txBody>
+      </p:sp>
+      <p:sp>
+        <p:nvSpPr>
+          <p:cNvPr id="46" name="Text 44"/>
+          <p:cNvSpPr/>
+          <p:nvPr/>
+        </p:nvSpPr>
+        <p:spPr>
+          <a:xfrm>
+            <a:off x="10835640" y="1901952"/>
+            <a:ext cx="822960" cy="182880"/>
+          </a:xfrm>
+          <a:prstGeom prst="rect">
+            <a:avLst/>
+          </a:prstGeom>
+          <a:noFill/>
+          <a:ln/>
+        </p:spPr>
+        <p:txBody>
+          <a:bodyPr wrap="square" rtlCol="0" anchor="ctr"/>
+          <a:lstStyle/>
+          <a:p>
+            <a:pPr algn="ctr" indent="0" marL="0">
+              <a:buNone/>
+            </a:pPr>
+            <a:r>
+              <a:rPr lang="en-US" sz="800" dirty="0">
+                <a:solidFill>
+                  <a:srgbClr val="6B7F93"/>
+                </a:solidFill>
+              </a:rPr>
+              <a:t>16.7%*</a:t>
+            </a:r>
+            <a:endParaRPr lang="en-US" sz="800" dirty="0"/>
+          </a:p>
+        </p:txBody>
+      </p:sp>
+      <p:sp>
+        <p:nvSpPr>
+          <p:cNvPr id="47" name="Shape 45"/>
+          <p:cNvSpPr/>
+          <p:nvPr/>
+        </p:nvSpPr>
+        <p:spPr>
+          <a:xfrm>
+            <a:off x="6309360" y="2121408"/>
+            <a:ext cx="5349240" cy="228600"/>
           </a:xfrm>
           <a:prstGeom prst="rect">
             <a:avLst/>
@@ -15364,44 +18192,55 @@
           <a:solidFill>
             <a:srgbClr val="FFFFFF"/>
           </a:solidFill>
-          <a:ln w="12700">
-            <a:solidFill>
-              <a:srgbClr val="DDE3EB"/>
-            </a:solidFill>
-            <a:prstDash val="solid"/>
-          </a:ln>
-        </p:spPr>
-      </p:sp>
-      <p:sp>
-        <p:nvSpPr>
-          <p:cNvPr id="26" name="Shape 24"/>
-          <p:cNvSpPr/>
-          <p:nvPr/>
-        </p:nvSpPr>
-        <p:spPr>
-          <a:xfrm>
-            <a:off x="274320" y="3529584"/>
-            <a:ext cx="365760" cy="731520"/>
-          </a:xfrm>
-          <a:prstGeom prst="rect">
-            <a:avLst/>
-          </a:prstGeom>
-          <a:solidFill>
-            <a:srgbClr val="0F2540"/>
-          </a:solidFill>
-          <a:ln/>
-        </p:spPr>
-      </p:sp>
-      <p:sp>
-        <p:nvSpPr>
-          <p:cNvPr id="27" name="Text 25"/>
-          <p:cNvSpPr/>
-          <p:nvPr/>
-        </p:nvSpPr>
-        <p:spPr>
-          <a:xfrm>
-            <a:off x="274320" y="3730752"/>
-            <a:ext cx="365760" cy="329184"/>
+          <a:ln/>
+        </p:spPr>
+      </p:sp>
+      <p:sp>
+        <p:nvSpPr>
+          <p:cNvPr id="48" name="Text 46"/>
+          <p:cNvSpPr/>
+          <p:nvPr/>
+        </p:nvSpPr>
+        <p:spPr>
+          <a:xfrm>
+            <a:off x="6400800" y="2148840"/>
+            <a:ext cx="2834640" cy="182880"/>
+          </a:xfrm>
+          <a:prstGeom prst="rect">
+            <a:avLst/>
+          </a:prstGeom>
+          <a:noFill/>
+          <a:ln/>
+        </p:spPr>
+        <p:txBody>
+          <a:bodyPr wrap="square" rtlCol="0" anchor="ctr"/>
+          <a:lstStyle/>
+          <a:p>
+            <a:pPr indent="0" marL="0">
+              <a:buNone/>
+            </a:pPr>
+            <a:r>
+              <a:rPr lang="en-US" sz="800" dirty="0">
+                <a:solidFill>
+                  <a:srgbClr val="3A4F63"/>
+                </a:solidFill>
+              </a:rPr>
+              <a:t>Jaylin Bender</a:t>
+            </a:r>
+            <a:endParaRPr lang="en-US" sz="800" dirty="0"/>
+          </a:p>
+        </p:txBody>
+      </p:sp>
+      <p:sp>
+        <p:nvSpPr>
+          <p:cNvPr id="49" name="Text 47"/>
+          <p:cNvSpPr/>
+          <p:nvPr/>
+        </p:nvSpPr>
+        <p:spPr>
+          <a:xfrm>
+            <a:off x="9326880" y="2148840"/>
+            <a:ext cx="731520" cy="182880"/>
           </a:xfrm>
           <a:prstGeom prst="rect">
             <a:avLst/>
@@ -15417,84 +18256,12 @@
               <a:buNone/>
             </a:pPr>
             <a:r>
-              <a:rPr lang="en-US" sz="1200" b="1" dirty="0">
-                <a:solidFill>
-                  <a:srgbClr val="FFFFFF"/>
-                </a:solidFill>
-              </a:rPr>
-              <a:t>4</a:t>
-            </a:r>
-            <a:endParaRPr lang="en-US" sz="1200" dirty="0"/>
-          </a:p>
-        </p:txBody>
-      </p:sp>
-      <p:sp>
-        <p:nvSpPr>
-          <p:cNvPr id="28" name="Text 26"/>
-          <p:cNvSpPr/>
-          <p:nvPr/>
-        </p:nvSpPr>
-        <p:spPr>
-          <a:xfrm>
-            <a:off x="713232" y="3584448"/>
-            <a:ext cx="4206240" cy="219456"/>
-          </a:xfrm>
-          <a:prstGeom prst="rect">
-            <a:avLst/>
-          </a:prstGeom>
-          <a:noFill/>
-          <a:ln/>
-        </p:spPr>
-        <p:txBody>
-          <a:bodyPr wrap="square" rtlCol="0" anchor="ctr"/>
-          <a:lstStyle/>
-          <a:p>
-            <a:pPr indent="0" marL="0">
-              <a:buNone/>
-            </a:pPr>
-            <a:r>
-              <a:rPr lang="en-US" sz="950" b="1" dirty="0">
-                <a:solidFill>
-                  <a:srgbClr val="0F2540"/>
-                </a:solidFill>
-              </a:rPr>
-              <a:t>Activate Tigerpaw Hot-Intent List</a:t>
-            </a:r>
-            <a:endParaRPr lang="en-US" sz="950" dirty="0"/>
-          </a:p>
-        </p:txBody>
-      </p:sp>
-      <p:sp>
-        <p:nvSpPr>
-          <p:cNvPr id="29" name="Text 27"/>
-          <p:cNvSpPr/>
-          <p:nvPr/>
-        </p:nvSpPr>
-        <p:spPr>
-          <a:xfrm>
-            <a:off x="713232" y="3803904"/>
-            <a:ext cx="4206240" cy="274320"/>
-          </a:xfrm>
-          <a:prstGeom prst="rect">
-            <a:avLst/>
-          </a:prstGeom>
-          <a:noFill/>
-          <a:ln/>
-        </p:spPr>
-        <p:txBody>
-          <a:bodyPr wrap="square" rtlCol="0" anchor="ctr"/>
-          <a:lstStyle/>
-          <a:p>
-            <a:pPr indent="0" marL="0">
-              <a:buNone/>
-            </a:pPr>
-            <a:r>
               <a:rPr lang="en-US" sz="800" dirty="0">
                 <a:solidFill>
                   <a:srgbClr val="3A4F63"/>
                 </a:solidFill>
               </a:rPr>
-              <a:t>80–100 migration-intent accounts. Personal outreach from Evan/Ryan. Close 30–40 by Q2.</a:t>
+              <a:t>50</a:t>
             </a:r>
             <a:endParaRPr lang="en-US" sz="800" dirty="0"/>
           </a:p>
@@ -15502,50 +18269,86 @@
       </p:sp>
       <p:sp>
         <p:nvSpPr>
-          <p:cNvPr id="30" name="Text 28"/>
-          <p:cNvSpPr/>
-          <p:nvPr/>
-        </p:nvSpPr>
-        <p:spPr>
-          <a:xfrm>
-            <a:off x="713232" y="4078224"/>
-            <a:ext cx="5120640" cy="164592"/>
-          </a:xfrm>
-          <a:prstGeom prst="rect">
-            <a:avLst/>
-          </a:prstGeom>
-          <a:noFill/>
-          <a:ln/>
-        </p:spPr>
-        <p:txBody>
-          <a:bodyPr wrap="square" rtlCol="0" anchor="ctr"/>
-          <a:lstStyle/>
-          <a:p>
-            <a:pPr indent="0" marL="0">
-              <a:buNone/>
-            </a:pPr>
-            <a:r>
-              <a:rPr lang="en-US" sz="750" b="1" dirty="0">
-                <a:solidFill>
-                  <a:srgbClr val="27AE60"/>
-                </a:solidFill>
-              </a:rPr>
-              <a:t>Evan + Ryan — Q1–Q2  |  ~$20–25K MRR wave</a:t>
-            </a:r>
-            <a:endParaRPr lang="en-US" sz="750" dirty="0"/>
-          </a:p>
-        </p:txBody>
-      </p:sp>
-      <p:sp>
-        <p:nvSpPr>
-          <p:cNvPr id="31" name="Shape 29"/>
-          <p:cNvSpPr/>
-          <p:nvPr/>
-        </p:nvSpPr>
-        <p:spPr>
-          <a:xfrm>
-            <a:off x="6172200" y="1115568"/>
-            <a:ext cx="5669280" cy="731520"/>
+          <p:cNvPr id="50" name="Text 48"/>
+          <p:cNvSpPr/>
+          <p:nvPr/>
+        </p:nvSpPr>
+        <p:spPr>
+          <a:xfrm>
+            <a:off x="10149840" y="2148840"/>
+            <a:ext cx="640080" cy="182880"/>
+          </a:xfrm>
+          <a:prstGeom prst="rect">
+            <a:avLst/>
+          </a:prstGeom>
+          <a:noFill/>
+          <a:ln/>
+        </p:spPr>
+        <p:txBody>
+          <a:bodyPr wrap="square" rtlCol="0" anchor="ctr"/>
+          <a:lstStyle/>
+          <a:p>
+            <a:pPr algn="ctr" indent="0" marL="0">
+              <a:buNone/>
+            </a:pPr>
+            <a:r>
+              <a:rPr lang="en-US" sz="800" dirty="0">
+                <a:solidFill>
+                  <a:srgbClr val="3A4F63"/>
+                </a:solidFill>
+              </a:rPr>
+              <a:t>3</a:t>
+            </a:r>
+            <a:endParaRPr lang="en-US" sz="800" dirty="0"/>
+          </a:p>
+        </p:txBody>
+      </p:sp>
+      <p:sp>
+        <p:nvSpPr>
+          <p:cNvPr id="51" name="Text 49"/>
+          <p:cNvSpPr/>
+          <p:nvPr/>
+        </p:nvSpPr>
+        <p:spPr>
+          <a:xfrm>
+            <a:off x="10835640" y="2148840"/>
+            <a:ext cx="822960" cy="182880"/>
+          </a:xfrm>
+          <a:prstGeom prst="rect">
+            <a:avLst/>
+          </a:prstGeom>
+          <a:noFill/>
+          <a:ln/>
+        </p:spPr>
+        <p:txBody>
+          <a:bodyPr wrap="square" rtlCol="0" anchor="ctr"/>
+          <a:lstStyle/>
+          <a:p>
+            <a:pPr algn="ctr" indent="0" marL="0">
+              <a:buNone/>
+            </a:pPr>
+            <a:r>
+              <a:rPr lang="en-US" sz="800" dirty="0">
+                <a:solidFill>
+                  <a:srgbClr val="3A4F63"/>
+                </a:solidFill>
+              </a:rPr>
+              <a:t>6.0%</a:t>
+            </a:r>
+            <a:endParaRPr lang="en-US" sz="800" dirty="0"/>
+          </a:p>
+        </p:txBody>
+      </p:sp>
+      <p:sp>
+        <p:nvSpPr>
+          <p:cNvPr id="52" name="Shape 50"/>
+          <p:cNvSpPr/>
+          <p:nvPr/>
+        </p:nvSpPr>
+        <p:spPr>
+          <a:xfrm>
+            <a:off x="6309360" y="2368296"/>
+            <a:ext cx="5349240" cy="228600"/>
           </a:xfrm>
           <a:prstGeom prst="rect">
             <a:avLst/>
@@ -15553,44 +18356,55 @@
           <a:solidFill>
             <a:srgbClr val="FFFFFF"/>
           </a:solidFill>
-          <a:ln w="12700">
-            <a:solidFill>
-              <a:srgbClr val="DDE3EB"/>
-            </a:solidFill>
-            <a:prstDash val="solid"/>
-          </a:ln>
-        </p:spPr>
-      </p:sp>
-      <p:sp>
-        <p:nvSpPr>
-          <p:cNvPr id="32" name="Shape 30"/>
-          <p:cNvSpPr/>
-          <p:nvPr/>
-        </p:nvSpPr>
-        <p:spPr>
-          <a:xfrm>
-            <a:off x="6172200" y="1115568"/>
-            <a:ext cx="365760" cy="731520"/>
-          </a:xfrm>
-          <a:prstGeom prst="rect">
-            <a:avLst/>
-          </a:prstGeom>
-          <a:solidFill>
-            <a:srgbClr val="0F2540"/>
-          </a:solidFill>
-          <a:ln/>
-        </p:spPr>
-      </p:sp>
-      <p:sp>
-        <p:nvSpPr>
-          <p:cNvPr id="33" name="Text 31"/>
-          <p:cNvSpPr/>
-          <p:nvPr/>
-        </p:nvSpPr>
-        <p:spPr>
-          <a:xfrm>
-            <a:off x="6172200" y="1316736"/>
-            <a:ext cx="365760" cy="329184"/>
+          <a:ln/>
+        </p:spPr>
+      </p:sp>
+      <p:sp>
+        <p:nvSpPr>
+          <p:cNvPr id="53" name="Text 51"/>
+          <p:cNvSpPr/>
+          <p:nvPr/>
+        </p:nvSpPr>
+        <p:spPr>
+          <a:xfrm>
+            <a:off x="6400800" y="2395728"/>
+            <a:ext cx="2834640" cy="182880"/>
+          </a:xfrm>
+          <a:prstGeom prst="rect">
+            <a:avLst/>
+          </a:prstGeom>
+          <a:noFill/>
+          <a:ln/>
+        </p:spPr>
+        <p:txBody>
+          <a:bodyPr wrap="square" rtlCol="0" anchor="ctr"/>
+          <a:lstStyle/>
+          <a:p>
+            <a:pPr indent="0" marL="0">
+              <a:buNone/>
+            </a:pPr>
+            <a:r>
+              <a:rPr lang="en-US" sz="800" dirty="0">
+                <a:solidFill>
+                  <a:srgbClr val="3A4F63"/>
+                </a:solidFill>
+              </a:rPr>
+              <a:t>Davis Herndon</a:t>
+            </a:r>
+            <a:endParaRPr lang="en-US" sz="800" dirty="0"/>
+          </a:p>
+        </p:txBody>
+      </p:sp>
+      <p:sp>
+        <p:nvSpPr>
+          <p:cNvPr id="54" name="Text 52"/>
+          <p:cNvSpPr/>
+          <p:nvPr/>
+        </p:nvSpPr>
+        <p:spPr>
+          <a:xfrm>
+            <a:off x="9326880" y="2395728"/>
+            <a:ext cx="731520" cy="182880"/>
           </a:xfrm>
           <a:prstGeom prst="rect">
             <a:avLst/>
@@ -15606,84 +18420,12 @@
               <a:buNone/>
             </a:pPr>
             <a:r>
-              <a:rPr lang="en-US" sz="1200" b="1" dirty="0">
-                <a:solidFill>
-                  <a:srgbClr val="FFFFFF"/>
-                </a:solidFill>
-              </a:rPr>
-              <a:t>5</a:t>
-            </a:r>
-            <a:endParaRPr lang="en-US" sz="1200" dirty="0"/>
-          </a:p>
-        </p:txBody>
-      </p:sp>
-      <p:sp>
-        <p:nvSpPr>
-          <p:cNvPr id="34" name="Text 32"/>
-          <p:cNvSpPr/>
-          <p:nvPr/>
-        </p:nvSpPr>
-        <p:spPr>
-          <a:xfrm>
-            <a:off x="6611112" y="1170432"/>
-            <a:ext cx="4206240" cy="219456"/>
-          </a:xfrm>
-          <a:prstGeom prst="rect">
-            <a:avLst/>
-          </a:prstGeom>
-          <a:noFill/>
-          <a:ln/>
-        </p:spPr>
-        <p:txBody>
-          <a:bodyPr wrap="square" rtlCol="0" anchor="ctr"/>
-          <a:lstStyle/>
-          <a:p>
-            <a:pPr indent="0" marL="0">
-              <a:buNone/>
-            </a:pPr>
-            <a:r>
-              <a:rPr lang="en-US" sz="950" b="1" dirty="0">
-                <a:solidFill>
-                  <a:srgbClr val="0F2540"/>
-                </a:solidFill>
-              </a:rPr>
-              <a:t>Coach Davies: Pipeline Leaking</a:t>
-            </a:r>
-            <a:endParaRPr lang="en-US" sz="950" dirty="0"/>
-          </a:p>
-        </p:txBody>
-      </p:sp>
-      <p:sp>
-        <p:nvSpPr>
-          <p:cNvPr id="35" name="Text 33"/>
-          <p:cNvSpPr/>
-          <p:nvPr/>
-        </p:nvSpPr>
-        <p:spPr>
-          <a:xfrm>
-            <a:off x="6611112" y="1389888"/>
-            <a:ext cx="4206240" cy="274320"/>
-          </a:xfrm>
-          <a:prstGeom prst="rect">
-            <a:avLst/>
-          </a:prstGeom>
-          <a:noFill/>
-          <a:ln/>
-        </p:spPr>
-        <p:txBody>
-          <a:bodyPr wrap="square" rtlCol="0" anchor="ctr"/>
-          <a:lstStyle/>
-          <a:p>
-            <a:pPr indent="0" marL="0">
-              <a:buNone/>
-            </a:pPr>
-            <a:r>
               <a:rPr lang="en-US" sz="800" dirty="0">
                 <a:solidFill>
                   <a:srgbClr val="3A4F63"/>
                 </a:solidFill>
               </a:rPr>
-              <a:t>$11,630 open pipeline, 6.3% win rate. Manager-assisted deal reviews. If at median: +$5K MRR.</a:t>
+              <a:t>65</a:t>
             </a:r>
             <a:endParaRPr lang="en-US" sz="800" dirty="0"/>
           </a:p>
@@ -15691,50 +18433,86 @@
       </p:sp>
       <p:sp>
         <p:nvSpPr>
-          <p:cNvPr id="36" name="Text 34"/>
-          <p:cNvSpPr/>
-          <p:nvPr/>
-        </p:nvSpPr>
-        <p:spPr>
-          <a:xfrm>
-            <a:off x="6611112" y="1664208"/>
-            <a:ext cx="5120640" cy="164592"/>
-          </a:xfrm>
-          <a:prstGeom prst="rect">
-            <a:avLst/>
-          </a:prstGeom>
-          <a:noFill/>
-          <a:ln/>
-        </p:spPr>
-        <p:txBody>
-          <a:bodyPr wrap="square" rtlCol="0" anchor="ctr"/>
-          <a:lstStyle/>
-          <a:p>
-            <a:pPr indent="0" marL="0">
-              <a:buNone/>
-            </a:pPr>
-            <a:r>
-              <a:rPr lang="en-US" sz="750" b="1" dirty="0">
-                <a:solidFill>
-                  <a:srgbClr val="27AE60"/>
-                </a:solidFill>
-              </a:rPr>
-              <a:t>Sales Mgmt — Immediate  |  +$3–5K MRR</a:t>
-            </a:r>
-            <a:endParaRPr lang="en-US" sz="750" dirty="0"/>
-          </a:p>
-        </p:txBody>
-      </p:sp>
-      <p:sp>
-        <p:nvSpPr>
-          <p:cNvPr id="37" name="Shape 35"/>
-          <p:cNvSpPr/>
-          <p:nvPr/>
-        </p:nvSpPr>
-        <p:spPr>
-          <a:xfrm>
-            <a:off x="6172200" y="1920240"/>
-            <a:ext cx="5669280" cy="731520"/>
+          <p:cNvPr id="55" name="Text 53"/>
+          <p:cNvSpPr/>
+          <p:nvPr/>
+        </p:nvSpPr>
+        <p:spPr>
+          <a:xfrm>
+            <a:off x="10149840" y="2395728"/>
+            <a:ext cx="640080" cy="182880"/>
+          </a:xfrm>
+          <a:prstGeom prst="rect">
+            <a:avLst/>
+          </a:prstGeom>
+          <a:noFill/>
+          <a:ln/>
+        </p:spPr>
+        <p:txBody>
+          <a:bodyPr wrap="square" rtlCol="0" anchor="ctr"/>
+          <a:lstStyle/>
+          <a:p>
+            <a:pPr algn="ctr" indent="0" marL="0">
+              <a:buNone/>
+            </a:pPr>
+            <a:r>
+              <a:rPr lang="en-US" sz="800" dirty="0">
+                <a:solidFill>
+                  <a:srgbClr val="3A4F63"/>
+                </a:solidFill>
+              </a:rPr>
+              <a:t>4</a:t>
+            </a:r>
+            <a:endParaRPr lang="en-US" sz="800" dirty="0"/>
+          </a:p>
+        </p:txBody>
+      </p:sp>
+      <p:sp>
+        <p:nvSpPr>
+          <p:cNvPr id="56" name="Text 54"/>
+          <p:cNvSpPr/>
+          <p:nvPr/>
+        </p:nvSpPr>
+        <p:spPr>
+          <a:xfrm>
+            <a:off x="10835640" y="2395728"/>
+            <a:ext cx="822960" cy="182880"/>
+          </a:xfrm>
+          <a:prstGeom prst="rect">
+            <a:avLst/>
+          </a:prstGeom>
+          <a:noFill/>
+          <a:ln/>
+        </p:spPr>
+        <p:txBody>
+          <a:bodyPr wrap="square" rtlCol="0" anchor="ctr"/>
+          <a:lstStyle/>
+          <a:p>
+            <a:pPr algn="ctr" indent="0" marL="0">
+              <a:buNone/>
+            </a:pPr>
+            <a:r>
+              <a:rPr lang="en-US" sz="800" dirty="0">
+                <a:solidFill>
+                  <a:srgbClr val="3A4F63"/>
+                </a:solidFill>
+              </a:rPr>
+              <a:t>6.2%</a:t>
+            </a:r>
+            <a:endParaRPr lang="en-US" sz="800" dirty="0"/>
+          </a:p>
+        </p:txBody>
+      </p:sp>
+      <p:sp>
+        <p:nvSpPr>
+          <p:cNvPr id="57" name="Shape 55"/>
+          <p:cNvSpPr/>
+          <p:nvPr/>
+        </p:nvSpPr>
+        <p:spPr>
+          <a:xfrm>
+            <a:off x="6309360" y="2615184"/>
+            <a:ext cx="5349240" cy="228600"/>
           </a:xfrm>
           <a:prstGeom prst="rect">
             <a:avLst/>
@@ -15742,44 +18520,219 @@
           <a:solidFill>
             <a:srgbClr val="FFFFFF"/>
           </a:solidFill>
-          <a:ln w="12700">
-            <a:solidFill>
-              <a:srgbClr val="DDE3EB"/>
-            </a:solidFill>
-            <a:prstDash val="solid"/>
-          </a:ln>
-        </p:spPr>
-      </p:sp>
-      <p:sp>
-        <p:nvSpPr>
-          <p:cNvPr id="38" name="Shape 36"/>
-          <p:cNvSpPr/>
-          <p:nvPr/>
-        </p:nvSpPr>
-        <p:spPr>
-          <a:xfrm>
-            <a:off x="6172200" y="1920240"/>
-            <a:ext cx="365760" cy="731520"/>
+          <a:ln/>
+        </p:spPr>
+      </p:sp>
+      <p:sp>
+        <p:nvSpPr>
+          <p:cNvPr id="58" name="Text 56"/>
+          <p:cNvSpPr/>
+          <p:nvPr/>
+        </p:nvSpPr>
+        <p:spPr>
+          <a:xfrm>
+            <a:off x="6400800" y="2642616"/>
+            <a:ext cx="2834640" cy="182880"/>
+          </a:xfrm>
+          <a:prstGeom prst="rect">
+            <a:avLst/>
+          </a:prstGeom>
+          <a:noFill/>
+          <a:ln/>
+        </p:spPr>
+        <p:txBody>
+          <a:bodyPr wrap="square" rtlCol="0" anchor="ctr"/>
+          <a:lstStyle/>
+          <a:p>
+            <a:pPr indent="0" marL="0">
+              <a:buNone/>
+            </a:pPr>
+            <a:r>
+              <a:rPr lang="en-US" sz="800" dirty="0">
+                <a:solidFill>
+                  <a:srgbClr val="3A4F63"/>
+                </a:solidFill>
+              </a:rPr>
+              <a:t>Nand Patel</a:t>
+            </a:r>
+            <a:endParaRPr lang="en-US" sz="800" dirty="0"/>
+          </a:p>
+        </p:txBody>
+      </p:sp>
+      <p:sp>
+        <p:nvSpPr>
+          <p:cNvPr id="59" name="Text 57"/>
+          <p:cNvSpPr/>
+          <p:nvPr/>
+        </p:nvSpPr>
+        <p:spPr>
+          <a:xfrm>
+            <a:off x="9326880" y="2642616"/>
+            <a:ext cx="731520" cy="182880"/>
+          </a:xfrm>
+          <a:prstGeom prst="rect">
+            <a:avLst/>
+          </a:prstGeom>
+          <a:noFill/>
+          <a:ln/>
+        </p:spPr>
+        <p:txBody>
+          <a:bodyPr wrap="square" rtlCol="0" anchor="ctr"/>
+          <a:lstStyle/>
+          <a:p>
+            <a:pPr algn="ctr" indent="0" marL="0">
+              <a:buNone/>
+            </a:pPr>
+            <a:r>
+              <a:rPr lang="en-US" sz="800" dirty="0">
+                <a:solidFill>
+                  <a:srgbClr val="3A4F63"/>
+                </a:solidFill>
+              </a:rPr>
+              <a:t>20</a:t>
+            </a:r>
+            <a:endParaRPr lang="en-US" sz="800" dirty="0"/>
+          </a:p>
+        </p:txBody>
+      </p:sp>
+      <p:sp>
+        <p:nvSpPr>
+          <p:cNvPr id="60" name="Text 58"/>
+          <p:cNvSpPr/>
+          <p:nvPr/>
+        </p:nvSpPr>
+        <p:spPr>
+          <a:xfrm>
+            <a:off x="10149840" y="2642616"/>
+            <a:ext cx="640080" cy="182880"/>
+          </a:xfrm>
+          <a:prstGeom prst="rect">
+            <a:avLst/>
+          </a:prstGeom>
+          <a:noFill/>
+          <a:ln/>
+        </p:spPr>
+        <p:txBody>
+          <a:bodyPr wrap="square" rtlCol="0" anchor="ctr"/>
+          <a:lstStyle/>
+          <a:p>
+            <a:pPr algn="ctr" indent="0" marL="0">
+              <a:buNone/>
+            </a:pPr>
+            <a:r>
+              <a:rPr lang="en-US" sz="800" dirty="0">
+                <a:solidFill>
+                  <a:srgbClr val="3A4F63"/>
+                </a:solidFill>
+              </a:rPr>
+              <a:t>1</a:t>
+            </a:r>
+            <a:endParaRPr lang="en-US" sz="800" dirty="0"/>
+          </a:p>
+        </p:txBody>
+      </p:sp>
+      <p:sp>
+        <p:nvSpPr>
+          <p:cNvPr id="61" name="Text 59"/>
+          <p:cNvSpPr/>
+          <p:nvPr/>
+        </p:nvSpPr>
+        <p:spPr>
+          <a:xfrm>
+            <a:off x="10835640" y="2642616"/>
+            <a:ext cx="822960" cy="182880"/>
+          </a:xfrm>
+          <a:prstGeom prst="rect">
+            <a:avLst/>
+          </a:prstGeom>
+          <a:noFill/>
+          <a:ln/>
+        </p:spPr>
+        <p:txBody>
+          <a:bodyPr wrap="square" rtlCol="0" anchor="ctr"/>
+          <a:lstStyle/>
+          <a:p>
+            <a:pPr algn="ctr" indent="0" marL="0">
+              <a:buNone/>
+            </a:pPr>
+            <a:r>
+              <a:rPr lang="en-US" sz="800" dirty="0">
+                <a:solidFill>
+                  <a:srgbClr val="3A4F63"/>
+                </a:solidFill>
+              </a:rPr>
+              <a:t>5.0%</a:t>
+            </a:r>
+            <a:endParaRPr lang="en-US" sz="800" dirty="0"/>
+          </a:p>
+        </p:txBody>
+      </p:sp>
+      <p:sp>
+        <p:nvSpPr>
+          <p:cNvPr id="62" name="Shape 60"/>
+          <p:cNvSpPr/>
+          <p:nvPr/>
+        </p:nvSpPr>
+        <p:spPr>
+          <a:xfrm>
+            <a:off x="6309360" y="2862072"/>
+            <a:ext cx="5349240" cy="228600"/>
           </a:xfrm>
           <a:prstGeom prst="rect">
             <a:avLst/>
           </a:prstGeom>
           <a:solidFill>
-            <a:srgbClr val="0F2540"/>
+            <a:srgbClr val="FDF3E7"/>
           </a:solidFill>
           <a:ln/>
         </p:spPr>
       </p:sp>
       <p:sp>
         <p:nvSpPr>
-          <p:cNvPr id="39" name="Text 37"/>
-          <p:cNvSpPr/>
-          <p:nvPr/>
-        </p:nvSpPr>
-        <p:spPr>
-          <a:xfrm>
-            <a:off x="6172200" y="2121408"/>
-            <a:ext cx="365760" cy="329184"/>
+          <p:cNvPr id="63" name="Text 61"/>
+          <p:cNvSpPr/>
+          <p:nvPr/>
+        </p:nvSpPr>
+        <p:spPr>
+          <a:xfrm>
+            <a:off x="6400800" y="2889504"/>
+            <a:ext cx="2834640" cy="182880"/>
+          </a:xfrm>
+          <a:prstGeom prst="rect">
+            <a:avLst/>
+          </a:prstGeom>
+          <a:noFill/>
+          <a:ln/>
+        </p:spPr>
+        <p:txBody>
+          <a:bodyPr wrap="square" rtlCol="0" anchor="ctr"/>
+          <a:lstStyle/>
+          <a:p>
+            <a:pPr indent="0" marL="0">
+              <a:buNone/>
+            </a:pPr>
+            <a:r>
+              <a:rPr lang="en-US" sz="800" dirty="0">
+                <a:solidFill>
+                  <a:srgbClr val="3A4F63"/>
+                </a:solidFill>
+              </a:rPr>
+              <a:t>Abbey McIntosh</a:t>
+            </a:r>
+            <a:endParaRPr lang="en-US" sz="800" dirty="0"/>
+          </a:p>
+        </p:txBody>
+      </p:sp>
+      <p:sp>
+        <p:nvSpPr>
+          <p:cNvPr id="64" name="Text 62"/>
+          <p:cNvSpPr/>
+          <p:nvPr/>
+        </p:nvSpPr>
+        <p:spPr>
+          <a:xfrm>
+            <a:off x="9326880" y="2889504"/>
+            <a:ext cx="731520" cy="182880"/>
           </a:xfrm>
           <a:prstGeom prst="rect">
             <a:avLst/>
@@ -15795,84 +18748,12 @@
               <a:buNone/>
             </a:pPr>
             <a:r>
-              <a:rPr lang="en-US" sz="1200" b="1" dirty="0">
-                <a:solidFill>
-                  <a:srgbClr val="FFFFFF"/>
-                </a:solidFill>
-              </a:rPr>
-              <a:t>6</a:t>
-            </a:r>
-            <a:endParaRPr lang="en-US" sz="1200" dirty="0"/>
-          </a:p>
-        </p:txBody>
-      </p:sp>
-      <p:sp>
-        <p:nvSpPr>
-          <p:cNvPr id="40" name="Text 38"/>
-          <p:cNvSpPr/>
-          <p:nvPr/>
-        </p:nvSpPr>
-        <p:spPr>
-          <a:xfrm>
-            <a:off x="6611112" y="1975104"/>
-            <a:ext cx="4206240" cy="219456"/>
-          </a:xfrm>
-          <a:prstGeom prst="rect">
-            <a:avLst/>
-          </a:prstGeom>
-          <a:noFill/>
-          <a:ln/>
-        </p:spPr>
-        <p:txBody>
-          <a:bodyPr wrap="square" rtlCol="0" anchor="ctr"/>
-          <a:lstStyle/>
-          <a:p>
-            <a:pPr indent="0" marL="0">
-              <a:buNone/>
-            </a:pPr>
-            <a:r>
-              <a:rPr lang="en-US" sz="950" b="1" dirty="0">
-                <a:solidFill>
-                  <a:srgbClr val="0F2540"/>
-                </a:solidFill>
-              </a:rPr>
-              <a:t>Study Herndon's Buyer Profile</a:t>
-            </a:r>
-            <a:endParaRPr lang="en-US" sz="950" dirty="0"/>
-          </a:p>
-        </p:txBody>
-      </p:sp>
-      <p:sp>
-        <p:nvSpPr>
-          <p:cNvPr id="41" name="Text 39"/>
-          <p:cNvSpPr/>
-          <p:nvPr/>
-        </p:nvSpPr>
-        <p:spPr>
-          <a:xfrm>
-            <a:off x="6611112" y="2194560"/>
-            <a:ext cx="4206240" cy="274320"/>
-          </a:xfrm>
-          <a:prstGeom prst="rect">
-            <a:avLst/>
-          </a:prstGeom>
-          <a:noFill/>
-          <a:ln/>
-        </p:spPr>
-        <p:txBody>
-          <a:bodyPr wrap="square" rtlCol="0" anchor="ctr"/>
-          <a:lstStyle/>
-          <a:p>
-            <a:pPr indent="0" marL="0">
-              <a:buNone/>
-            </a:pPr>
-            <a:r>
               <a:rPr lang="en-US" sz="800" dirty="0">
                 <a:solidFill>
                   <a:srgbClr val="3A4F63"/>
                 </a:solidFill>
               </a:rPr>
-              <a:t>$1,153 avg deal (2× team). Identify what industries/sizes he targets — this is the high-value ICP template.</a:t>
+              <a:t>107</a:t>
             </a:r>
             <a:endParaRPr lang="en-US" sz="800" dirty="0"/>
           </a:p>
@@ -15880,95 +18761,306 @@
       </p:sp>
       <p:sp>
         <p:nvSpPr>
-          <p:cNvPr id="42" name="Text 40"/>
-          <p:cNvSpPr/>
-          <p:nvPr/>
-        </p:nvSpPr>
-        <p:spPr>
-          <a:xfrm>
-            <a:off x="6611112" y="2468880"/>
-            <a:ext cx="5120640" cy="164592"/>
-          </a:xfrm>
-          <a:prstGeom prst="rect">
-            <a:avLst/>
-          </a:prstGeom>
-          <a:noFill/>
-          <a:ln/>
-        </p:spPr>
-        <p:txBody>
-          <a:bodyPr wrap="square" rtlCol="0" anchor="ctr"/>
-          <a:lstStyle/>
-          <a:p>
-            <a:pPr indent="0" marL="0">
-              <a:buNone/>
-            </a:pPr>
-            <a:r>
-              <a:rPr lang="en-US" sz="750" b="1" dirty="0">
-                <a:solidFill>
-                  <a:srgbClr val="27AE60"/>
-                </a:solidFill>
-              </a:rPr>
-              <a:t>Sales Ops / Revay — Q1  |  Strategic ICP shift</a:t>
-            </a:r>
-            <a:endParaRPr lang="en-US" sz="750" dirty="0"/>
-          </a:p>
-        </p:txBody>
-      </p:sp>
-      <p:sp>
-        <p:nvSpPr>
-          <p:cNvPr id="43" name="Shape 41"/>
-          <p:cNvSpPr/>
-          <p:nvPr/>
-        </p:nvSpPr>
-        <p:spPr>
-          <a:xfrm>
-            <a:off x="6172200" y="2724912"/>
-            <a:ext cx="5669280" cy="731520"/>
+          <p:cNvPr id="65" name="Text 63"/>
+          <p:cNvSpPr/>
+          <p:nvPr/>
+        </p:nvSpPr>
+        <p:spPr>
+          <a:xfrm>
+            <a:off x="10149840" y="2889504"/>
+            <a:ext cx="640080" cy="182880"/>
+          </a:xfrm>
+          <a:prstGeom prst="rect">
+            <a:avLst/>
+          </a:prstGeom>
+          <a:noFill/>
+          <a:ln/>
+        </p:spPr>
+        <p:txBody>
+          <a:bodyPr wrap="square" rtlCol="0" anchor="ctr"/>
+          <a:lstStyle/>
+          <a:p>
+            <a:pPr algn="ctr" indent="0" marL="0">
+              <a:buNone/>
+            </a:pPr>
+            <a:r>
+              <a:rPr lang="en-US" sz="800" dirty="0">
+                <a:solidFill>
+                  <a:srgbClr val="3A4F63"/>
+                </a:solidFill>
+              </a:rPr>
+              <a:t>4</a:t>
+            </a:r>
+            <a:endParaRPr lang="en-US" sz="800" dirty="0"/>
+          </a:p>
+        </p:txBody>
+      </p:sp>
+      <p:sp>
+        <p:nvSpPr>
+          <p:cNvPr id="66" name="Text 64"/>
+          <p:cNvSpPr/>
+          <p:nvPr/>
+        </p:nvSpPr>
+        <p:spPr>
+          <a:xfrm>
+            <a:off x="10835640" y="2889504"/>
+            <a:ext cx="822960" cy="182880"/>
+          </a:xfrm>
+          <a:prstGeom prst="rect">
+            <a:avLst/>
+          </a:prstGeom>
+          <a:noFill/>
+          <a:ln/>
+        </p:spPr>
+        <p:txBody>
+          <a:bodyPr wrap="square" rtlCol="0" anchor="ctr"/>
+          <a:lstStyle/>
+          <a:p>
+            <a:pPr algn="ctr" indent="0" marL="0">
+              <a:buNone/>
+            </a:pPr>
+            <a:r>
+              <a:rPr lang="en-US" sz="800" dirty="0">
+                <a:solidFill>
+                  <a:srgbClr val="E07B31"/>
+                </a:solidFill>
+              </a:rPr>
+              <a:t>3.7%</a:t>
+            </a:r>
+            <a:endParaRPr lang="en-US" sz="800" dirty="0"/>
+          </a:p>
+        </p:txBody>
+      </p:sp>
+      <p:sp>
+        <p:nvSpPr>
+          <p:cNvPr id="67" name="Shape 65"/>
+          <p:cNvSpPr/>
+          <p:nvPr/>
+        </p:nvSpPr>
+        <p:spPr>
+          <a:xfrm>
+            <a:off x="6309360" y="3108960"/>
+            <a:ext cx="5349240" cy="228600"/>
           </a:xfrm>
           <a:prstGeom prst="rect">
             <a:avLst/>
           </a:prstGeom>
           <a:solidFill>
-            <a:srgbClr val="FFFFFF"/>
+            <a:srgbClr val="FDF3E7"/>
           </a:solidFill>
-          <a:ln w="12700">
-            <a:solidFill>
-              <a:srgbClr val="DDE3EB"/>
-            </a:solidFill>
-            <a:prstDash val="solid"/>
-          </a:ln>
-        </p:spPr>
-      </p:sp>
-      <p:sp>
-        <p:nvSpPr>
-          <p:cNvPr id="44" name="Shape 42"/>
-          <p:cNvSpPr/>
-          <p:nvPr/>
-        </p:nvSpPr>
-        <p:spPr>
-          <a:xfrm>
-            <a:off x="6172200" y="2724912"/>
-            <a:ext cx="365760" cy="731520"/>
+          <a:ln/>
+        </p:spPr>
+      </p:sp>
+      <p:sp>
+        <p:nvSpPr>
+          <p:cNvPr id="68" name="Text 66"/>
+          <p:cNvSpPr/>
+          <p:nvPr/>
+        </p:nvSpPr>
+        <p:spPr>
+          <a:xfrm>
+            <a:off x="6400800" y="3136392"/>
+            <a:ext cx="2834640" cy="182880"/>
+          </a:xfrm>
+          <a:prstGeom prst="rect">
+            <a:avLst/>
+          </a:prstGeom>
+          <a:noFill/>
+          <a:ln/>
+        </p:spPr>
+        <p:txBody>
+          <a:bodyPr wrap="square" rtlCol="0" anchor="ctr"/>
+          <a:lstStyle/>
+          <a:p>
+            <a:pPr indent="0" marL="0">
+              <a:buNone/>
+            </a:pPr>
+            <a:r>
+              <a:rPr lang="en-US" sz="800" dirty="0">
+                <a:solidFill>
+                  <a:srgbClr val="3A4F63"/>
+                </a:solidFill>
+              </a:rPr>
+              <a:t>Mitchell Davidson</a:t>
+            </a:r>
+            <a:endParaRPr lang="en-US" sz="800" dirty="0"/>
+          </a:p>
+        </p:txBody>
+      </p:sp>
+      <p:sp>
+        <p:nvSpPr>
+          <p:cNvPr id="69" name="Text 67"/>
+          <p:cNvSpPr/>
+          <p:nvPr/>
+        </p:nvSpPr>
+        <p:spPr>
+          <a:xfrm>
+            <a:off x="9326880" y="3136392"/>
+            <a:ext cx="731520" cy="182880"/>
+          </a:xfrm>
+          <a:prstGeom prst="rect">
+            <a:avLst/>
+          </a:prstGeom>
+          <a:noFill/>
+          <a:ln/>
+        </p:spPr>
+        <p:txBody>
+          <a:bodyPr wrap="square" rtlCol="0" anchor="ctr"/>
+          <a:lstStyle/>
+          <a:p>
+            <a:pPr algn="ctr" indent="0" marL="0">
+              <a:buNone/>
+            </a:pPr>
+            <a:r>
+              <a:rPr lang="en-US" sz="800" dirty="0">
+                <a:solidFill>
+                  <a:srgbClr val="3A4F63"/>
+                </a:solidFill>
+              </a:rPr>
+              <a:t>60</a:t>
+            </a:r>
+            <a:endParaRPr lang="en-US" sz="800" dirty="0"/>
+          </a:p>
+        </p:txBody>
+      </p:sp>
+      <p:sp>
+        <p:nvSpPr>
+          <p:cNvPr id="70" name="Text 68"/>
+          <p:cNvSpPr/>
+          <p:nvPr/>
+        </p:nvSpPr>
+        <p:spPr>
+          <a:xfrm>
+            <a:off x="10149840" y="3136392"/>
+            <a:ext cx="640080" cy="182880"/>
+          </a:xfrm>
+          <a:prstGeom prst="rect">
+            <a:avLst/>
+          </a:prstGeom>
+          <a:noFill/>
+          <a:ln/>
+        </p:spPr>
+        <p:txBody>
+          <a:bodyPr wrap="square" rtlCol="0" anchor="ctr"/>
+          <a:lstStyle/>
+          <a:p>
+            <a:pPr algn="ctr" indent="0" marL="0">
+              <a:buNone/>
+            </a:pPr>
+            <a:r>
+              <a:rPr lang="en-US" sz="800" dirty="0">
+                <a:solidFill>
+                  <a:srgbClr val="3A4F63"/>
+                </a:solidFill>
+              </a:rPr>
+              <a:t>2</a:t>
+            </a:r>
+            <a:endParaRPr lang="en-US" sz="800" dirty="0"/>
+          </a:p>
+        </p:txBody>
+      </p:sp>
+      <p:sp>
+        <p:nvSpPr>
+          <p:cNvPr id="71" name="Text 69"/>
+          <p:cNvSpPr/>
+          <p:nvPr/>
+        </p:nvSpPr>
+        <p:spPr>
+          <a:xfrm>
+            <a:off x="10835640" y="3136392"/>
+            <a:ext cx="822960" cy="182880"/>
+          </a:xfrm>
+          <a:prstGeom prst="rect">
+            <a:avLst/>
+          </a:prstGeom>
+          <a:noFill/>
+          <a:ln/>
+        </p:spPr>
+        <p:txBody>
+          <a:bodyPr wrap="square" rtlCol="0" anchor="ctr"/>
+          <a:lstStyle/>
+          <a:p>
+            <a:pPr algn="ctr" indent="0" marL="0">
+              <a:buNone/>
+            </a:pPr>
+            <a:r>
+              <a:rPr lang="en-US" sz="800" dirty="0">
+                <a:solidFill>
+                  <a:srgbClr val="E07B31"/>
+                </a:solidFill>
+              </a:rPr>
+              <a:t>3.3%</a:t>
+            </a:r>
+            <a:endParaRPr lang="en-US" sz="800" dirty="0"/>
+          </a:p>
+        </p:txBody>
+      </p:sp>
+      <p:sp>
+        <p:nvSpPr>
+          <p:cNvPr id="72" name="Shape 70"/>
+          <p:cNvSpPr/>
+          <p:nvPr/>
+        </p:nvSpPr>
+        <p:spPr>
+          <a:xfrm>
+            <a:off x="6309360" y="3355848"/>
+            <a:ext cx="5349240" cy="228600"/>
           </a:xfrm>
           <a:prstGeom prst="rect">
             <a:avLst/>
           </a:prstGeom>
           <a:solidFill>
-            <a:srgbClr val="0F2540"/>
+            <a:srgbClr val="FDE8E7"/>
           </a:solidFill>
           <a:ln/>
         </p:spPr>
       </p:sp>
       <p:sp>
         <p:nvSpPr>
-          <p:cNvPr id="45" name="Text 43"/>
-          <p:cNvSpPr/>
-          <p:nvPr/>
-        </p:nvSpPr>
-        <p:spPr>
-          <a:xfrm>
-            <a:off x="6172200" y="2926080"/>
-            <a:ext cx="365760" cy="329184"/>
+          <p:cNvPr id="73" name="Text 71"/>
+          <p:cNvSpPr/>
+          <p:nvPr/>
+        </p:nvSpPr>
+        <p:spPr>
+          <a:xfrm>
+            <a:off x="6400800" y="3383280"/>
+            <a:ext cx="2834640" cy="182880"/>
+          </a:xfrm>
+          <a:prstGeom prst="rect">
+            <a:avLst/>
+          </a:prstGeom>
+          <a:noFill/>
+          <a:ln/>
+        </p:spPr>
+        <p:txBody>
+          <a:bodyPr wrap="square" rtlCol="0" anchor="ctr"/>
+          <a:lstStyle/>
+          <a:p>
+            <a:pPr indent="0" marL="0">
+              <a:buNone/>
+            </a:pPr>
+            <a:r>
+              <a:rPr lang="en-US" sz="800" dirty="0">
+                <a:solidFill>
+                  <a:srgbClr val="3A4F63"/>
+                </a:solidFill>
+              </a:rPr>
+              <a:t>Prosper Firi</a:t>
+            </a:r>
+            <a:endParaRPr lang="en-US" sz="800" dirty="0"/>
+          </a:p>
+        </p:txBody>
+      </p:sp>
+      <p:sp>
+        <p:nvSpPr>
+          <p:cNvPr id="74" name="Text 72"/>
+          <p:cNvSpPr/>
+          <p:nvPr/>
+        </p:nvSpPr>
+        <p:spPr>
+          <a:xfrm>
+            <a:off x="9326880" y="3383280"/>
+            <a:ext cx="731520" cy="182880"/>
           </a:xfrm>
           <a:prstGeom prst="rect">
             <a:avLst/>
@@ -15984,84 +19076,12 @@
               <a:buNone/>
             </a:pPr>
             <a:r>
-              <a:rPr lang="en-US" sz="1200" b="1" dirty="0">
-                <a:solidFill>
-                  <a:srgbClr val="FFFFFF"/>
-                </a:solidFill>
-              </a:rPr>
-              <a:t>7</a:t>
-            </a:r>
-            <a:endParaRPr lang="en-US" sz="1200" dirty="0"/>
-          </a:p>
-        </p:txBody>
-      </p:sp>
-      <p:sp>
-        <p:nvSpPr>
-          <p:cNvPr id="46" name="Text 44"/>
-          <p:cNvSpPr/>
-          <p:nvPr/>
-        </p:nvSpPr>
-        <p:spPr>
-          <a:xfrm>
-            <a:off x="6611112" y="2779776"/>
-            <a:ext cx="4206240" cy="219456"/>
-          </a:xfrm>
-          <a:prstGeom prst="rect">
-            <a:avLst/>
-          </a:prstGeom>
-          <a:noFill/>
-          <a:ln/>
-        </p:spPr>
-        <p:txBody>
-          <a:bodyPr wrap="square" rtlCol="0" anchor="ctr"/>
-          <a:lstStyle/>
-          <a:p>
-            <a:pPr indent="0" marL="0">
-              <a:buNone/>
-            </a:pPr>
-            <a:r>
-              <a:rPr lang="en-US" sz="950" b="1" dirty="0">
-                <a:solidFill>
-                  <a:srgbClr val="0F2540"/>
-                </a:solidFill>
-              </a:rPr>
-              <a:t>Build IT MSP Displacement Motion</a:t>
-            </a:r>
-            <a:endParaRPr lang="en-US" sz="950" dirty="0"/>
-          </a:p>
-        </p:txBody>
-      </p:sp>
-      <p:sp>
-        <p:nvSpPr>
-          <p:cNvPr id="47" name="Text 45"/>
-          <p:cNvSpPr/>
-          <p:nvPr/>
-        </p:nvSpPr>
-        <p:spPr>
-          <a:xfrm>
-            <a:off x="6611112" y="2999232"/>
-            <a:ext cx="4206240" cy="274320"/>
-          </a:xfrm>
-          <a:prstGeom prst="rect">
-            <a:avLst/>
-          </a:prstGeom>
-          <a:noFill/>
-          <a:ln/>
-        </p:spPr>
-        <p:txBody>
-          <a:bodyPr wrap="square" rtlCol="0" anchor="ctr"/>
-          <a:lstStyle/>
-          <a:p>
-            <a:pPr indent="0" marL="0">
-              <a:buNone/>
-            </a:pPr>
-            <a:r>
               <a:rPr lang="en-US" sz="800" dirty="0">
                 <a:solidFill>
                   <a:srgbClr val="3A4F63"/>
                 </a:solidFill>
               </a:rPr>
-              <a:t>CW/Kaseya/Halo targets. Currently 0 competitive wins. Needs battlecards, reference cases, targeted outreach.</a:t>
+              <a:t>41</a:t>
             </a:r>
             <a:endParaRPr lang="en-US" sz="800" dirty="0"/>
           </a:p>
@@ -16069,95 +19089,306 @@
       </p:sp>
       <p:sp>
         <p:nvSpPr>
-          <p:cNvPr id="48" name="Text 46"/>
-          <p:cNvSpPr/>
-          <p:nvPr/>
-        </p:nvSpPr>
-        <p:spPr>
-          <a:xfrm>
-            <a:off x="6611112" y="3273552"/>
-            <a:ext cx="5120640" cy="164592"/>
-          </a:xfrm>
-          <a:prstGeom prst="rect">
-            <a:avLst/>
-          </a:prstGeom>
-          <a:noFill/>
-          <a:ln/>
-        </p:spPr>
-        <p:txBody>
-          <a:bodyPr wrap="square" rtlCol="0" anchor="ctr"/>
-          <a:lstStyle/>
-          <a:p>
-            <a:pPr indent="0" marL="0">
-              <a:buNone/>
-            </a:pPr>
-            <a:r>
-              <a:rPr lang="en-US" sz="750" b="1" dirty="0">
-                <a:solidFill>
-                  <a:srgbClr val="27AE60"/>
-                </a:solidFill>
-              </a:rPr>
-              <a:t>Marketing + Sales — Q2–Q3  |  3–5× at scale</a:t>
-            </a:r>
-            <a:endParaRPr lang="en-US" sz="750" dirty="0"/>
-          </a:p>
-        </p:txBody>
-      </p:sp>
-      <p:sp>
-        <p:nvSpPr>
-          <p:cNvPr id="49" name="Shape 47"/>
-          <p:cNvSpPr/>
-          <p:nvPr/>
-        </p:nvSpPr>
-        <p:spPr>
-          <a:xfrm>
-            <a:off x="6172200" y="3529584"/>
-            <a:ext cx="5669280" cy="731520"/>
+          <p:cNvPr id="75" name="Text 73"/>
+          <p:cNvSpPr/>
+          <p:nvPr/>
+        </p:nvSpPr>
+        <p:spPr>
+          <a:xfrm>
+            <a:off x="10149840" y="3383280"/>
+            <a:ext cx="640080" cy="182880"/>
+          </a:xfrm>
+          <a:prstGeom prst="rect">
+            <a:avLst/>
+          </a:prstGeom>
+          <a:noFill/>
+          <a:ln/>
+        </p:spPr>
+        <p:txBody>
+          <a:bodyPr wrap="square" rtlCol="0" anchor="ctr"/>
+          <a:lstStyle/>
+          <a:p>
+            <a:pPr algn="ctr" indent="0" marL="0">
+              <a:buNone/>
+            </a:pPr>
+            <a:r>
+              <a:rPr lang="en-US" sz="800" dirty="0">
+                <a:solidFill>
+                  <a:srgbClr val="3A4F63"/>
+                </a:solidFill>
+              </a:rPr>
+              <a:t>0</a:t>
+            </a:r>
+            <a:endParaRPr lang="en-US" sz="800" dirty="0"/>
+          </a:p>
+        </p:txBody>
+      </p:sp>
+      <p:sp>
+        <p:nvSpPr>
+          <p:cNvPr id="76" name="Text 74"/>
+          <p:cNvSpPr/>
+          <p:nvPr/>
+        </p:nvSpPr>
+        <p:spPr>
+          <a:xfrm>
+            <a:off x="10835640" y="3383280"/>
+            <a:ext cx="822960" cy="182880"/>
+          </a:xfrm>
+          <a:prstGeom prst="rect">
+            <a:avLst/>
+          </a:prstGeom>
+          <a:noFill/>
+          <a:ln/>
+        </p:spPr>
+        <p:txBody>
+          <a:bodyPr wrap="square" rtlCol="0" anchor="ctr"/>
+          <a:lstStyle/>
+          <a:p>
+            <a:pPr algn="ctr" indent="0" marL="0">
+              <a:buNone/>
+            </a:pPr>
+            <a:r>
+              <a:rPr lang="en-US" sz="800" dirty="0">
+                <a:solidFill>
+                  <a:srgbClr val="E8463A"/>
+                </a:solidFill>
+              </a:rPr>
+              <a:t>0% 🔴</a:t>
+            </a:r>
+            <a:endParaRPr lang="en-US" sz="800" dirty="0"/>
+          </a:p>
+        </p:txBody>
+      </p:sp>
+      <p:sp>
+        <p:nvSpPr>
+          <p:cNvPr id="77" name="Shape 75"/>
+          <p:cNvSpPr/>
+          <p:nvPr/>
+        </p:nvSpPr>
+        <p:spPr>
+          <a:xfrm>
+            <a:off x="6309360" y="3602736"/>
+            <a:ext cx="5349240" cy="228600"/>
           </a:xfrm>
           <a:prstGeom prst="rect">
             <a:avLst/>
           </a:prstGeom>
           <a:solidFill>
-            <a:srgbClr val="FFFFFF"/>
+            <a:srgbClr val="FDE8E7"/>
           </a:solidFill>
-          <a:ln w="12700">
-            <a:solidFill>
-              <a:srgbClr val="DDE3EB"/>
-            </a:solidFill>
-            <a:prstDash val="solid"/>
-          </a:ln>
-        </p:spPr>
-      </p:sp>
-      <p:sp>
-        <p:nvSpPr>
-          <p:cNvPr id="50" name="Shape 48"/>
-          <p:cNvSpPr/>
-          <p:nvPr/>
-        </p:nvSpPr>
-        <p:spPr>
-          <a:xfrm>
-            <a:off x="6172200" y="3529584"/>
-            <a:ext cx="365760" cy="731520"/>
+          <a:ln/>
+        </p:spPr>
+      </p:sp>
+      <p:sp>
+        <p:nvSpPr>
+          <p:cNvPr id="78" name="Text 76"/>
+          <p:cNvSpPr/>
+          <p:nvPr/>
+        </p:nvSpPr>
+        <p:spPr>
+          <a:xfrm>
+            <a:off x="6400800" y="3630168"/>
+            <a:ext cx="2834640" cy="182880"/>
+          </a:xfrm>
+          <a:prstGeom prst="rect">
+            <a:avLst/>
+          </a:prstGeom>
+          <a:noFill/>
+          <a:ln/>
+        </p:spPr>
+        <p:txBody>
+          <a:bodyPr wrap="square" rtlCol="0" anchor="ctr"/>
+          <a:lstStyle/>
+          <a:p>
+            <a:pPr indent="0" marL="0">
+              <a:buNone/>
+            </a:pPr>
+            <a:r>
+              <a:rPr lang="en-US" sz="800" dirty="0">
+                <a:solidFill>
+                  <a:srgbClr val="3A4F63"/>
+                </a:solidFill>
+              </a:rPr>
+              <a:t>Abigail Marchese</a:t>
+            </a:r>
+            <a:endParaRPr lang="en-US" sz="800" dirty="0"/>
+          </a:p>
+        </p:txBody>
+      </p:sp>
+      <p:sp>
+        <p:nvSpPr>
+          <p:cNvPr id="79" name="Text 77"/>
+          <p:cNvSpPr/>
+          <p:nvPr/>
+        </p:nvSpPr>
+        <p:spPr>
+          <a:xfrm>
+            <a:off x="9326880" y="3630168"/>
+            <a:ext cx="731520" cy="182880"/>
+          </a:xfrm>
+          <a:prstGeom prst="rect">
+            <a:avLst/>
+          </a:prstGeom>
+          <a:noFill/>
+          <a:ln/>
+        </p:spPr>
+        <p:txBody>
+          <a:bodyPr wrap="square" rtlCol="0" anchor="ctr"/>
+          <a:lstStyle/>
+          <a:p>
+            <a:pPr algn="ctr" indent="0" marL="0">
+              <a:buNone/>
+            </a:pPr>
+            <a:r>
+              <a:rPr lang="en-US" sz="800" dirty="0">
+                <a:solidFill>
+                  <a:srgbClr val="3A4F63"/>
+                </a:solidFill>
+              </a:rPr>
+              <a:t>25</a:t>
+            </a:r>
+            <a:endParaRPr lang="en-US" sz="800" dirty="0"/>
+          </a:p>
+        </p:txBody>
+      </p:sp>
+      <p:sp>
+        <p:nvSpPr>
+          <p:cNvPr id="80" name="Text 78"/>
+          <p:cNvSpPr/>
+          <p:nvPr/>
+        </p:nvSpPr>
+        <p:spPr>
+          <a:xfrm>
+            <a:off x="10149840" y="3630168"/>
+            <a:ext cx="640080" cy="182880"/>
+          </a:xfrm>
+          <a:prstGeom prst="rect">
+            <a:avLst/>
+          </a:prstGeom>
+          <a:noFill/>
+          <a:ln/>
+        </p:spPr>
+        <p:txBody>
+          <a:bodyPr wrap="square" rtlCol="0" anchor="ctr"/>
+          <a:lstStyle/>
+          <a:p>
+            <a:pPr algn="ctr" indent="0" marL="0">
+              <a:buNone/>
+            </a:pPr>
+            <a:r>
+              <a:rPr lang="en-US" sz="800" dirty="0">
+                <a:solidFill>
+                  <a:srgbClr val="3A4F63"/>
+                </a:solidFill>
+              </a:rPr>
+              <a:t>0</a:t>
+            </a:r>
+            <a:endParaRPr lang="en-US" sz="800" dirty="0"/>
+          </a:p>
+        </p:txBody>
+      </p:sp>
+      <p:sp>
+        <p:nvSpPr>
+          <p:cNvPr id="81" name="Text 79"/>
+          <p:cNvSpPr/>
+          <p:nvPr/>
+        </p:nvSpPr>
+        <p:spPr>
+          <a:xfrm>
+            <a:off x="10835640" y="3630168"/>
+            <a:ext cx="822960" cy="182880"/>
+          </a:xfrm>
+          <a:prstGeom prst="rect">
+            <a:avLst/>
+          </a:prstGeom>
+          <a:noFill/>
+          <a:ln/>
+        </p:spPr>
+        <p:txBody>
+          <a:bodyPr wrap="square" rtlCol="0" anchor="ctr"/>
+          <a:lstStyle/>
+          <a:p>
+            <a:pPr algn="ctr" indent="0" marL="0">
+              <a:buNone/>
+            </a:pPr>
+            <a:r>
+              <a:rPr lang="en-US" sz="800" dirty="0">
+                <a:solidFill>
+                  <a:srgbClr val="E8463A"/>
+                </a:solidFill>
+              </a:rPr>
+              <a:t>0% 🔴</a:t>
+            </a:r>
+            <a:endParaRPr lang="en-US" sz="800" dirty="0"/>
+          </a:p>
+        </p:txBody>
+      </p:sp>
+      <p:sp>
+        <p:nvSpPr>
+          <p:cNvPr id="82" name="Shape 80"/>
+          <p:cNvSpPr/>
+          <p:nvPr/>
+        </p:nvSpPr>
+        <p:spPr>
+          <a:xfrm>
+            <a:off x="6309360" y="3849624"/>
+            <a:ext cx="5349240" cy="228600"/>
           </a:xfrm>
           <a:prstGeom prst="rect">
             <a:avLst/>
           </a:prstGeom>
           <a:solidFill>
-            <a:srgbClr val="0F2540"/>
+            <a:srgbClr val="FDE8E7"/>
           </a:solidFill>
           <a:ln/>
         </p:spPr>
       </p:sp>
       <p:sp>
         <p:nvSpPr>
-          <p:cNvPr id="51" name="Text 49"/>
-          <p:cNvSpPr/>
-          <p:nvPr/>
-        </p:nvSpPr>
-        <p:spPr>
-          <a:xfrm>
-            <a:off x="6172200" y="3730752"/>
-            <a:ext cx="365760" cy="329184"/>
+          <p:cNvPr id="83" name="Text 81"/>
+          <p:cNvSpPr/>
+          <p:nvPr/>
+        </p:nvSpPr>
+        <p:spPr>
+          <a:xfrm>
+            <a:off x="6400800" y="3877056"/>
+            <a:ext cx="2834640" cy="182880"/>
+          </a:xfrm>
+          <a:prstGeom prst="rect">
+            <a:avLst/>
+          </a:prstGeom>
+          <a:noFill/>
+          <a:ln/>
+        </p:spPr>
+        <p:txBody>
+          <a:bodyPr wrap="square" rtlCol="0" anchor="ctr"/>
+          <a:lstStyle/>
+          <a:p>
+            <a:pPr indent="0" marL="0">
+              <a:buNone/>
+            </a:pPr>
+            <a:r>
+              <a:rPr lang="en-US" sz="800" dirty="0">
+                <a:solidFill>
+                  <a:srgbClr val="3A4F63"/>
+                </a:solidFill>
+              </a:rPr>
+              <a:t>Emily Petraglia</a:t>
+            </a:r>
+            <a:endParaRPr lang="en-US" sz="800" dirty="0"/>
+          </a:p>
+        </p:txBody>
+      </p:sp>
+      <p:sp>
+        <p:nvSpPr>
+          <p:cNvPr id="84" name="Text 82"/>
+          <p:cNvSpPr/>
+          <p:nvPr/>
+        </p:nvSpPr>
+        <p:spPr>
+          <a:xfrm>
+            <a:off x="9326880" y="3877056"/>
+            <a:ext cx="731520" cy="182880"/>
           </a:xfrm>
           <a:prstGeom prst="rect">
             <a:avLst/>
@@ -16173,75 +19404,203 @@
               <a:buNone/>
             </a:pPr>
             <a:r>
-              <a:rPr lang="en-US" sz="1200" b="1" dirty="0">
-                <a:solidFill>
-                  <a:srgbClr val="FFFFFF"/>
+              <a:rPr lang="en-US" sz="800" dirty="0">
+                <a:solidFill>
+                  <a:srgbClr val="3A4F63"/>
+                </a:solidFill>
+              </a:rPr>
+              <a:t>12</a:t>
+            </a:r>
+            <a:endParaRPr lang="en-US" sz="800" dirty="0"/>
+          </a:p>
+        </p:txBody>
+      </p:sp>
+      <p:sp>
+        <p:nvSpPr>
+          <p:cNvPr id="85" name="Text 83"/>
+          <p:cNvSpPr/>
+          <p:nvPr/>
+        </p:nvSpPr>
+        <p:spPr>
+          <a:xfrm>
+            <a:off x="10149840" y="3877056"/>
+            <a:ext cx="640080" cy="182880"/>
+          </a:xfrm>
+          <a:prstGeom prst="rect">
+            <a:avLst/>
+          </a:prstGeom>
+          <a:noFill/>
+          <a:ln/>
+        </p:spPr>
+        <p:txBody>
+          <a:bodyPr wrap="square" rtlCol="0" anchor="ctr"/>
+          <a:lstStyle/>
+          <a:p>
+            <a:pPr algn="ctr" indent="0" marL="0">
+              <a:buNone/>
+            </a:pPr>
+            <a:r>
+              <a:rPr lang="en-US" sz="800" dirty="0">
+                <a:solidFill>
+                  <a:srgbClr val="3A4F63"/>
+                </a:solidFill>
+              </a:rPr>
+              <a:t>0</a:t>
+            </a:r>
+            <a:endParaRPr lang="en-US" sz="800" dirty="0"/>
+          </a:p>
+        </p:txBody>
+      </p:sp>
+      <p:sp>
+        <p:nvSpPr>
+          <p:cNvPr id="86" name="Text 84"/>
+          <p:cNvSpPr/>
+          <p:nvPr/>
+        </p:nvSpPr>
+        <p:spPr>
+          <a:xfrm>
+            <a:off x="10835640" y="3877056"/>
+            <a:ext cx="822960" cy="182880"/>
+          </a:xfrm>
+          <a:prstGeom prst="rect">
+            <a:avLst/>
+          </a:prstGeom>
+          <a:noFill/>
+          <a:ln/>
+        </p:spPr>
+        <p:txBody>
+          <a:bodyPr wrap="square" rtlCol="0" anchor="ctr"/>
+          <a:lstStyle/>
+          <a:p>
+            <a:pPr algn="ctr" indent="0" marL="0">
+              <a:buNone/>
+            </a:pPr>
+            <a:r>
+              <a:rPr lang="en-US" sz="800" dirty="0">
+                <a:solidFill>
+                  <a:srgbClr val="E8463A"/>
+                </a:solidFill>
+              </a:rPr>
+              <a:t>0% 🔴</a:t>
+            </a:r>
+            <a:endParaRPr lang="en-US" sz="800" dirty="0"/>
+          </a:p>
+        </p:txBody>
+      </p:sp>
+      <p:sp>
+        <p:nvSpPr>
+          <p:cNvPr id="87" name="Shape 85"/>
+          <p:cNvSpPr/>
+          <p:nvPr/>
+        </p:nvSpPr>
+        <p:spPr>
+          <a:xfrm>
+            <a:off x="6309360" y="4096512"/>
+            <a:ext cx="5349240" cy="228600"/>
+          </a:xfrm>
+          <a:prstGeom prst="rect">
+            <a:avLst/>
+          </a:prstGeom>
+          <a:solidFill>
+            <a:srgbClr val="FDE8E7"/>
+          </a:solidFill>
+          <a:ln/>
+        </p:spPr>
+      </p:sp>
+      <p:sp>
+        <p:nvSpPr>
+          <p:cNvPr id="88" name="Text 86"/>
+          <p:cNvSpPr/>
+          <p:nvPr/>
+        </p:nvSpPr>
+        <p:spPr>
+          <a:xfrm>
+            <a:off x="6400800" y="4123944"/>
+            <a:ext cx="2834640" cy="182880"/>
+          </a:xfrm>
+          <a:prstGeom prst="rect">
+            <a:avLst/>
+          </a:prstGeom>
+          <a:noFill/>
+          <a:ln/>
+        </p:spPr>
+        <p:txBody>
+          <a:bodyPr wrap="square" rtlCol="0" anchor="ctr"/>
+          <a:lstStyle/>
+          <a:p>
+            <a:pPr indent="0" marL="0">
+              <a:buNone/>
+            </a:pPr>
+            <a:r>
+              <a:rPr lang="en-US" sz="800" dirty="0">
+                <a:solidFill>
+                  <a:srgbClr val="3A4F63"/>
+                </a:solidFill>
+              </a:rPr>
+              <a:t>Jailyn Johnson</a:t>
+            </a:r>
+            <a:endParaRPr lang="en-US" sz="800" dirty="0"/>
+          </a:p>
+        </p:txBody>
+      </p:sp>
+      <p:sp>
+        <p:nvSpPr>
+          <p:cNvPr id="89" name="Text 87"/>
+          <p:cNvSpPr/>
+          <p:nvPr/>
+        </p:nvSpPr>
+        <p:spPr>
+          <a:xfrm>
+            <a:off x="9326880" y="4123944"/>
+            <a:ext cx="731520" cy="182880"/>
+          </a:xfrm>
+          <a:prstGeom prst="rect">
+            <a:avLst/>
+          </a:prstGeom>
+          <a:noFill/>
+          <a:ln/>
+        </p:spPr>
+        <p:txBody>
+          <a:bodyPr wrap="square" rtlCol="0" anchor="ctr"/>
+          <a:lstStyle/>
+          <a:p>
+            <a:pPr algn="ctr" indent="0" marL="0">
+              <a:buNone/>
+            </a:pPr>
+            <a:r>
+              <a:rPr lang="en-US" sz="800" dirty="0">
+                <a:solidFill>
+                  <a:srgbClr val="3A4F63"/>
                 </a:solidFill>
               </a:rPr>
               <a:t>8</a:t>
             </a:r>
-            <a:endParaRPr lang="en-US" sz="1200" dirty="0"/>
-          </a:p>
-        </p:txBody>
-      </p:sp>
-      <p:sp>
-        <p:nvSpPr>
-          <p:cNvPr id="52" name="Text 50"/>
-          <p:cNvSpPr/>
-          <p:nvPr/>
-        </p:nvSpPr>
-        <p:spPr>
-          <a:xfrm>
-            <a:off x="6611112" y="3584448"/>
-            <a:ext cx="4206240" cy="219456"/>
-          </a:xfrm>
-          <a:prstGeom prst="rect">
-            <a:avLst/>
-          </a:prstGeom>
-          <a:noFill/>
-          <a:ln/>
-        </p:spPr>
-        <p:txBody>
-          <a:bodyPr wrap="square" rtlCol="0" anchor="ctr"/>
-          <a:lstStyle/>
-          <a:p>
-            <a:pPr indent="0" marL="0">
-              <a:buNone/>
-            </a:pPr>
-            <a:r>
-              <a:rPr lang="en-US" sz="950" b="1" dirty="0">
-                <a:solidFill>
-                  <a:srgbClr val="0F2540"/>
-                </a:solidFill>
-              </a:rPr>
-              <a:t>Diagnose November Collapse</a:t>
-            </a:r>
-            <a:endParaRPr lang="en-US" sz="950" dirty="0"/>
-          </a:p>
-        </p:txBody>
-      </p:sp>
-      <p:sp>
-        <p:nvSpPr>
-          <p:cNvPr id="53" name="Text 51"/>
-          <p:cNvSpPr/>
-          <p:nvPr/>
-        </p:nvSpPr>
-        <p:spPr>
-          <a:xfrm>
-            <a:off x="6611112" y="3803904"/>
-            <a:ext cx="4206240" cy="274320"/>
-          </a:xfrm>
-          <a:prstGeom prst="rect">
-            <a:avLst/>
-          </a:prstGeom>
-          <a:noFill/>
-          <a:ln/>
-        </p:spPr>
-        <p:txBody>
-          <a:bodyPr wrap="square" rtlCol="0" anchor="ctr"/>
-          <a:lstStyle/>
-          <a:p>
-            <a:pPr indent="0" marL="0">
+            <a:endParaRPr lang="en-US" sz="800" dirty="0"/>
+          </a:p>
+        </p:txBody>
+      </p:sp>
+      <p:sp>
+        <p:nvSpPr>
+          <p:cNvPr id="90" name="Text 88"/>
+          <p:cNvSpPr/>
+          <p:nvPr/>
+        </p:nvSpPr>
+        <p:spPr>
+          <a:xfrm>
+            <a:off x="10149840" y="4123944"/>
+            <a:ext cx="640080" cy="182880"/>
+          </a:xfrm>
+          <a:prstGeom prst="rect">
+            <a:avLst/>
+          </a:prstGeom>
+          <a:noFill/>
+          <a:ln/>
+        </p:spPr>
+        <p:txBody>
+          <a:bodyPr wrap="square" rtlCol="0" anchor="ctr"/>
+          <a:lstStyle/>
+          <a:p>
+            <a:pPr algn="ctr" indent="0" marL="0">
               <a:buNone/>
             </a:pPr>
             <a:r>
@@ -16250,7 +19609,7 @@
                   <a:srgbClr val="3A4F63"/>
                 </a:solidFill>
               </a:rPr>
-              <a:t>Same volume as September, half the win rate. What changed? Answers prevent January from becoming permanent.</a:t>
+              <a:t>0</a:t>
             </a:r>
             <a:endParaRPr lang="en-US" sz="800" dirty="0"/>
           </a:p>
@@ -16258,35 +19617,71 @@
       </p:sp>
       <p:sp>
         <p:nvSpPr>
-          <p:cNvPr id="54" name="Text 52"/>
-          <p:cNvSpPr/>
-          <p:nvPr/>
-        </p:nvSpPr>
-        <p:spPr>
-          <a:xfrm>
-            <a:off x="6611112" y="4078224"/>
-            <a:ext cx="5120640" cy="164592"/>
-          </a:xfrm>
-          <a:prstGeom prst="rect">
-            <a:avLst/>
-          </a:prstGeom>
-          <a:noFill/>
-          <a:ln/>
-        </p:spPr>
-        <p:txBody>
-          <a:bodyPr wrap="square" rtlCol="0" anchor="ctr"/>
-          <a:lstStyle/>
-          <a:p>
-            <a:pPr indent="0" marL="0">
-              <a:buNone/>
-            </a:pPr>
-            <a:r>
-              <a:rPr lang="en-US" sz="750" b="1" dirty="0">
-                <a:solidFill>
-                  <a:srgbClr val="27AE60"/>
-                </a:solidFill>
-              </a:rPr>
-              <a:t>Sales Ops — Q1  |  Prevents further decline</a:t>
+          <p:cNvPr id="91" name="Text 89"/>
+          <p:cNvSpPr/>
+          <p:nvPr/>
+        </p:nvSpPr>
+        <p:spPr>
+          <a:xfrm>
+            <a:off x="10835640" y="4123944"/>
+            <a:ext cx="822960" cy="182880"/>
+          </a:xfrm>
+          <a:prstGeom prst="rect">
+            <a:avLst/>
+          </a:prstGeom>
+          <a:noFill/>
+          <a:ln/>
+        </p:spPr>
+        <p:txBody>
+          <a:bodyPr wrap="square" rtlCol="0" anchor="ctr"/>
+          <a:lstStyle/>
+          <a:p>
+            <a:pPr algn="ctr" indent="0" marL="0">
+              <a:buNone/>
+            </a:pPr>
+            <a:r>
+              <a:rPr lang="en-US" sz="800" dirty="0">
+                <a:solidFill>
+                  <a:srgbClr val="E8463A"/>
+                </a:solidFill>
+              </a:rPr>
+              <a:t>0%</a:t>
+            </a:r>
+            <a:endParaRPr lang="en-US" sz="800" dirty="0"/>
+          </a:p>
+        </p:txBody>
+      </p:sp>
+      <p:sp>
+        <p:nvSpPr>
+          <p:cNvPr id="92" name="Text 90"/>
+          <p:cNvSpPr/>
+          <p:nvPr/>
+        </p:nvSpPr>
+        <p:spPr>
+          <a:xfrm>
+            <a:off x="6309360" y="4389120"/>
+            <a:ext cx="5349240" cy="182880"/>
+          </a:xfrm>
+          <a:prstGeom prst="rect">
+            <a:avLst/>
+          </a:prstGeom>
+          <a:noFill/>
+          <a:ln/>
+        </p:spPr>
+        <p:txBody>
+          <a:bodyPr wrap="square" rtlCol="0" anchor="ctr"/>
+          <a:lstStyle/>
+          <a:p>
+            <a:pPr indent="0" marL="0">
+              <a:buNone/>
+            </a:pPr>
+            <a:r>
+              <a:rPr lang="en-US" sz="750" i="1" dirty="0">
+                <a:solidFill>
+                  <a:srgbClr val="6B7F93"/>
+                </a:solidFill>
+              </a:rPr>
+              <a:t>* Small sample. SDRs with dual AE roles may reflect cross-team data.</a:t>
             </a:r>
             <a:endParaRPr lang="en-US" sz="750" dirty="0"/>
           </a:p>

--- a/GTM-Bookings-Analysis.pptx
+++ b/GTM-Bookings-Analysis.pptx
@@ -19757,7 +19757,7 @@
                   <a:srgbClr val="FFFFFF"/>
                 </a:solidFill>
               </a:rPr>
-              <a:t>Total</a:t>
+              <a:t>Mtgs Set</a:t>
             </a:r>
             <a:endParaRPr lang="en-US" sz="750" dirty="0"/>
           </a:p>
